--- a/프레젠테이션1.pptx
+++ b/프레젠테이션1.pptx
@@ -8,6 +8,16 @@
     <p:sldId id="256" r:id="rId2"/>
     <p:sldId id="257" r:id="rId3"/>
     <p:sldId id="258" r:id="rId4"/>
+    <p:sldId id="262" r:id="rId5"/>
+    <p:sldId id="263" r:id="rId6"/>
+    <p:sldId id="264" r:id="rId7"/>
+    <p:sldId id="265" r:id="rId8"/>
+    <p:sldId id="266" r:id="rId9"/>
+    <p:sldId id="267" r:id="rId10"/>
+    <p:sldId id="268" r:id="rId11"/>
+    <p:sldId id="259" r:id="rId12"/>
+    <p:sldId id="261" r:id="rId13"/>
+    <p:sldId id="260" r:id="rId14"/>
   </p:sldIdLst>
   <p:sldSz cx="12192000" cy="6858000"/>
   <p:notesSz cx="6858000" cy="9144000"/>
@@ -106,6 +116,11 @@
       </a:defRPr>
     </a:lvl9pPr>
   </p:defaultTextStyle>
+  <p:extLst>
+    <p:ext uri="{EFAFB233-063F-42B5-8137-9DF3F51BA10A}">
+      <p15:sldGuideLst xmlns:p15="http://schemas.microsoft.com/office/powerpoint/2012/main"/>
+    </p:ext>
+  </p:extLst>
 </p:presentation>
 </file>
 
@@ -256,7 +271,7 @@
           <a:p>
             <a:fld id="{D9866505-FD4D-4AC9-98A1-0A4AD688B549}" type="datetimeFigureOut">
               <a:rPr lang="ko-KR" altLang="en-US" smtClean="0"/>
-              <a:t>2020-08-20</a:t>
+              <a:t>2020-08-21</a:t>
             </a:fld>
             <a:endParaRPr lang="ko-KR" altLang="en-US"/>
           </a:p>
@@ -454,7 +469,7 @@
           <a:p>
             <a:fld id="{D9866505-FD4D-4AC9-98A1-0A4AD688B549}" type="datetimeFigureOut">
               <a:rPr lang="ko-KR" altLang="en-US" smtClean="0"/>
-              <a:t>2020-08-20</a:t>
+              <a:t>2020-08-21</a:t>
             </a:fld>
             <a:endParaRPr lang="ko-KR" altLang="en-US"/>
           </a:p>
@@ -662,7 +677,7 @@
           <a:p>
             <a:fld id="{D9866505-FD4D-4AC9-98A1-0A4AD688B549}" type="datetimeFigureOut">
               <a:rPr lang="ko-KR" altLang="en-US" smtClean="0"/>
-              <a:t>2020-08-20</a:t>
+              <a:t>2020-08-21</a:t>
             </a:fld>
             <a:endParaRPr lang="ko-KR" altLang="en-US"/>
           </a:p>
@@ -860,7 +875,7 @@
           <a:p>
             <a:fld id="{D9866505-FD4D-4AC9-98A1-0A4AD688B549}" type="datetimeFigureOut">
               <a:rPr lang="ko-KR" altLang="en-US" smtClean="0"/>
-              <a:t>2020-08-20</a:t>
+              <a:t>2020-08-21</a:t>
             </a:fld>
             <a:endParaRPr lang="ko-KR" altLang="en-US"/>
           </a:p>
@@ -1135,7 +1150,7 @@
           <a:p>
             <a:fld id="{D9866505-FD4D-4AC9-98A1-0A4AD688B549}" type="datetimeFigureOut">
               <a:rPr lang="ko-KR" altLang="en-US" smtClean="0"/>
-              <a:t>2020-08-20</a:t>
+              <a:t>2020-08-21</a:t>
             </a:fld>
             <a:endParaRPr lang="ko-KR" altLang="en-US"/>
           </a:p>
@@ -1400,7 +1415,7 @@
           <a:p>
             <a:fld id="{D9866505-FD4D-4AC9-98A1-0A4AD688B549}" type="datetimeFigureOut">
               <a:rPr lang="ko-KR" altLang="en-US" smtClean="0"/>
-              <a:t>2020-08-20</a:t>
+              <a:t>2020-08-21</a:t>
             </a:fld>
             <a:endParaRPr lang="ko-KR" altLang="en-US"/>
           </a:p>
@@ -1812,7 +1827,7 @@
           <a:p>
             <a:fld id="{D9866505-FD4D-4AC9-98A1-0A4AD688B549}" type="datetimeFigureOut">
               <a:rPr lang="ko-KR" altLang="en-US" smtClean="0"/>
-              <a:t>2020-08-20</a:t>
+              <a:t>2020-08-21</a:t>
             </a:fld>
             <a:endParaRPr lang="ko-KR" altLang="en-US"/>
           </a:p>
@@ -1953,7 +1968,7 @@
           <a:p>
             <a:fld id="{D9866505-FD4D-4AC9-98A1-0A4AD688B549}" type="datetimeFigureOut">
               <a:rPr lang="ko-KR" altLang="en-US" smtClean="0"/>
-              <a:t>2020-08-20</a:t>
+              <a:t>2020-08-21</a:t>
             </a:fld>
             <a:endParaRPr lang="ko-KR" altLang="en-US"/>
           </a:p>
@@ -2066,7 +2081,7 @@
           <a:p>
             <a:fld id="{D9866505-FD4D-4AC9-98A1-0A4AD688B549}" type="datetimeFigureOut">
               <a:rPr lang="ko-KR" altLang="en-US" smtClean="0"/>
-              <a:t>2020-08-20</a:t>
+              <a:t>2020-08-21</a:t>
             </a:fld>
             <a:endParaRPr lang="ko-KR" altLang="en-US"/>
           </a:p>
@@ -2377,7 +2392,7 @@
           <a:p>
             <a:fld id="{D9866505-FD4D-4AC9-98A1-0A4AD688B549}" type="datetimeFigureOut">
               <a:rPr lang="ko-KR" altLang="en-US" smtClean="0"/>
-              <a:t>2020-08-20</a:t>
+              <a:t>2020-08-21</a:t>
             </a:fld>
             <a:endParaRPr lang="ko-KR" altLang="en-US"/>
           </a:p>
@@ -2665,7 +2680,7 @@
           <a:p>
             <a:fld id="{D9866505-FD4D-4AC9-98A1-0A4AD688B549}" type="datetimeFigureOut">
               <a:rPr lang="ko-KR" altLang="en-US" smtClean="0"/>
-              <a:t>2020-08-20</a:t>
+              <a:t>2020-08-21</a:t>
             </a:fld>
             <a:endParaRPr lang="ko-KR" altLang="en-US"/>
           </a:p>
@@ -2906,7 +2921,7 @@
           <a:p>
             <a:fld id="{D9866505-FD4D-4AC9-98A1-0A4AD688B549}" type="datetimeFigureOut">
               <a:rPr lang="ko-KR" altLang="en-US" smtClean="0"/>
-              <a:t>2020-08-20</a:t>
+              <a:t>2020-08-21</a:t>
             </a:fld>
             <a:endParaRPr lang="ko-KR" altLang="en-US"/>
           </a:p>
@@ -3386,6 +3401,1887 @@
 </p:sld>
 </file>
 
+<file path=ppt/slides/slide10.xml><?xml version="1.0" encoding="utf-8"?>
+<p:sld xmlns:a="http://schemas.openxmlformats.org/drawingml/2006/main" xmlns:r="http://schemas.openxmlformats.org/officeDocument/2006/relationships" xmlns:p="http://schemas.openxmlformats.org/presentationml/2006/main">
+  <p:cSld>
+    <p:spTree>
+      <p:nvGrpSpPr>
+        <p:cNvPr id="1" name=""/>
+        <p:cNvGrpSpPr/>
+        <p:nvPr/>
+      </p:nvGrpSpPr>
+      <p:grpSpPr>
+        <a:xfrm>
+          <a:off x="0" y="0"/>
+          <a:ext cx="0" cy="0"/>
+          <a:chOff x="0" y="0"/>
+          <a:chExt cx="0" cy="0"/>
+        </a:xfrm>
+      </p:grpSpPr>
+      <p:sp>
+        <p:nvSpPr>
+          <p:cNvPr id="2" name="타원 1">
+            <a:extLst>
+              <a:ext uri="{FF2B5EF4-FFF2-40B4-BE49-F238E27FC236}">
+                <a16:creationId xmlns:a16="http://schemas.microsoft.com/office/drawing/2014/main" id="{270B6716-B2B2-480B-816D-B7FDE235EFA2}"/>
+              </a:ext>
+            </a:extLst>
+          </p:cNvPr>
+          <p:cNvSpPr/>
+          <p:nvPr/>
+        </p:nvSpPr>
+        <p:spPr>
+          <a:xfrm>
+            <a:off x="5705474" y="6334124"/>
+            <a:ext cx="523875" cy="523875"/>
+          </a:xfrm>
+          <a:prstGeom prst="ellipse">
+            <a:avLst/>
+          </a:prstGeom>
+        </p:spPr>
+        <p:style>
+          <a:lnRef idx="2">
+            <a:schemeClr val="accent1">
+              <a:shade val="50000"/>
+            </a:schemeClr>
+          </a:lnRef>
+          <a:fillRef idx="1">
+            <a:schemeClr val="accent1"/>
+          </a:fillRef>
+          <a:effectRef idx="0">
+            <a:schemeClr val="accent1"/>
+          </a:effectRef>
+          <a:fontRef idx="minor">
+            <a:schemeClr val="lt1"/>
+          </a:fontRef>
+        </p:style>
+        <p:txBody>
+          <a:bodyPr rtlCol="0" anchor="ctr"/>
+          <a:lstStyle/>
+          <a:p>
+            <a:pPr algn="ctr"/>
+            <a:endParaRPr lang="ko-KR" altLang="en-US"/>
+          </a:p>
+        </p:txBody>
+      </p:sp>
+      <p:sp>
+        <p:nvSpPr>
+          <p:cNvPr id="3" name="타원 2">
+            <a:extLst>
+              <a:ext uri="{FF2B5EF4-FFF2-40B4-BE49-F238E27FC236}">
+                <a16:creationId xmlns:a16="http://schemas.microsoft.com/office/drawing/2014/main" id="{14D55762-0B5C-42D1-8CFE-B95D8EC65678}"/>
+              </a:ext>
+            </a:extLst>
+          </p:cNvPr>
+          <p:cNvSpPr/>
+          <p:nvPr/>
+        </p:nvSpPr>
+        <p:spPr>
+          <a:xfrm>
+            <a:off x="4762499" y="2386015"/>
+            <a:ext cx="523875" cy="523875"/>
+          </a:xfrm>
+          <a:prstGeom prst="ellipse">
+            <a:avLst/>
+          </a:prstGeom>
+        </p:spPr>
+        <p:style>
+          <a:lnRef idx="2">
+            <a:schemeClr val="accent1">
+              <a:shade val="50000"/>
+            </a:schemeClr>
+          </a:lnRef>
+          <a:fillRef idx="1">
+            <a:schemeClr val="accent1"/>
+          </a:fillRef>
+          <a:effectRef idx="0">
+            <a:schemeClr val="accent1"/>
+          </a:effectRef>
+          <a:fontRef idx="minor">
+            <a:schemeClr val="lt1"/>
+          </a:fontRef>
+        </p:style>
+        <p:txBody>
+          <a:bodyPr rtlCol="0" anchor="ctr"/>
+          <a:lstStyle/>
+          <a:p>
+            <a:pPr algn="ctr"/>
+            <a:endParaRPr lang="ko-KR" altLang="en-US"/>
+          </a:p>
+        </p:txBody>
+      </p:sp>
+      <p:sp>
+        <p:nvSpPr>
+          <p:cNvPr id="4" name="타원 3">
+            <a:extLst>
+              <a:ext uri="{FF2B5EF4-FFF2-40B4-BE49-F238E27FC236}">
+                <a16:creationId xmlns:a16="http://schemas.microsoft.com/office/drawing/2014/main" id="{94A41B6B-9136-4EA8-9F58-944F9A1DE749}"/>
+              </a:ext>
+            </a:extLst>
+          </p:cNvPr>
+          <p:cNvSpPr/>
+          <p:nvPr/>
+        </p:nvSpPr>
+        <p:spPr>
+          <a:xfrm>
+            <a:off x="6648451" y="5143495"/>
+            <a:ext cx="523875" cy="523875"/>
+          </a:xfrm>
+          <a:prstGeom prst="ellipse">
+            <a:avLst/>
+          </a:prstGeom>
+        </p:spPr>
+        <p:style>
+          <a:lnRef idx="2">
+            <a:schemeClr val="accent1">
+              <a:shade val="50000"/>
+            </a:schemeClr>
+          </a:lnRef>
+          <a:fillRef idx="1">
+            <a:schemeClr val="accent1"/>
+          </a:fillRef>
+          <a:effectRef idx="0">
+            <a:schemeClr val="accent1"/>
+          </a:effectRef>
+          <a:fontRef idx="minor">
+            <a:schemeClr val="lt1"/>
+          </a:fontRef>
+        </p:style>
+        <p:txBody>
+          <a:bodyPr rtlCol="0" anchor="ctr"/>
+          <a:lstStyle/>
+          <a:p>
+            <a:pPr algn="ctr"/>
+            <a:endParaRPr lang="ko-KR" altLang="en-US"/>
+          </a:p>
+        </p:txBody>
+      </p:sp>
+      <p:sp>
+        <p:nvSpPr>
+          <p:cNvPr id="5" name="타원 4">
+            <a:extLst>
+              <a:ext uri="{FF2B5EF4-FFF2-40B4-BE49-F238E27FC236}">
+                <a16:creationId xmlns:a16="http://schemas.microsoft.com/office/drawing/2014/main" id="{6F4F23A9-275A-493C-B0CC-6EA140CF6A2D}"/>
+              </a:ext>
+            </a:extLst>
+          </p:cNvPr>
+          <p:cNvSpPr/>
+          <p:nvPr/>
+        </p:nvSpPr>
+        <p:spPr>
+          <a:xfrm>
+            <a:off x="6696075" y="3952874"/>
+            <a:ext cx="523875" cy="523875"/>
+          </a:xfrm>
+          <a:prstGeom prst="ellipse">
+            <a:avLst/>
+          </a:prstGeom>
+        </p:spPr>
+        <p:style>
+          <a:lnRef idx="2">
+            <a:schemeClr val="accent1">
+              <a:shade val="50000"/>
+            </a:schemeClr>
+          </a:lnRef>
+          <a:fillRef idx="1">
+            <a:schemeClr val="accent1"/>
+          </a:fillRef>
+          <a:effectRef idx="0">
+            <a:schemeClr val="accent1"/>
+          </a:effectRef>
+          <a:fontRef idx="minor">
+            <a:schemeClr val="lt1"/>
+          </a:fontRef>
+        </p:style>
+        <p:txBody>
+          <a:bodyPr rtlCol="0" anchor="ctr"/>
+          <a:lstStyle/>
+          <a:p>
+            <a:pPr algn="ctr"/>
+            <a:endParaRPr lang="ko-KR" altLang="en-US"/>
+          </a:p>
+        </p:txBody>
+      </p:sp>
+      <p:sp>
+        <p:nvSpPr>
+          <p:cNvPr id="6" name="타원 5">
+            <a:extLst>
+              <a:ext uri="{FF2B5EF4-FFF2-40B4-BE49-F238E27FC236}">
+                <a16:creationId xmlns:a16="http://schemas.microsoft.com/office/drawing/2014/main" id="{690CCCD9-992D-45B7-AC58-68691A24B993}"/>
+              </a:ext>
+            </a:extLst>
+          </p:cNvPr>
+          <p:cNvSpPr/>
+          <p:nvPr/>
+        </p:nvSpPr>
+        <p:spPr>
+          <a:xfrm>
+            <a:off x="5705474" y="3309936"/>
+            <a:ext cx="523875" cy="523875"/>
+          </a:xfrm>
+          <a:prstGeom prst="ellipse">
+            <a:avLst/>
+          </a:prstGeom>
+        </p:spPr>
+        <p:style>
+          <a:lnRef idx="2">
+            <a:schemeClr val="accent1">
+              <a:shade val="50000"/>
+            </a:schemeClr>
+          </a:lnRef>
+          <a:fillRef idx="1">
+            <a:schemeClr val="accent1"/>
+          </a:fillRef>
+          <a:effectRef idx="0">
+            <a:schemeClr val="accent1"/>
+          </a:effectRef>
+          <a:fontRef idx="minor">
+            <a:schemeClr val="lt1"/>
+          </a:fontRef>
+        </p:style>
+        <p:txBody>
+          <a:bodyPr rtlCol="0" anchor="ctr"/>
+          <a:lstStyle/>
+          <a:p>
+            <a:pPr algn="ctr"/>
+            <a:endParaRPr lang="ko-KR" altLang="en-US"/>
+          </a:p>
+        </p:txBody>
+      </p:sp>
+      <p:sp>
+        <p:nvSpPr>
+          <p:cNvPr id="7" name="타원 6">
+            <a:extLst>
+              <a:ext uri="{FF2B5EF4-FFF2-40B4-BE49-F238E27FC236}">
+                <a16:creationId xmlns:a16="http://schemas.microsoft.com/office/drawing/2014/main" id="{815E34C3-528B-4ACE-92A9-1FDEE868FB07}"/>
+              </a:ext>
+            </a:extLst>
+          </p:cNvPr>
+          <p:cNvSpPr/>
+          <p:nvPr/>
+        </p:nvSpPr>
+        <p:spPr>
+          <a:xfrm>
+            <a:off x="4552947" y="3948110"/>
+            <a:ext cx="523875" cy="523875"/>
+          </a:xfrm>
+          <a:prstGeom prst="ellipse">
+            <a:avLst/>
+          </a:prstGeom>
+        </p:spPr>
+        <p:style>
+          <a:lnRef idx="2">
+            <a:schemeClr val="accent1">
+              <a:shade val="50000"/>
+            </a:schemeClr>
+          </a:lnRef>
+          <a:fillRef idx="1">
+            <a:schemeClr val="accent1"/>
+          </a:fillRef>
+          <a:effectRef idx="0">
+            <a:schemeClr val="accent1"/>
+          </a:effectRef>
+          <a:fontRef idx="minor">
+            <a:schemeClr val="lt1"/>
+          </a:fontRef>
+        </p:style>
+        <p:txBody>
+          <a:bodyPr rtlCol="0" anchor="ctr"/>
+          <a:lstStyle/>
+          <a:p>
+            <a:pPr algn="ctr"/>
+            <a:endParaRPr lang="ko-KR" altLang="en-US"/>
+          </a:p>
+        </p:txBody>
+      </p:sp>
+      <p:sp>
+        <p:nvSpPr>
+          <p:cNvPr id="8" name="타원 7">
+            <a:extLst>
+              <a:ext uri="{FF2B5EF4-FFF2-40B4-BE49-F238E27FC236}">
+                <a16:creationId xmlns:a16="http://schemas.microsoft.com/office/drawing/2014/main" id="{148F9838-D713-4205-8CDA-2E5BAB25D909}"/>
+              </a:ext>
+            </a:extLst>
+          </p:cNvPr>
+          <p:cNvSpPr/>
+          <p:nvPr/>
+        </p:nvSpPr>
+        <p:spPr>
+          <a:xfrm>
+            <a:off x="4605336" y="5143496"/>
+            <a:ext cx="523875" cy="523875"/>
+          </a:xfrm>
+          <a:prstGeom prst="ellipse">
+            <a:avLst/>
+          </a:prstGeom>
+        </p:spPr>
+        <p:style>
+          <a:lnRef idx="2">
+            <a:schemeClr val="accent1">
+              <a:shade val="50000"/>
+            </a:schemeClr>
+          </a:lnRef>
+          <a:fillRef idx="1">
+            <a:schemeClr val="accent1"/>
+          </a:fillRef>
+          <a:effectRef idx="0">
+            <a:schemeClr val="accent1"/>
+          </a:effectRef>
+          <a:fontRef idx="minor">
+            <a:schemeClr val="lt1"/>
+          </a:fontRef>
+        </p:style>
+        <p:txBody>
+          <a:bodyPr rtlCol="0" anchor="ctr"/>
+          <a:lstStyle/>
+          <a:p>
+            <a:pPr algn="ctr"/>
+            <a:endParaRPr lang="ko-KR" altLang="en-US"/>
+          </a:p>
+        </p:txBody>
+      </p:sp>
+      <p:cxnSp>
+        <p:nvCxnSpPr>
+          <p:cNvPr id="10" name="직선 화살표 연결선 9">
+            <a:extLst>
+              <a:ext uri="{FF2B5EF4-FFF2-40B4-BE49-F238E27FC236}">
+                <a16:creationId xmlns:a16="http://schemas.microsoft.com/office/drawing/2014/main" id="{7C02EBDE-EAFA-4C1E-A6C6-1BBC806465C3}"/>
+              </a:ext>
+            </a:extLst>
+          </p:cNvPr>
+          <p:cNvCxnSpPr>
+            <a:cxnSpLocks/>
+          </p:cNvCxnSpPr>
+          <p:nvPr/>
+        </p:nvCxnSpPr>
+        <p:spPr>
+          <a:xfrm flipV="1">
+            <a:off x="5962651" y="-71439"/>
+            <a:ext cx="0" cy="6657974"/>
+          </a:xfrm>
+          <a:prstGeom prst="straightConnector1">
+            <a:avLst/>
+          </a:prstGeom>
+          <a:ln w="41275">
+            <a:tailEnd type="triangle"/>
+          </a:ln>
+        </p:spPr>
+        <p:style>
+          <a:lnRef idx="1">
+            <a:schemeClr val="accent1"/>
+          </a:lnRef>
+          <a:fillRef idx="0">
+            <a:schemeClr val="accent1"/>
+          </a:fillRef>
+          <a:effectRef idx="0">
+            <a:schemeClr val="accent1"/>
+          </a:effectRef>
+          <a:fontRef idx="minor">
+            <a:schemeClr val="tx1"/>
+          </a:fontRef>
+        </p:style>
+      </p:cxnSp>
+      <p:sp>
+        <p:nvSpPr>
+          <p:cNvPr id="14" name="타원 13">
+            <a:extLst>
+              <a:ext uri="{FF2B5EF4-FFF2-40B4-BE49-F238E27FC236}">
+                <a16:creationId xmlns:a16="http://schemas.microsoft.com/office/drawing/2014/main" id="{A9C81805-7B61-4687-A01D-2053AD1393F4}"/>
+              </a:ext>
+            </a:extLst>
+          </p:cNvPr>
+          <p:cNvSpPr/>
+          <p:nvPr/>
+        </p:nvSpPr>
+        <p:spPr>
+          <a:xfrm>
+            <a:off x="4741066" y="928691"/>
+            <a:ext cx="523875" cy="523875"/>
+          </a:xfrm>
+          <a:prstGeom prst="ellipse">
+            <a:avLst/>
+          </a:prstGeom>
+        </p:spPr>
+        <p:style>
+          <a:lnRef idx="2">
+            <a:schemeClr val="accent1">
+              <a:shade val="50000"/>
+            </a:schemeClr>
+          </a:lnRef>
+          <a:fillRef idx="1">
+            <a:schemeClr val="accent1"/>
+          </a:fillRef>
+          <a:effectRef idx="0">
+            <a:schemeClr val="accent1"/>
+          </a:effectRef>
+          <a:fontRef idx="minor">
+            <a:schemeClr val="lt1"/>
+          </a:fontRef>
+        </p:style>
+        <p:txBody>
+          <a:bodyPr rtlCol="0" anchor="ctr"/>
+          <a:lstStyle/>
+          <a:p>
+            <a:pPr algn="ctr"/>
+            <a:endParaRPr lang="ko-KR" altLang="en-US"/>
+          </a:p>
+        </p:txBody>
+      </p:sp>
+      <p:sp>
+        <p:nvSpPr>
+          <p:cNvPr id="15" name="타원 14">
+            <a:extLst>
+              <a:ext uri="{FF2B5EF4-FFF2-40B4-BE49-F238E27FC236}">
+                <a16:creationId xmlns:a16="http://schemas.microsoft.com/office/drawing/2014/main" id="{D6838A03-4495-48E9-A9D5-4F196D5B13EC}"/>
+              </a:ext>
+            </a:extLst>
+          </p:cNvPr>
+          <p:cNvSpPr/>
+          <p:nvPr/>
+        </p:nvSpPr>
+        <p:spPr>
+          <a:xfrm>
+            <a:off x="5700714" y="295276"/>
+            <a:ext cx="523875" cy="523875"/>
+          </a:xfrm>
+          <a:prstGeom prst="ellipse">
+            <a:avLst/>
+          </a:prstGeom>
+        </p:spPr>
+        <p:style>
+          <a:lnRef idx="2">
+            <a:schemeClr val="accent1">
+              <a:shade val="50000"/>
+            </a:schemeClr>
+          </a:lnRef>
+          <a:fillRef idx="1">
+            <a:schemeClr val="accent1"/>
+          </a:fillRef>
+          <a:effectRef idx="0">
+            <a:schemeClr val="accent1"/>
+          </a:effectRef>
+          <a:fontRef idx="minor">
+            <a:schemeClr val="lt1"/>
+          </a:fontRef>
+        </p:style>
+        <p:txBody>
+          <a:bodyPr rtlCol="0" anchor="ctr"/>
+          <a:lstStyle/>
+          <a:p>
+            <a:pPr algn="ctr"/>
+            <a:endParaRPr lang="ko-KR" altLang="en-US"/>
+          </a:p>
+        </p:txBody>
+      </p:sp>
+      <p:sp>
+        <p:nvSpPr>
+          <p:cNvPr id="16" name="TextBox 15">
+            <a:extLst>
+              <a:ext uri="{FF2B5EF4-FFF2-40B4-BE49-F238E27FC236}">
+                <a16:creationId xmlns:a16="http://schemas.microsoft.com/office/drawing/2014/main" id="{EC60D1C4-6729-4C5C-A84E-3B565AA81B73}"/>
+              </a:ext>
+            </a:extLst>
+          </p:cNvPr>
+          <p:cNvSpPr txBox="1"/>
+          <p:nvPr/>
+        </p:nvSpPr>
+        <p:spPr>
+          <a:xfrm>
+            <a:off x="3686175" y="5667371"/>
+            <a:ext cx="1547811" cy="369332"/>
+          </a:xfrm>
+          <a:prstGeom prst="rect">
+            <a:avLst/>
+          </a:prstGeom>
+          <a:noFill/>
+        </p:spPr>
+        <p:txBody>
+          <a:bodyPr wrap="square" rtlCol="0">
+            <a:spAutoFit/>
+          </a:bodyPr>
+          <a:lstStyle/>
+          <a:p>
+            <a:r>
+              <a:rPr lang="ko-KR" altLang="en-US"/>
+              <a:t>대장</a:t>
+            </a:r>
+          </a:p>
+        </p:txBody>
+      </p:sp>
+      <p:sp>
+        <p:nvSpPr>
+          <p:cNvPr id="17" name="TextBox 16">
+            <a:extLst>
+              <a:ext uri="{FF2B5EF4-FFF2-40B4-BE49-F238E27FC236}">
+                <a16:creationId xmlns:a16="http://schemas.microsoft.com/office/drawing/2014/main" id="{BD701C7B-4722-4480-A465-9E2613200145}"/>
+              </a:ext>
+            </a:extLst>
+          </p:cNvPr>
+          <p:cNvSpPr txBox="1"/>
+          <p:nvPr/>
+        </p:nvSpPr>
+        <p:spPr>
+          <a:xfrm>
+            <a:off x="7386635" y="5667371"/>
+            <a:ext cx="1547811" cy="369332"/>
+          </a:xfrm>
+          <a:prstGeom prst="rect">
+            <a:avLst/>
+          </a:prstGeom>
+          <a:noFill/>
+        </p:spPr>
+        <p:txBody>
+          <a:bodyPr wrap="square" rtlCol="0">
+            <a:spAutoFit/>
+          </a:bodyPr>
+          <a:lstStyle/>
+          <a:p>
+            <a:r>
+              <a:rPr lang="ko-KR" altLang="en-US"/>
+              <a:t>짝궁</a:t>
+            </a:r>
+            <a:endParaRPr lang="ko-KR" altLang="en-US" dirty="0"/>
+          </a:p>
+        </p:txBody>
+      </p:sp>
+      <p:sp>
+        <p:nvSpPr>
+          <p:cNvPr id="18" name="TextBox 17">
+            <a:extLst>
+              <a:ext uri="{FF2B5EF4-FFF2-40B4-BE49-F238E27FC236}">
+                <a16:creationId xmlns:a16="http://schemas.microsoft.com/office/drawing/2014/main" id="{95FBB9F9-F322-4544-9658-00CEE6B1CF7F}"/>
+              </a:ext>
+            </a:extLst>
+          </p:cNvPr>
+          <p:cNvSpPr txBox="1"/>
+          <p:nvPr/>
+        </p:nvSpPr>
+        <p:spPr>
+          <a:xfrm>
+            <a:off x="5655467" y="6735242"/>
+            <a:ext cx="2081216" cy="369332"/>
+          </a:xfrm>
+          <a:prstGeom prst="rect">
+            <a:avLst/>
+          </a:prstGeom>
+          <a:noFill/>
+        </p:spPr>
+        <p:txBody>
+          <a:bodyPr wrap="square" rtlCol="0">
+            <a:spAutoFit/>
+          </a:bodyPr>
+          <a:lstStyle/>
+          <a:p>
+            <a:r>
+              <a:rPr lang="ko-KR" altLang="en-US"/>
+              <a:t>마스터</a:t>
+            </a:r>
+          </a:p>
+        </p:txBody>
+      </p:sp>
+      <p:sp>
+        <p:nvSpPr>
+          <p:cNvPr id="19" name="TextBox 18">
+            <a:extLst>
+              <a:ext uri="{FF2B5EF4-FFF2-40B4-BE49-F238E27FC236}">
+                <a16:creationId xmlns:a16="http://schemas.microsoft.com/office/drawing/2014/main" id="{DB03D755-5A2C-4BCC-9C8D-91E7343F674E}"/>
+              </a:ext>
+            </a:extLst>
+          </p:cNvPr>
+          <p:cNvSpPr txBox="1"/>
+          <p:nvPr/>
+        </p:nvSpPr>
+        <p:spPr>
+          <a:xfrm>
+            <a:off x="6638929" y="4105266"/>
+            <a:ext cx="2081216" cy="369332"/>
+          </a:xfrm>
+          <a:prstGeom prst="rect">
+            <a:avLst/>
+          </a:prstGeom>
+          <a:noFill/>
+        </p:spPr>
+        <p:txBody>
+          <a:bodyPr wrap="square" rtlCol="0">
+            <a:spAutoFit/>
+          </a:bodyPr>
+          <a:lstStyle/>
+          <a:p>
+            <a:r>
+              <a:rPr lang="ko-KR" altLang="en-US" dirty="0"/>
+              <a:t>수정</a:t>
+            </a:r>
+          </a:p>
+        </p:txBody>
+      </p:sp>
+      <p:sp>
+        <p:nvSpPr>
+          <p:cNvPr id="20" name="TextBox 19">
+            <a:extLst>
+              <a:ext uri="{FF2B5EF4-FFF2-40B4-BE49-F238E27FC236}">
+                <a16:creationId xmlns:a16="http://schemas.microsoft.com/office/drawing/2014/main" id="{4FFC0DC9-7F8D-431B-925F-5BC1553EF9D1}"/>
+              </a:ext>
+            </a:extLst>
+          </p:cNvPr>
+          <p:cNvSpPr txBox="1"/>
+          <p:nvPr/>
+        </p:nvSpPr>
+        <p:spPr>
+          <a:xfrm>
+            <a:off x="5607843" y="3358074"/>
+            <a:ext cx="2081216" cy="369332"/>
+          </a:xfrm>
+          <a:prstGeom prst="rect">
+            <a:avLst/>
+          </a:prstGeom>
+          <a:noFill/>
+        </p:spPr>
+        <p:txBody>
+          <a:bodyPr wrap="square" rtlCol="0">
+            <a:spAutoFit/>
+          </a:bodyPr>
+          <a:lstStyle/>
+          <a:p>
+            <a:r>
+              <a:rPr lang="ko-KR" altLang="en-US" dirty="0"/>
+              <a:t>병합</a:t>
+            </a:r>
+          </a:p>
+        </p:txBody>
+      </p:sp>
+      <p:sp>
+        <p:nvSpPr>
+          <p:cNvPr id="21" name="TextBox 20">
+            <a:extLst>
+              <a:ext uri="{FF2B5EF4-FFF2-40B4-BE49-F238E27FC236}">
+                <a16:creationId xmlns:a16="http://schemas.microsoft.com/office/drawing/2014/main" id="{EE8E703B-4DAE-43AD-8354-31E7F94D0977}"/>
+              </a:ext>
+            </a:extLst>
+          </p:cNvPr>
+          <p:cNvSpPr txBox="1"/>
+          <p:nvPr/>
+        </p:nvSpPr>
+        <p:spPr>
+          <a:xfrm>
+            <a:off x="6553194" y="5357804"/>
+            <a:ext cx="2081216" cy="369332"/>
+          </a:xfrm>
+          <a:prstGeom prst="rect">
+            <a:avLst/>
+          </a:prstGeom>
+          <a:noFill/>
+        </p:spPr>
+        <p:txBody>
+          <a:bodyPr wrap="square" rtlCol="0">
+            <a:spAutoFit/>
+          </a:bodyPr>
+          <a:lstStyle/>
+          <a:p>
+            <a:r>
+              <a:rPr lang="en-US" altLang="ko-KR" dirty="0"/>
+              <a:t>branch</a:t>
+            </a:r>
+            <a:endParaRPr lang="ko-KR" altLang="en-US" dirty="0"/>
+          </a:p>
+        </p:txBody>
+      </p:sp>
+      <p:sp>
+        <p:nvSpPr>
+          <p:cNvPr id="22" name="타원 21">
+            <a:extLst>
+              <a:ext uri="{FF2B5EF4-FFF2-40B4-BE49-F238E27FC236}">
+                <a16:creationId xmlns:a16="http://schemas.microsoft.com/office/drawing/2014/main" id="{F569312E-DB09-4465-8F09-722D519AFBB7}"/>
+              </a:ext>
+            </a:extLst>
+          </p:cNvPr>
+          <p:cNvSpPr/>
+          <p:nvPr/>
+        </p:nvSpPr>
+        <p:spPr>
+          <a:xfrm>
+            <a:off x="6555587" y="2411372"/>
+            <a:ext cx="523875" cy="523875"/>
+          </a:xfrm>
+          <a:prstGeom prst="ellipse">
+            <a:avLst/>
+          </a:prstGeom>
+        </p:spPr>
+        <p:style>
+          <a:lnRef idx="2">
+            <a:schemeClr val="accent1">
+              <a:shade val="50000"/>
+            </a:schemeClr>
+          </a:lnRef>
+          <a:fillRef idx="1">
+            <a:schemeClr val="accent1"/>
+          </a:fillRef>
+          <a:effectRef idx="0">
+            <a:schemeClr val="accent1"/>
+          </a:effectRef>
+          <a:fontRef idx="minor">
+            <a:schemeClr val="lt1"/>
+          </a:fontRef>
+        </p:style>
+        <p:txBody>
+          <a:bodyPr rtlCol="0" anchor="ctr"/>
+          <a:lstStyle/>
+          <a:p>
+            <a:pPr algn="ctr"/>
+            <a:endParaRPr lang="ko-KR" altLang="en-US"/>
+          </a:p>
+        </p:txBody>
+      </p:sp>
+      <p:sp>
+        <p:nvSpPr>
+          <p:cNvPr id="23" name="타원 22">
+            <a:extLst>
+              <a:ext uri="{FF2B5EF4-FFF2-40B4-BE49-F238E27FC236}">
+                <a16:creationId xmlns:a16="http://schemas.microsoft.com/office/drawing/2014/main" id="{A05CF26C-B7C2-4799-8E09-79B6BD0C34BD}"/>
+              </a:ext>
+            </a:extLst>
+          </p:cNvPr>
+          <p:cNvSpPr/>
+          <p:nvPr/>
+        </p:nvSpPr>
+        <p:spPr>
+          <a:xfrm>
+            <a:off x="6534154" y="954048"/>
+            <a:ext cx="523875" cy="523875"/>
+          </a:xfrm>
+          <a:prstGeom prst="ellipse">
+            <a:avLst/>
+          </a:prstGeom>
+        </p:spPr>
+        <p:style>
+          <a:lnRef idx="2">
+            <a:schemeClr val="accent1">
+              <a:shade val="50000"/>
+            </a:schemeClr>
+          </a:lnRef>
+          <a:fillRef idx="1">
+            <a:schemeClr val="accent1"/>
+          </a:fillRef>
+          <a:effectRef idx="0">
+            <a:schemeClr val="accent1"/>
+          </a:effectRef>
+          <a:fontRef idx="minor">
+            <a:schemeClr val="lt1"/>
+          </a:fontRef>
+        </p:style>
+        <p:txBody>
+          <a:bodyPr rtlCol="0" anchor="ctr"/>
+          <a:lstStyle/>
+          <a:p>
+            <a:pPr algn="ctr"/>
+            <a:endParaRPr lang="ko-KR" altLang="en-US"/>
+          </a:p>
+        </p:txBody>
+      </p:sp>
+      <p:sp>
+        <p:nvSpPr>
+          <p:cNvPr id="24" name="TextBox 23">
+            <a:extLst>
+              <a:ext uri="{FF2B5EF4-FFF2-40B4-BE49-F238E27FC236}">
+                <a16:creationId xmlns:a16="http://schemas.microsoft.com/office/drawing/2014/main" id="{DE090250-49A8-4883-AD14-64BC40946908}"/>
+              </a:ext>
+            </a:extLst>
+          </p:cNvPr>
+          <p:cNvSpPr txBox="1"/>
+          <p:nvPr/>
+        </p:nvSpPr>
+        <p:spPr>
+          <a:xfrm>
+            <a:off x="4400538" y="4010022"/>
+            <a:ext cx="2081216" cy="369332"/>
+          </a:xfrm>
+          <a:prstGeom prst="rect">
+            <a:avLst/>
+          </a:prstGeom>
+          <a:noFill/>
+        </p:spPr>
+        <p:txBody>
+          <a:bodyPr wrap="square" rtlCol="0">
+            <a:spAutoFit/>
+          </a:bodyPr>
+          <a:lstStyle/>
+          <a:p>
+            <a:r>
+              <a:rPr lang="ko-KR" altLang="en-US" dirty="0"/>
+              <a:t>수정</a:t>
+            </a:r>
+          </a:p>
+        </p:txBody>
+      </p:sp>
+      <p:sp>
+        <p:nvSpPr>
+          <p:cNvPr id="25" name="TextBox 24">
+            <a:extLst>
+              <a:ext uri="{FF2B5EF4-FFF2-40B4-BE49-F238E27FC236}">
+                <a16:creationId xmlns:a16="http://schemas.microsoft.com/office/drawing/2014/main" id="{27ED4AA1-416A-4783-92D5-B8329122BD6E}"/>
+              </a:ext>
+            </a:extLst>
+          </p:cNvPr>
+          <p:cNvSpPr txBox="1"/>
+          <p:nvPr/>
+        </p:nvSpPr>
+        <p:spPr>
+          <a:xfrm>
+            <a:off x="4314803" y="5262560"/>
+            <a:ext cx="2081216" cy="369332"/>
+          </a:xfrm>
+          <a:prstGeom prst="rect">
+            <a:avLst/>
+          </a:prstGeom>
+          <a:noFill/>
+        </p:spPr>
+        <p:txBody>
+          <a:bodyPr wrap="square" rtlCol="0">
+            <a:spAutoFit/>
+          </a:bodyPr>
+          <a:lstStyle/>
+          <a:p>
+            <a:r>
+              <a:rPr lang="en-US" altLang="ko-KR" dirty="0"/>
+              <a:t>branch</a:t>
+            </a:r>
+            <a:endParaRPr lang="ko-KR" altLang="en-US" dirty="0"/>
+          </a:p>
+        </p:txBody>
+      </p:sp>
+    </p:spTree>
+    <p:extLst>
+      <p:ext uri="{BB962C8B-B14F-4D97-AF65-F5344CB8AC3E}">
+        <p14:creationId xmlns:p14="http://schemas.microsoft.com/office/powerpoint/2010/main" val="3297648004"/>
+      </p:ext>
+    </p:extLst>
+  </p:cSld>
+  <p:clrMapOvr>
+    <a:masterClrMapping/>
+  </p:clrMapOvr>
+</p:sld>
+</file>
+
+<file path=ppt/slides/slide11.xml><?xml version="1.0" encoding="utf-8"?>
+<p:sld xmlns:a="http://schemas.openxmlformats.org/drawingml/2006/main" xmlns:r="http://schemas.openxmlformats.org/officeDocument/2006/relationships" xmlns:p="http://schemas.openxmlformats.org/presentationml/2006/main">
+  <p:cSld>
+    <p:spTree>
+      <p:nvGrpSpPr>
+        <p:cNvPr id="1" name=""/>
+        <p:cNvGrpSpPr/>
+        <p:nvPr/>
+      </p:nvGrpSpPr>
+      <p:grpSpPr>
+        <a:xfrm>
+          <a:off x="0" y="0"/>
+          <a:ext cx="0" cy="0"/>
+          <a:chOff x="0" y="0"/>
+          <a:chExt cx="0" cy="0"/>
+        </a:xfrm>
+      </p:grpSpPr>
+      <p:sp>
+        <p:nvSpPr>
+          <p:cNvPr id="2" name="TextBox 1">
+            <a:extLst>
+              <a:ext uri="{FF2B5EF4-FFF2-40B4-BE49-F238E27FC236}">
+                <a16:creationId xmlns:a16="http://schemas.microsoft.com/office/drawing/2014/main" id="{E13FE9E3-D8D3-4DAA-95BE-2C04A083B091}"/>
+              </a:ext>
+            </a:extLst>
+          </p:cNvPr>
+          <p:cNvSpPr txBox="1"/>
+          <p:nvPr/>
+        </p:nvSpPr>
+        <p:spPr>
+          <a:xfrm>
+            <a:off x="1409700" y="1778000"/>
+            <a:ext cx="4305300" cy="369332"/>
+          </a:xfrm>
+          <a:prstGeom prst="rect">
+            <a:avLst/>
+          </a:prstGeom>
+          <a:noFill/>
+        </p:spPr>
+        <p:txBody>
+          <a:bodyPr wrap="square" rtlCol="0">
+            <a:spAutoFit/>
+          </a:bodyPr>
+          <a:lstStyle/>
+          <a:p>
+            <a:r>
+              <a:rPr lang="ko-KR" altLang="en-US" dirty="0" err="1"/>
+              <a:t>스태틱</a:t>
+            </a:r>
+            <a:r>
+              <a:rPr lang="ko-KR" altLang="en-US" dirty="0"/>
+              <a:t> 웹사이트 </a:t>
+            </a:r>
+          </a:p>
+        </p:txBody>
+      </p:sp>
+      <p:sp>
+        <p:nvSpPr>
+          <p:cNvPr id="3" name="직사각형 2">
+            <a:extLst>
+              <a:ext uri="{FF2B5EF4-FFF2-40B4-BE49-F238E27FC236}">
+                <a16:creationId xmlns:a16="http://schemas.microsoft.com/office/drawing/2014/main" id="{4FAF56EF-BE25-4715-B9E9-E2D9D01F43CD}"/>
+              </a:ext>
+            </a:extLst>
+          </p:cNvPr>
+          <p:cNvSpPr/>
+          <p:nvPr/>
+        </p:nvSpPr>
+        <p:spPr>
+          <a:xfrm>
+            <a:off x="7543800" y="2260600"/>
+            <a:ext cx="2946400" cy="2476500"/>
+          </a:xfrm>
+          <a:prstGeom prst="rect">
+            <a:avLst/>
+          </a:prstGeom>
+        </p:spPr>
+        <p:style>
+          <a:lnRef idx="2">
+            <a:schemeClr val="accent1">
+              <a:shade val="50000"/>
+            </a:schemeClr>
+          </a:lnRef>
+          <a:fillRef idx="1">
+            <a:schemeClr val="accent1"/>
+          </a:fillRef>
+          <a:effectRef idx="0">
+            <a:schemeClr val="accent1"/>
+          </a:effectRef>
+          <a:fontRef idx="minor">
+            <a:schemeClr val="lt1"/>
+          </a:fontRef>
+        </p:style>
+        <p:txBody>
+          <a:bodyPr rtlCol="0" anchor="ctr"/>
+          <a:lstStyle/>
+          <a:p>
+            <a:pPr algn="ctr"/>
+            <a:r>
+              <a:rPr lang="ko-KR" altLang="en-US" dirty="0" err="1"/>
+              <a:t>스태틱</a:t>
+            </a:r>
+            <a:r>
+              <a:rPr lang="ko-KR" altLang="en-US" dirty="0"/>
+              <a:t> 웹사이트 서버</a:t>
+            </a:r>
+          </a:p>
+        </p:txBody>
+      </p:sp>
+      <p:sp>
+        <p:nvSpPr>
+          <p:cNvPr id="4" name="TextBox 3">
+            <a:extLst>
+              <a:ext uri="{FF2B5EF4-FFF2-40B4-BE49-F238E27FC236}">
+                <a16:creationId xmlns:a16="http://schemas.microsoft.com/office/drawing/2014/main" id="{9D38D8B2-204C-4128-877E-28EFC75DD0AC}"/>
+              </a:ext>
+            </a:extLst>
+          </p:cNvPr>
+          <p:cNvSpPr txBox="1"/>
+          <p:nvPr/>
+        </p:nvSpPr>
+        <p:spPr>
+          <a:xfrm>
+            <a:off x="1143000" y="4270970"/>
+            <a:ext cx="6184900" cy="923330"/>
+          </a:xfrm>
+          <a:prstGeom prst="rect">
+            <a:avLst/>
+          </a:prstGeom>
+          <a:noFill/>
+        </p:spPr>
+        <p:txBody>
+          <a:bodyPr wrap="square" rtlCol="0">
+            <a:spAutoFit/>
+          </a:bodyPr>
+          <a:lstStyle/>
+          <a:p>
+            <a:r>
+              <a:rPr lang="ko-KR" altLang="en-US" dirty="0"/>
+              <a:t>누가 들어와도 같은 페이지를 보여줌</a:t>
+            </a:r>
+            <a:endParaRPr lang="en-US" altLang="ko-KR" dirty="0"/>
+          </a:p>
+          <a:p>
+            <a:r>
+              <a:rPr lang="ko-KR" altLang="en-US" dirty="0"/>
+              <a:t>동일한 페이지 하나 </a:t>
+            </a:r>
+            <a:endParaRPr lang="en-US" altLang="ko-KR" dirty="0"/>
+          </a:p>
+          <a:p>
+            <a:r>
+              <a:rPr lang="ko-KR" altLang="en-US" dirty="0"/>
+              <a:t>내가 </a:t>
+            </a:r>
+            <a:r>
+              <a:rPr lang="ko-KR" altLang="en-US" dirty="0" err="1"/>
+              <a:t>가진거</a:t>
+            </a:r>
+            <a:r>
+              <a:rPr lang="ko-KR" altLang="en-US" dirty="0"/>
+              <a:t> 그대로 전달 </a:t>
+            </a:r>
+          </a:p>
+        </p:txBody>
+      </p:sp>
+      <p:sp>
+        <p:nvSpPr>
+          <p:cNvPr id="5" name="직사각형 4">
+            <a:extLst>
+              <a:ext uri="{FF2B5EF4-FFF2-40B4-BE49-F238E27FC236}">
+                <a16:creationId xmlns:a16="http://schemas.microsoft.com/office/drawing/2014/main" id="{24CCFC11-1338-47EA-93B7-00B60B37C083}"/>
+              </a:ext>
+            </a:extLst>
+          </p:cNvPr>
+          <p:cNvSpPr/>
+          <p:nvPr/>
+        </p:nvSpPr>
+        <p:spPr>
+          <a:xfrm>
+            <a:off x="3949700" y="660400"/>
+            <a:ext cx="1384300" cy="1117600"/>
+          </a:xfrm>
+          <a:prstGeom prst="rect">
+            <a:avLst/>
+          </a:prstGeom>
+          <a:solidFill>
+            <a:schemeClr val="accent2"/>
+          </a:solidFill>
+        </p:spPr>
+        <p:style>
+          <a:lnRef idx="2">
+            <a:schemeClr val="accent1">
+              <a:shade val="50000"/>
+            </a:schemeClr>
+          </a:lnRef>
+          <a:fillRef idx="1">
+            <a:schemeClr val="accent1"/>
+          </a:fillRef>
+          <a:effectRef idx="0">
+            <a:schemeClr val="accent1"/>
+          </a:effectRef>
+          <a:fontRef idx="minor">
+            <a:schemeClr val="lt1"/>
+          </a:fontRef>
+        </p:style>
+        <p:txBody>
+          <a:bodyPr rtlCol="0" anchor="ctr"/>
+          <a:lstStyle/>
+          <a:p>
+            <a:pPr algn="ctr"/>
+            <a:r>
+              <a:rPr lang="ko-KR" altLang="en-US" dirty="0"/>
+              <a:t>철수</a:t>
+            </a:r>
+          </a:p>
+        </p:txBody>
+      </p:sp>
+      <p:sp>
+        <p:nvSpPr>
+          <p:cNvPr id="6" name="직사각형 5">
+            <a:extLst>
+              <a:ext uri="{FF2B5EF4-FFF2-40B4-BE49-F238E27FC236}">
+                <a16:creationId xmlns:a16="http://schemas.microsoft.com/office/drawing/2014/main" id="{B08DDD9D-0D2C-4EE5-8DB5-E4179CBE4CDB}"/>
+              </a:ext>
+            </a:extLst>
+          </p:cNvPr>
+          <p:cNvSpPr/>
+          <p:nvPr/>
+        </p:nvSpPr>
+        <p:spPr>
+          <a:xfrm>
+            <a:off x="2870200" y="2500868"/>
+            <a:ext cx="1384300" cy="1117600"/>
+          </a:xfrm>
+          <a:prstGeom prst="rect">
+            <a:avLst/>
+          </a:prstGeom>
+          <a:solidFill>
+            <a:schemeClr val="accent2"/>
+          </a:solidFill>
+        </p:spPr>
+        <p:style>
+          <a:lnRef idx="2">
+            <a:schemeClr val="accent1">
+              <a:shade val="50000"/>
+            </a:schemeClr>
+          </a:lnRef>
+          <a:fillRef idx="1">
+            <a:schemeClr val="accent1"/>
+          </a:fillRef>
+          <a:effectRef idx="0">
+            <a:schemeClr val="accent1"/>
+          </a:effectRef>
+          <a:fontRef idx="minor">
+            <a:schemeClr val="lt1"/>
+          </a:fontRef>
+        </p:style>
+        <p:txBody>
+          <a:bodyPr rtlCol="0" anchor="ctr"/>
+          <a:lstStyle/>
+          <a:p>
+            <a:pPr algn="ctr"/>
+            <a:r>
+              <a:rPr lang="ko-KR" altLang="en-US" dirty="0"/>
+              <a:t>영희 </a:t>
+            </a:r>
+          </a:p>
+        </p:txBody>
+      </p:sp>
+      <p:cxnSp>
+        <p:nvCxnSpPr>
+          <p:cNvPr id="8" name="직선 화살표 연결선 7">
+            <a:extLst>
+              <a:ext uri="{FF2B5EF4-FFF2-40B4-BE49-F238E27FC236}">
+                <a16:creationId xmlns:a16="http://schemas.microsoft.com/office/drawing/2014/main" id="{A1433743-E0C8-4E32-9545-90A061E025DC}"/>
+              </a:ext>
+            </a:extLst>
+          </p:cNvPr>
+          <p:cNvCxnSpPr>
+            <a:cxnSpLocks/>
+          </p:cNvCxnSpPr>
+          <p:nvPr/>
+        </p:nvCxnSpPr>
+        <p:spPr>
+          <a:xfrm>
+            <a:off x="5486514" y="1820429"/>
+            <a:ext cx="1717561" cy="1313934"/>
+          </a:xfrm>
+          <a:prstGeom prst="straightConnector1">
+            <a:avLst/>
+          </a:prstGeom>
+          <a:ln>
+            <a:tailEnd type="triangle"/>
+          </a:ln>
+        </p:spPr>
+        <p:style>
+          <a:lnRef idx="1">
+            <a:schemeClr val="accent1"/>
+          </a:lnRef>
+          <a:fillRef idx="0">
+            <a:schemeClr val="accent1"/>
+          </a:fillRef>
+          <a:effectRef idx="0">
+            <a:schemeClr val="accent1"/>
+          </a:effectRef>
+          <a:fontRef idx="minor">
+            <a:schemeClr val="tx1"/>
+          </a:fontRef>
+        </p:style>
+      </p:cxnSp>
+      <p:cxnSp>
+        <p:nvCxnSpPr>
+          <p:cNvPr id="9" name="직선 화살표 연결선 8">
+            <a:extLst>
+              <a:ext uri="{FF2B5EF4-FFF2-40B4-BE49-F238E27FC236}">
+                <a16:creationId xmlns:a16="http://schemas.microsoft.com/office/drawing/2014/main" id="{71A287E5-5181-4BDC-922B-7FFCF893ADFF}"/>
+              </a:ext>
+            </a:extLst>
+          </p:cNvPr>
+          <p:cNvCxnSpPr>
+            <a:cxnSpLocks/>
+          </p:cNvCxnSpPr>
+          <p:nvPr/>
+        </p:nvCxnSpPr>
+        <p:spPr>
+          <a:xfrm flipH="1" flipV="1">
+            <a:off x="4933950" y="1867755"/>
+            <a:ext cx="1794096" cy="1397177"/>
+          </a:xfrm>
+          <a:prstGeom prst="straightConnector1">
+            <a:avLst/>
+          </a:prstGeom>
+          <a:ln>
+            <a:tailEnd type="triangle"/>
+          </a:ln>
+        </p:spPr>
+        <p:style>
+          <a:lnRef idx="1">
+            <a:schemeClr val="accent1"/>
+          </a:lnRef>
+          <a:fillRef idx="0">
+            <a:schemeClr val="accent1"/>
+          </a:fillRef>
+          <a:effectRef idx="0">
+            <a:schemeClr val="accent1"/>
+          </a:effectRef>
+          <a:fontRef idx="minor">
+            <a:schemeClr val="tx1"/>
+          </a:fontRef>
+        </p:style>
+      </p:cxnSp>
+      <p:sp>
+        <p:nvSpPr>
+          <p:cNvPr id="11" name="TextBox 10">
+            <a:extLst>
+              <a:ext uri="{FF2B5EF4-FFF2-40B4-BE49-F238E27FC236}">
+                <a16:creationId xmlns:a16="http://schemas.microsoft.com/office/drawing/2014/main" id="{046F7AEC-0166-4719-978C-53D9262AC67B}"/>
+              </a:ext>
+            </a:extLst>
+          </p:cNvPr>
+          <p:cNvSpPr txBox="1"/>
+          <p:nvPr/>
+        </p:nvSpPr>
+        <p:spPr>
+          <a:xfrm>
+            <a:off x="5227043" y="2131536"/>
+            <a:ext cx="1638300" cy="369332"/>
+          </a:xfrm>
+          <a:prstGeom prst="rect">
+            <a:avLst/>
+          </a:prstGeom>
+          <a:noFill/>
+        </p:spPr>
+        <p:txBody>
+          <a:bodyPr wrap="square" rtlCol="0">
+            <a:spAutoFit/>
+          </a:bodyPr>
+          <a:lstStyle/>
+          <a:p>
+            <a:r>
+              <a:rPr lang="en-US" altLang="ko-KR" dirty="0"/>
+              <a:t>Index.html</a:t>
+            </a:r>
+            <a:endParaRPr lang="ko-KR" altLang="en-US" dirty="0"/>
+          </a:p>
+        </p:txBody>
+      </p:sp>
+      <p:cxnSp>
+        <p:nvCxnSpPr>
+          <p:cNvPr id="14" name="직선 화살표 연결선 13">
+            <a:extLst>
+              <a:ext uri="{FF2B5EF4-FFF2-40B4-BE49-F238E27FC236}">
+                <a16:creationId xmlns:a16="http://schemas.microsoft.com/office/drawing/2014/main" id="{E95D82B7-227E-410A-8C28-A481291260E5}"/>
+              </a:ext>
+            </a:extLst>
+          </p:cNvPr>
+          <p:cNvCxnSpPr>
+            <a:cxnSpLocks/>
+          </p:cNvCxnSpPr>
+          <p:nvPr/>
+        </p:nvCxnSpPr>
+        <p:spPr>
+          <a:xfrm>
+            <a:off x="4549498" y="3371434"/>
+            <a:ext cx="2270125" cy="41338"/>
+          </a:xfrm>
+          <a:prstGeom prst="straightConnector1">
+            <a:avLst/>
+          </a:prstGeom>
+          <a:ln>
+            <a:tailEnd type="triangle"/>
+          </a:ln>
+        </p:spPr>
+        <p:style>
+          <a:lnRef idx="1">
+            <a:schemeClr val="accent1"/>
+          </a:lnRef>
+          <a:fillRef idx="0">
+            <a:schemeClr val="accent1"/>
+          </a:fillRef>
+          <a:effectRef idx="0">
+            <a:schemeClr val="accent1"/>
+          </a:effectRef>
+          <a:fontRef idx="minor">
+            <a:schemeClr val="tx1"/>
+          </a:fontRef>
+        </p:style>
+      </p:cxnSp>
+      <p:cxnSp>
+        <p:nvCxnSpPr>
+          <p:cNvPr id="15" name="직선 화살표 연결선 14">
+            <a:extLst>
+              <a:ext uri="{FF2B5EF4-FFF2-40B4-BE49-F238E27FC236}">
+                <a16:creationId xmlns:a16="http://schemas.microsoft.com/office/drawing/2014/main" id="{AE87F944-9372-4252-A1A1-A25D093379FD}"/>
+              </a:ext>
+            </a:extLst>
+          </p:cNvPr>
+          <p:cNvCxnSpPr>
+            <a:cxnSpLocks/>
+          </p:cNvCxnSpPr>
+          <p:nvPr/>
+        </p:nvCxnSpPr>
+        <p:spPr>
+          <a:xfrm flipH="1" flipV="1">
+            <a:off x="4731921" y="3607130"/>
+            <a:ext cx="1905277" cy="1"/>
+          </a:xfrm>
+          <a:prstGeom prst="straightConnector1">
+            <a:avLst/>
+          </a:prstGeom>
+          <a:ln>
+            <a:tailEnd type="triangle"/>
+          </a:ln>
+        </p:spPr>
+        <p:style>
+          <a:lnRef idx="1">
+            <a:schemeClr val="accent1"/>
+          </a:lnRef>
+          <a:fillRef idx="0">
+            <a:schemeClr val="accent1"/>
+          </a:fillRef>
+          <a:effectRef idx="0">
+            <a:schemeClr val="accent1"/>
+          </a:effectRef>
+          <a:fontRef idx="minor">
+            <a:schemeClr val="tx1"/>
+          </a:fontRef>
+        </p:style>
+      </p:cxnSp>
+      <p:sp>
+        <p:nvSpPr>
+          <p:cNvPr id="18" name="TextBox 17">
+            <a:extLst>
+              <a:ext uri="{FF2B5EF4-FFF2-40B4-BE49-F238E27FC236}">
+                <a16:creationId xmlns:a16="http://schemas.microsoft.com/office/drawing/2014/main" id="{A94057E6-42D9-4692-910D-549360D82545}"/>
+              </a:ext>
+            </a:extLst>
+          </p:cNvPr>
+          <p:cNvSpPr txBox="1"/>
+          <p:nvPr/>
+        </p:nvSpPr>
+        <p:spPr>
+          <a:xfrm>
+            <a:off x="1162050" y="5406167"/>
+            <a:ext cx="6184900" cy="646331"/>
+          </a:xfrm>
+          <a:prstGeom prst="rect">
+            <a:avLst/>
+          </a:prstGeom>
+          <a:noFill/>
+        </p:spPr>
+        <p:txBody>
+          <a:bodyPr wrap="square" rtlCol="0">
+            <a:spAutoFit/>
+          </a:bodyPr>
+          <a:lstStyle/>
+          <a:p>
+            <a:r>
+              <a:rPr lang="ko-KR" altLang="en-US" dirty="0" err="1"/>
+              <a:t>자바스크로</a:t>
+            </a:r>
+            <a:r>
+              <a:rPr lang="ko-KR" altLang="en-US" dirty="0"/>
+              <a:t>  </a:t>
+            </a:r>
+            <a:r>
+              <a:rPr lang="en-US" altLang="ko-KR" dirty="0"/>
+              <a:t>FAKE</a:t>
+            </a:r>
+          </a:p>
+          <a:p>
+            <a:r>
+              <a:rPr lang="ko-KR" altLang="en-US" dirty="0"/>
+              <a:t>동적으로 보이게 할 수 있음 </a:t>
+            </a:r>
+          </a:p>
+        </p:txBody>
+      </p:sp>
+    </p:spTree>
+    <p:extLst>
+      <p:ext uri="{BB962C8B-B14F-4D97-AF65-F5344CB8AC3E}">
+        <p14:creationId xmlns:p14="http://schemas.microsoft.com/office/powerpoint/2010/main" val="1268467323"/>
+      </p:ext>
+    </p:extLst>
+  </p:cSld>
+  <p:clrMapOvr>
+    <a:masterClrMapping/>
+  </p:clrMapOvr>
+</p:sld>
+</file>
+
+<file path=ppt/slides/slide12.xml><?xml version="1.0" encoding="utf-8"?>
+<p:sld xmlns:a="http://schemas.openxmlformats.org/drawingml/2006/main" xmlns:r="http://schemas.openxmlformats.org/officeDocument/2006/relationships" xmlns:p="http://schemas.openxmlformats.org/presentationml/2006/main">
+  <p:cSld>
+    <p:spTree>
+      <p:nvGrpSpPr>
+        <p:cNvPr id="1" name=""/>
+        <p:cNvGrpSpPr/>
+        <p:nvPr/>
+      </p:nvGrpSpPr>
+      <p:grpSpPr>
+        <a:xfrm>
+          <a:off x="0" y="0"/>
+          <a:ext cx="0" cy="0"/>
+          <a:chOff x="0" y="0"/>
+          <a:chExt cx="0" cy="0"/>
+        </a:xfrm>
+      </p:grpSpPr>
+      <p:sp>
+        <p:nvSpPr>
+          <p:cNvPr id="2" name="TextBox 1">
+            <a:extLst>
+              <a:ext uri="{FF2B5EF4-FFF2-40B4-BE49-F238E27FC236}">
+                <a16:creationId xmlns:a16="http://schemas.microsoft.com/office/drawing/2014/main" id="{E13FE9E3-D8D3-4DAA-95BE-2C04A083B091}"/>
+              </a:ext>
+            </a:extLst>
+          </p:cNvPr>
+          <p:cNvSpPr txBox="1"/>
+          <p:nvPr/>
+        </p:nvSpPr>
+        <p:spPr>
+          <a:xfrm>
+            <a:off x="139479" y="291068"/>
+            <a:ext cx="4305300" cy="369332"/>
+          </a:xfrm>
+          <a:prstGeom prst="rect">
+            <a:avLst/>
+          </a:prstGeom>
+          <a:noFill/>
+        </p:spPr>
+        <p:txBody>
+          <a:bodyPr wrap="square" rtlCol="0">
+            <a:spAutoFit/>
+          </a:bodyPr>
+          <a:lstStyle/>
+          <a:p>
+            <a:r>
+              <a:rPr lang="ko-KR" altLang="en-US" dirty="0"/>
+              <a:t>다이나믹 웹사이트 </a:t>
+            </a:r>
+          </a:p>
+        </p:txBody>
+      </p:sp>
+      <p:sp>
+        <p:nvSpPr>
+          <p:cNvPr id="3" name="직사각형 2">
+            <a:extLst>
+              <a:ext uri="{FF2B5EF4-FFF2-40B4-BE49-F238E27FC236}">
+                <a16:creationId xmlns:a16="http://schemas.microsoft.com/office/drawing/2014/main" id="{4FAF56EF-BE25-4715-B9E9-E2D9D01F43CD}"/>
+              </a:ext>
+            </a:extLst>
+          </p:cNvPr>
+          <p:cNvSpPr/>
+          <p:nvPr/>
+        </p:nvSpPr>
+        <p:spPr>
+          <a:xfrm>
+            <a:off x="7543800" y="2260600"/>
+            <a:ext cx="2946400" cy="2476500"/>
+          </a:xfrm>
+          <a:prstGeom prst="rect">
+            <a:avLst/>
+          </a:prstGeom>
+        </p:spPr>
+        <p:style>
+          <a:lnRef idx="2">
+            <a:schemeClr val="accent1">
+              <a:shade val="50000"/>
+            </a:schemeClr>
+          </a:lnRef>
+          <a:fillRef idx="1">
+            <a:schemeClr val="accent1"/>
+          </a:fillRef>
+          <a:effectRef idx="0">
+            <a:schemeClr val="accent1"/>
+          </a:effectRef>
+          <a:fontRef idx="minor">
+            <a:schemeClr val="lt1"/>
+          </a:fontRef>
+        </p:style>
+        <p:txBody>
+          <a:bodyPr rtlCol="0" anchor="ctr"/>
+          <a:lstStyle/>
+          <a:p>
+            <a:pPr algn="ctr"/>
+            <a:r>
+              <a:rPr lang="ko-KR" altLang="en-US" dirty="0"/>
+              <a:t>동적 웹사이트 서버</a:t>
+            </a:r>
+          </a:p>
+        </p:txBody>
+      </p:sp>
+      <p:sp>
+        <p:nvSpPr>
+          <p:cNvPr id="4" name="TextBox 3">
+            <a:extLst>
+              <a:ext uri="{FF2B5EF4-FFF2-40B4-BE49-F238E27FC236}">
+                <a16:creationId xmlns:a16="http://schemas.microsoft.com/office/drawing/2014/main" id="{9D38D8B2-204C-4128-877E-28EFC75DD0AC}"/>
+              </a:ext>
+            </a:extLst>
+          </p:cNvPr>
+          <p:cNvSpPr txBox="1"/>
+          <p:nvPr/>
+        </p:nvSpPr>
+        <p:spPr>
+          <a:xfrm>
+            <a:off x="1143000" y="4270970"/>
+            <a:ext cx="6184900" cy="2308324"/>
+          </a:xfrm>
+          <a:prstGeom prst="rect">
+            <a:avLst/>
+          </a:prstGeom>
+          <a:noFill/>
+        </p:spPr>
+        <p:txBody>
+          <a:bodyPr wrap="square" rtlCol="0">
+            <a:spAutoFit/>
+          </a:bodyPr>
+          <a:lstStyle/>
+          <a:p>
+            <a:r>
+              <a:rPr lang="ko-KR" altLang="en-US" dirty="0"/>
+              <a:t>철수가 들어오면 철수만의 페이지 </a:t>
+            </a:r>
+            <a:endParaRPr lang="en-US" altLang="ko-KR" dirty="0"/>
+          </a:p>
+          <a:p>
+            <a:endParaRPr lang="en-US" altLang="ko-KR" dirty="0"/>
+          </a:p>
+          <a:p>
+            <a:r>
+              <a:rPr lang="en-US" altLang="ko-KR" dirty="0">
+                <a:hlinkClick r:id="rId2"/>
+              </a:rPr>
+              <a:t>https://github.com/</a:t>
+            </a:r>
+            <a:r>
+              <a:rPr lang="en-US" altLang="ko-KR" dirty="0"/>
+              <a:t> </a:t>
+            </a:r>
+            <a:r>
+              <a:rPr lang="ko-KR" altLang="en-US" dirty="0"/>
+              <a:t>가면 개인에게 맞는 페이지가 나타남</a:t>
+            </a:r>
+            <a:endParaRPr lang="en-US" altLang="ko-KR" dirty="0"/>
+          </a:p>
+          <a:p>
+            <a:endParaRPr lang="en-US" altLang="ko-KR" dirty="0"/>
+          </a:p>
+          <a:p>
+            <a:r>
+              <a:rPr lang="ko-KR" altLang="en-US" dirty="0"/>
+              <a:t>동적으로 서버 컨텐츠 관리</a:t>
+            </a:r>
+            <a:endParaRPr lang="en-US" altLang="ko-KR" dirty="0"/>
+          </a:p>
+          <a:p>
+            <a:endParaRPr lang="en-US" altLang="ko-KR" dirty="0"/>
+          </a:p>
+          <a:p>
+            <a:r>
+              <a:rPr lang="ko-KR" altLang="en-US" dirty="0"/>
+              <a:t>장고</a:t>
+            </a:r>
+            <a:r>
+              <a:rPr lang="en-US" altLang="ko-KR" dirty="0"/>
+              <a:t>:  	</a:t>
+            </a:r>
+            <a:r>
+              <a:rPr lang="en-US" altLang="ko-KR" dirty="0" err="1"/>
+              <a:t>url</a:t>
+            </a:r>
+            <a:r>
+              <a:rPr lang="en-US" altLang="ko-KR" dirty="0"/>
+              <a:t> </a:t>
+            </a:r>
+            <a:r>
+              <a:rPr lang="ko-KR" altLang="en-US" dirty="0"/>
+              <a:t>마다 </a:t>
+            </a:r>
+            <a:r>
+              <a:rPr lang="ko-KR" altLang="en-US" dirty="0" err="1"/>
+              <a:t>다른거</a:t>
+            </a:r>
+            <a:r>
+              <a:rPr lang="ko-KR" altLang="en-US" dirty="0"/>
+              <a:t> 구현 </a:t>
+            </a:r>
+            <a:r>
+              <a:rPr lang="en-US" altLang="ko-KR" dirty="0"/>
+              <a:t>(</a:t>
+            </a:r>
+            <a:r>
+              <a:rPr lang="ko-KR" altLang="en-US" dirty="0"/>
+              <a:t>로그인 </a:t>
+            </a:r>
+            <a:r>
+              <a:rPr lang="en-US" altLang="ko-KR" dirty="0"/>
+              <a:t>) </a:t>
+            </a:r>
+          </a:p>
+          <a:p>
+            <a:r>
+              <a:rPr lang="en-US" altLang="ko-KR" dirty="0"/>
+              <a:t>	</a:t>
+            </a:r>
+            <a:r>
+              <a:rPr lang="ko-KR" altLang="en-US" dirty="0"/>
+              <a:t>동적</a:t>
+            </a:r>
+          </a:p>
+        </p:txBody>
+      </p:sp>
+      <p:sp>
+        <p:nvSpPr>
+          <p:cNvPr id="5" name="직사각형 4">
+            <a:extLst>
+              <a:ext uri="{FF2B5EF4-FFF2-40B4-BE49-F238E27FC236}">
+                <a16:creationId xmlns:a16="http://schemas.microsoft.com/office/drawing/2014/main" id="{24CCFC11-1338-47EA-93B7-00B60B37C083}"/>
+              </a:ext>
+            </a:extLst>
+          </p:cNvPr>
+          <p:cNvSpPr/>
+          <p:nvPr/>
+        </p:nvSpPr>
+        <p:spPr>
+          <a:xfrm>
+            <a:off x="3949700" y="660400"/>
+            <a:ext cx="1384300" cy="1117600"/>
+          </a:xfrm>
+          <a:prstGeom prst="rect">
+            <a:avLst/>
+          </a:prstGeom>
+          <a:solidFill>
+            <a:schemeClr val="accent2"/>
+          </a:solidFill>
+        </p:spPr>
+        <p:style>
+          <a:lnRef idx="2">
+            <a:schemeClr val="accent1">
+              <a:shade val="50000"/>
+            </a:schemeClr>
+          </a:lnRef>
+          <a:fillRef idx="1">
+            <a:schemeClr val="accent1"/>
+          </a:fillRef>
+          <a:effectRef idx="0">
+            <a:schemeClr val="accent1"/>
+          </a:effectRef>
+          <a:fontRef idx="minor">
+            <a:schemeClr val="lt1"/>
+          </a:fontRef>
+        </p:style>
+        <p:txBody>
+          <a:bodyPr rtlCol="0" anchor="ctr"/>
+          <a:lstStyle/>
+          <a:p>
+            <a:pPr algn="ctr"/>
+            <a:r>
+              <a:rPr lang="ko-KR" altLang="en-US" dirty="0"/>
+              <a:t>철수</a:t>
+            </a:r>
+          </a:p>
+        </p:txBody>
+      </p:sp>
+      <p:sp>
+        <p:nvSpPr>
+          <p:cNvPr id="6" name="직사각형 5">
+            <a:extLst>
+              <a:ext uri="{FF2B5EF4-FFF2-40B4-BE49-F238E27FC236}">
+                <a16:creationId xmlns:a16="http://schemas.microsoft.com/office/drawing/2014/main" id="{B08DDD9D-0D2C-4EE5-8DB5-E4179CBE4CDB}"/>
+              </a:ext>
+            </a:extLst>
+          </p:cNvPr>
+          <p:cNvSpPr/>
+          <p:nvPr/>
+        </p:nvSpPr>
+        <p:spPr>
+          <a:xfrm>
+            <a:off x="2870200" y="2500868"/>
+            <a:ext cx="1384300" cy="1117600"/>
+          </a:xfrm>
+          <a:prstGeom prst="rect">
+            <a:avLst/>
+          </a:prstGeom>
+          <a:solidFill>
+            <a:schemeClr val="accent2"/>
+          </a:solidFill>
+        </p:spPr>
+        <p:style>
+          <a:lnRef idx="2">
+            <a:schemeClr val="accent1">
+              <a:shade val="50000"/>
+            </a:schemeClr>
+          </a:lnRef>
+          <a:fillRef idx="1">
+            <a:schemeClr val="accent1"/>
+          </a:fillRef>
+          <a:effectRef idx="0">
+            <a:schemeClr val="accent1"/>
+          </a:effectRef>
+          <a:fontRef idx="minor">
+            <a:schemeClr val="lt1"/>
+          </a:fontRef>
+        </p:style>
+        <p:txBody>
+          <a:bodyPr rtlCol="0" anchor="ctr"/>
+          <a:lstStyle/>
+          <a:p>
+            <a:pPr algn="ctr"/>
+            <a:r>
+              <a:rPr lang="ko-KR" altLang="en-US" dirty="0"/>
+              <a:t>영희 </a:t>
+            </a:r>
+          </a:p>
+        </p:txBody>
+      </p:sp>
+      <p:sp>
+        <p:nvSpPr>
+          <p:cNvPr id="11" name="TextBox 10">
+            <a:extLst>
+              <a:ext uri="{FF2B5EF4-FFF2-40B4-BE49-F238E27FC236}">
+                <a16:creationId xmlns:a16="http://schemas.microsoft.com/office/drawing/2014/main" id="{046F7AEC-0166-4719-978C-53D9262AC67B}"/>
+              </a:ext>
+            </a:extLst>
+          </p:cNvPr>
+          <p:cNvSpPr txBox="1"/>
+          <p:nvPr/>
+        </p:nvSpPr>
+        <p:spPr>
+          <a:xfrm>
+            <a:off x="5227043" y="2131536"/>
+            <a:ext cx="1638300" cy="369332"/>
+          </a:xfrm>
+          <a:prstGeom prst="rect">
+            <a:avLst/>
+          </a:prstGeom>
+          <a:noFill/>
+        </p:spPr>
+        <p:txBody>
+          <a:bodyPr wrap="square" rtlCol="0">
+            <a:spAutoFit/>
+          </a:bodyPr>
+          <a:lstStyle/>
+          <a:p>
+            <a:r>
+              <a:rPr lang="en-US" altLang="ko-KR" dirty="0"/>
+              <a:t>Index.html</a:t>
+            </a:r>
+            <a:endParaRPr lang="ko-KR" altLang="en-US" dirty="0"/>
+          </a:p>
+        </p:txBody>
+      </p:sp>
+    </p:spTree>
+    <p:extLst>
+      <p:ext uri="{BB962C8B-B14F-4D97-AF65-F5344CB8AC3E}">
+        <p14:creationId xmlns:p14="http://schemas.microsoft.com/office/powerpoint/2010/main" val="1065517083"/>
+      </p:ext>
+    </p:extLst>
+  </p:cSld>
+  <p:clrMapOvr>
+    <a:masterClrMapping/>
+  </p:clrMapOvr>
+</p:sld>
+</file>
+
+<file path=ppt/slides/slide13.xml><?xml version="1.0" encoding="utf-8"?>
+<p:sld xmlns:a="http://schemas.openxmlformats.org/drawingml/2006/main" xmlns:r="http://schemas.openxmlformats.org/officeDocument/2006/relationships" xmlns:p="http://schemas.openxmlformats.org/presentationml/2006/main">
+  <p:cSld>
+    <p:spTree>
+      <p:nvGrpSpPr>
+        <p:cNvPr id="1" name=""/>
+        <p:cNvGrpSpPr/>
+        <p:nvPr/>
+      </p:nvGrpSpPr>
+      <p:grpSpPr>
+        <a:xfrm>
+          <a:off x="0" y="0"/>
+          <a:ext cx="0" cy="0"/>
+          <a:chOff x="0" y="0"/>
+          <a:chExt cx="0" cy="0"/>
+        </a:xfrm>
+      </p:grpSpPr>
+      <p:sp>
+        <p:nvSpPr>
+          <p:cNvPr id="2" name="TextBox 1">
+            <a:extLst>
+              <a:ext uri="{FF2B5EF4-FFF2-40B4-BE49-F238E27FC236}">
+                <a16:creationId xmlns:a16="http://schemas.microsoft.com/office/drawing/2014/main" id="{E13FE9E3-D8D3-4DAA-95BE-2C04A083B091}"/>
+              </a:ext>
+            </a:extLst>
+          </p:cNvPr>
+          <p:cNvSpPr txBox="1"/>
+          <p:nvPr/>
+        </p:nvSpPr>
+        <p:spPr>
+          <a:xfrm>
+            <a:off x="1409700" y="1778000"/>
+            <a:ext cx="4305300" cy="369332"/>
+          </a:xfrm>
+          <a:prstGeom prst="rect">
+            <a:avLst/>
+          </a:prstGeom>
+          <a:noFill/>
+        </p:spPr>
+        <p:txBody>
+          <a:bodyPr wrap="square" rtlCol="0">
+            <a:spAutoFit/>
+          </a:bodyPr>
+          <a:lstStyle/>
+          <a:p>
+            <a:r>
+              <a:rPr lang="ko-KR" altLang="en-US" dirty="0"/>
+              <a:t>다이나믹 웹사이트 </a:t>
+            </a:r>
+          </a:p>
+        </p:txBody>
+      </p:sp>
+      <p:sp>
+        <p:nvSpPr>
+          <p:cNvPr id="3" name="직사각형 2">
+            <a:extLst>
+              <a:ext uri="{FF2B5EF4-FFF2-40B4-BE49-F238E27FC236}">
+                <a16:creationId xmlns:a16="http://schemas.microsoft.com/office/drawing/2014/main" id="{4FAF56EF-BE25-4715-B9E9-E2D9D01F43CD}"/>
+              </a:ext>
+            </a:extLst>
+          </p:cNvPr>
+          <p:cNvSpPr/>
+          <p:nvPr/>
+        </p:nvSpPr>
+        <p:spPr>
+          <a:xfrm>
+            <a:off x="7543800" y="2260600"/>
+            <a:ext cx="2946400" cy="2476500"/>
+          </a:xfrm>
+          <a:prstGeom prst="rect">
+            <a:avLst/>
+          </a:prstGeom>
+        </p:spPr>
+        <p:style>
+          <a:lnRef idx="2">
+            <a:schemeClr val="accent1">
+              <a:shade val="50000"/>
+            </a:schemeClr>
+          </a:lnRef>
+          <a:fillRef idx="1">
+            <a:schemeClr val="accent1"/>
+          </a:fillRef>
+          <a:effectRef idx="0">
+            <a:schemeClr val="accent1"/>
+          </a:effectRef>
+          <a:fontRef idx="minor">
+            <a:schemeClr val="lt1"/>
+          </a:fontRef>
+        </p:style>
+        <p:txBody>
+          <a:bodyPr rtlCol="0" anchor="ctr"/>
+          <a:lstStyle/>
+          <a:p>
+            <a:pPr algn="ctr"/>
+            <a:r>
+              <a:rPr lang="ko-KR" altLang="en-US" dirty="0"/>
+              <a:t>다이나믹 웹사이트 서버</a:t>
+            </a:r>
+          </a:p>
+        </p:txBody>
+      </p:sp>
+    </p:spTree>
+    <p:extLst>
+      <p:ext uri="{BB962C8B-B14F-4D97-AF65-F5344CB8AC3E}">
+        <p14:creationId xmlns:p14="http://schemas.microsoft.com/office/powerpoint/2010/main" val="2360156813"/>
+      </p:ext>
+    </p:extLst>
+  </p:cSld>
+  <p:clrMapOvr>
+    <a:masterClrMapping/>
+  </p:clrMapOvr>
+</p:sld>
+</file>
+
 <file path=ppt/slides/slide2.xml><?xml version="1.0" encoding="utf-8"?>
 <p:sld xmlns:a="http://schemas.openxmlformats.org/drawingml/2006/main" xmlns:r="http://schemas.openxmlformats.org/officeDocument/2006/relationships" xmlns:p="http://schemas.openxmlformats.org/presentationml/2006/main">
   <p:cSld>
@@ -4043,6 +5939,3479 @@
     <p:extLst>
       <p:ext uri="{BB962C8B-B14F-4D97-AF65-F5344CB8AC3E}">
         <p14:creationId xmlns:p14="http://schemas.microsoft.com/office/powerpoint/2010/main" val="2761805321"/>
+      </p:ext>
+    </p:extLst>
+  </p:cSld>
+  <p:clrMapOvr>
+    <a:masterClrMapping/>
+  </p:clrMapOvr>
+</p:sld>
+</file>
+
+<file path=ppt/slides/slide4.xml><?xml version="1.0" encoding="utf-8"?>
+<p:sld xmlns:a="http://schemas.openxmlformats.org/drawingml/2006/main" xmlns:r="http://schemas.openxmlformats.org/officeDocument/2006/relationships" xmlns:p="http://schemas.openxmlformats.org/presentationml/2006/main">
+  <p:cSld>
+    <p:spTree>
+      <p:nvGrpSpPr>
+        <p:cNvPr id="1" name=""/>
+        <p:cNvGrpSpPr/>
+        <p:nvPr/>
+      </p:nvGrpSpPr>
+      <p:grpSpPr>
+        <a:xfrm>
+          <a:off x="0" y="0"/>
+          <a:ext cx="0" cy="0"/>
+          <a:chOff x="0" y="0"/>
+          <a:chExt cx="0" cy="0"/>
+        </a:xfrm>
+      </p:grpSpPr>
+      <p:sp>
+        <p:nvSpPr>
+          <p:cNvPr id="2" name="직사각형 1">
+            <a:extLst>
+              <a:ext uri="{FF2B5EF4-FFF2-40B4-BE49-F238E27FC236}">
+                <a16:creationId xmlns:a16="http://schemas.microsoft.com/office/drawing/2014/main" id="{3685E1DD-34E0-430E-8A69-D8E8D30685F3}"/>
+              </a:ext>
+            </a:extLst>
+          </p:cNvPr>
+          <p:cNvSpPr/>
+          <p:nvPr/>
+        </p:nvSpPr>
+        <p:spPr>
+          <a:xfrm>
+            <a:off x="4445705" y="354640"/>
+            <a:ext cx="1980071" cy="1706461"/>
+          </a:xfrm>
+          <a:prstGeom prst="rect">
+            <a:avLst/>
+          </a:prstGeom>
+        </p:spPr>
+        <p:style>
+          <a:lnRef idx="2">
+            <a:schemeClr val="accent1">
+              <a:shade val="50000"/>
+            </a:schemeClr>
+          </a:lnRef>
+          <a:fillRef idx="1">
+            <a:schemeClr val="accent1"/>
+          </a:fillRef>
+          <a:effectRef idx="0">
+            <a:schemeClr val="accent1"/>
+          </a:effectRef>
+          <a:fontRef idx="minor">
+            <a:schemeClr val="lt1"/>
+          </a:fontRef>
+        </p:style>
+        <p:txBody>
+          <a:bodyPr rtlCol="0" anchor="ctr"/>
+          <a:lstStyle/>
+          <a:p>
+            <a:pPr algn="ctr"/>
+            <a:r>
+              <a:rPr lang="en-US" altLang="ko-KR" dirty="0" err="1"/>
+              <a:t>Github</a:t>
+            </a:r>
+            <a:endParaRPr lang="en-US" altLang="ko-KR" dirty="0"/>
+          </a:p>
+          <a:p>
+            <a:pPr algn="ctr"/>
+            <a:r>
+              <a:rPr lang="en-US" altLang="ko-KR" dirty="0" err="1"/>
+              <a:t>Homwork</a:t>
+            </a:r>
+            <a:endParaRPr lang="en-US" altLang="ko-KR" dirty="0"/>
+          </a:p>
+          <a:p>
+            <a:pPr algn="ctr"/>
+            <a:r>
+              <a:rPr lang="en-US" altLang="ko-KR" dirty="0"/>
+              <a:t>README.md</a:t>
+            </a:r>
+            <a:endParaRPr lang="ko-KR" altLang="en-US" dirty="0"/>
+          </a:p>
+        </p:txBody>
+      </p:sp>
+      <p:sp>
+        <p:nvSpPr>
+          <p:cNvPr id="3" name="직사각형 2">
+            <a:extLst>
+              <a:ext uri="{FF2B5EF4-FFF2-40B4-BE49-F238E27FC236}">
+                <a16:creationId xmlns:a16="http://schemas.microsoft.com/office/drawing/2014/main" id="{C41ED69C-1E0A-41FC-8FB6-0DD2D5917C46}"/>
+              </a:ext>
+            </a:extLst>
+          </p:cNvPr>
+          <p:cNvSpPr/>
+          <p:nvPr/>
+        </p:nvSpPr>
+        <p:spPr>
+          <a:xfrm>
+            <a:off x="2917371" y="4136570"/>
+            <a:ext cx="1757829" cy="1514929"/>
+          </a:xfrm>
+          <a:prstGeom prst="rect">
+            <a:avLst/>
+          </a:prstGeom>
+        </p:spPr>
+        <p:style>
+          <a:lnRef idx="2">
+            <a:schemeClr val="accent1">
+              <a:shade val="50000"/>
+            </a:schemeClr>
+          </a:lnRef>
+          <a:fillRef idx="1">
+            <a:schemeClr val="accent1"/>
+          </a:fillRef>
+          <a:effectRef idx="0">
+            <a:schemeClr val="accent1"/>
+          </a:effectRef>
+          <a:fontRef idx="minor">
+            <a:schemeClr val="lt1"/>
+          </a:fontRef>
+        </p:style>
+        <p:txBody>
+          <a:bodyPr rtlCol="0" anchor="ctr"/>
+          <a:lstStyle/>
+          <a:p>
+            <a:pPr algn="ctr"/>
+            <a:r>
+              <a:rPr lang="ko-KR" altLang="en-US" dirty="0"/>
+              <a:t>팀원</a:t>
+            </a:r>
+            <a:r>
+              <a:rPr lang="en-US" altLang="ko-KR" dirty="0"/>
+              <a:t>1</a:t>
+            </a:r>
+          </a:p>
+          <a:p>
+            <a:pPr algn="ctr"/>
+            <a:r>
+              <a:rPr lang="en-US" altLang="ko-KR" dirty="0"/>
+              <a:t>~/campus</a:t>
+            </a:r>
+          </a:p>
+          <a:p>
+            <a:pPr algn="ctr"/>
+            <a:r>
+              <a:rPr lang="en-US" altLang="ko-KR" dirty="0"/>
+              <a:t>REAME.md</a:t>
+            </a:r>
+            <a:endParaRPr lang="ko-KR" altLang="en-US" dirty="0"/>
+          </a:p>
+        </p:txBody>
+      </p:sp>
+      <p:sp>
+        <p:nvSpPr>
+          <p:cNvPr id="4" name="직사각형 3">
+            <a:extLst>
+              <a:ext uri="{FF2B5EF4-FFF2-40B4-BE49-F238E27FC236}">
+                <a16:creationId xmlns:a16="http://schemas.microsoft.com/office/drawing/2014/main" id="{8A251A0B-3F4E-46A2-B338-75BC257E8AD3}"/>
+              </a:ext>
+            </a:extLst>
+          </p:cNvPr>
+          <p:cNvSpPr/>
+          <p:nvPr/>
+        </p:nvSpPr>
+        <p:spPr>
+          <a:xfrm>
+            <a:off x="6967073" y="4263571"/>
+            <a:ext cx="1757828" cy="1514928"/>
+          </a:xfrm>
+          <a:prstGeom prst="rect">
+            <a:avLst/>
+          </a:prstGeom>
+        </p:spPr>
+        <p:style>
+          <a:lnRef idx="2">
+            <a:schemeClr val="accent1">
+              <a:shade val="50000"/>
+            </a:schemeClr>
+          </a:lnRef>
+          <a:fillRef idx="1">
+            <a:schemeClr val="accent1"/>
+          </a:fillRef>
+          <a:effectRef idx="0">
+            <a:schemeClr val="accent1"/>
+          </a:effectRef>
+          <a:fontRef idx="minor">
+            <a:schemeClr val="lt1"/>
+          </a:fontRef>
+        </p:style>
+        <p:txBody>
+          <a:bodyPr rtlCol="0" anchor="ctr"/>
+          <a:lstStyle/>
+          <a:p>
+            <a:pPr algn="ctr"/>
+            <a:r>
+              <a:rPr lang="ko-KR" altLang="en-US" dirty="0"/>
+              <a:t>팀원</a:t>
+            </a:r>
+            <a:r>
+              <a:rPr lang="en-US" altLang="ko-KR" dirty="0"/>
+              <a:t>2</a:t>
+            </a:r>
+          </a:p>
+          <a:p>
+            <a:pPr algn="ctr"/>
+            <a:r>
+              <a:rPr lang="en-US" altLang="ko-KR" dirty="0"/>
+              <a:t>Homework</a:t>
+            </a:r>
+          </a:p>
+          <a:p>
+            <a:pPr algn="ctr"/>
+            <a:r>
+              <a:rPr lang="en-US" altLang="ko-KR" dirty="0"/>
+              <a:t>Readme.md</a:t>
+            </a:r>
+            <a:endParaRPr lang="ko-KR" altLang="en-US" dirty="0"/>
+          </a:p>
+        </p:txBody>
+      </p:sp>
+      <p:cxnSp>
+        <p:nvCxnSpPr>
+          <p:cNvPr id="6" name="직선 화살표 연결선 5">
+            <a:extLst>
+              <a:ext uri="{FF2B5EF4-FFF2-40B4-BE49-F238E27FC236}">
+                <a16:creationId xmlns:a16="http://schemas.microsoft.com/office/drawing/2014/main" id="{68B06647-534B-4E2C-95D9-2BB52E96C6DB}"/>
+              </a:ext>
+            </a:extLst>
+          </p:cNvPr>
+          <p:cNvCxnSpPr>
+            <a:cxnSpLocks/>
+          </p:cNvCxnSpPr>
+          <p:nvPr/>
+        </p:nvCxnSpPr>
+        <p:spPr>
+          <a:xfrm flipH="1">
+            <a:off x="3688389" y="2225097"/>
+            <a:ext cx="883363" cy="1893784"/>
+          </a:xfrm>
+          <a:prstGeom prst="straightConnector1">
+            <a:avLst/>
+          </a:prstGeom>
+          <a:ln>
+            <a:tailEnd type="triangle"/>
+          </a:ln>
+        </p:spPr>
+        <p:style>
+          <a:lnRef idx="1">
+            <a:schemeClr val="accent1"/>
+          </a:lnRef>
+          <a:fillRef idx="0">
+            <a:schemeClr val="accent1"/>
+          </a:fillRef>
+          <a:effectRef idx="0">
+            <a:schemeClr val="accent1"/>
+          </a:effectRef>
+          <a:fontRef idx="minor">
+            <a:schemeClr val="tx1"/>
+          </a:fontRef>
+        </p:style>
+      </p:cxnSp>
+      <p:cxnSp>
+        <p:nvCxnSpPr>
+          <p:cNvPr id="7" name="직선 화살표 연결선 6">
+            <a:extLst>
+              <a:ext uri="{FF2B5EF4-FFF2-40B4-BE49-F238E27FC236}">
+                <a16:creationId xmlns:a16="http://schemas.microsoft.com/office/drawing/2014/main" id="{F29F9881-6C31-44AF-BE72-54CC6CF88147}"/>
+              </a:ext>
+            </a:extLst>
+          </p:cNvPr>
+          <p:cNvCxnSpPr>
+            <a:cxnSpLocks/>
+          </p:cNvCxnSpPr>
+          <p:nvPr/>
+        </p:nvCxnSpPr>
+        <p:spPr>
+          <a:xfrm flipH="1" flipV="1">
+            <a:off x="6512908" y="2305566"/>
+            <a:ext cx="931379" cy="1763513"/>
+          </a:xfrm>
+          <a:prstGeom prst="straightConnector1">
+            <a:avLst/>
+          </a:prstGeom>
+          <a:ln>
+            <a:tailEnd type="triangle"/>
+          </a:ln>
+        </p:spPr>
+        <p:style>
+          <a:lnRef idx="1">
+            <a:schemeClr val="accent1"/>
+          </a:lnRef>
+          <a:fillRef idx="0">
+            <a:schemeClr val="accent1"/>
+          </a:fillRef>
+          <a:effectRef idx="0">
+            <a:schemeClr val="accent1"/>
+          </a:effectRef>
+          <a:fontRef idx="minor">
+            <a:schemeClr val="tx1"/>
+          </a:fontRef>
+        </p:style>
+      </p:cxnSp>
+      <p:cxnSp>
+        <p:nvCxnSpPr>
+          <p:cNvPr id="9" name="직선 화살표 연결선 8">
+            <a:extLst>
+              <a:ext uri="{FF2B5EF4-FFF2-40B4-BE49-F238E27FC236}">
+                <a16:creationId xmlns:a16="http://schemas.microsoft.com/office/drawing/2014/main" id="{3DBD1DE4-3D1A-4CE9-9255-37676D0EA5C8}"/>
+              </a:ext>
+            </a:extLst>
+          </p:cNvPr>
+          <p:cNvCxnSpPr>
+            <a:cxnSpLocks/>
+          </p:cNvCxnSpPr>
+          <p:nvPr/>
+        </p:nvCxnSpPr>
+        <p:spPr>
+          <a:xfrm>
+            <a:off x="6675674" y="2055493"/>
+            <a:ext cx="1099097" cy="2081077"/>
+          </a:xfrm>
+          <a:prstGeom prst="straightConnector1">
+            <a:avLst/>
+          </a:prstGeom>
+          <a:ln>
+            <a:tailEnd type="triangle"/>
+          </a:ln>
+        </p:spPr>
+        <p:style>
+          <a:lnRef idx="1">
+            <a:schemeClr val="accent1"/>
+          </a:lnRef>
+          <a:fillRef idx="0">
+            <a:schemeClr val="accent1"/>
+          </a:fillRef>
+          <a:effectRef idx="0">
+            <a:schemeClr val="accent1"/>
+          </a:effectRef>
+          <a:fontRef idx="minor">
+            <a:schemeClr val="tx1"/>
+          </a:fontRef>
+        </p:style>
+      </p:cxnSp>
+      <p:cxnSp>
+        <p:nvCxnSpPr>
+          <p:cNvPr id="10" name="직선 화살표 연결선 9">
+            <a:extLst>
+              <a:ext uri="{FF2B5EF4-FFF2-40B4-BE49-F238E27FC236}">
+                <a16:creationId xmlns:a16="http://schemas.microsoft.com/office/drawing/2014/main" id="{2078711D-0FCC-4640-A68C-BC5FEE54D5E0}"/>
+              </a:ext>
+            </a:extLst>
+          </p:cNvPr>
+          <p:cNvCxnSpPr>
+            <a:cxnSpLocks/>
+          </p:cNvCxnSpPr>
+          <p:nvPr/>
+        </p:nvCxnSpPr>
+        <p:spPr>
+          <a:xfrm flipV="1">
+            <a:off x="3124199" y="1831493"/>
+            <a:ext cx="1043732" cy="2237586"/>
+          </a:xfrm>
+          <a:prstGeom prst="straightConnector1">
+            <a:avLst/>
+          </a:prstGeom>
+          <a:ln>
+            <a:tailEnd type="triangle"/>
+          </a:ln>
+        </p:spPr>
+        <p:style>
+          <a:lnRef idx="1">
+            <a:schemeClr val="accent1"/>
+          </a:lnRef>
+          <a:fillRef idx="0">
+            <a:schemeClr val="accent1"/>
+          </a:fillRef>
+          <a:effectRef idx="0">
+            <a:schemeClr val="accent1"/>
+          </a:effectRef>
+          <a:fontRef idx="minor">
+            <a:schemeClr val="tx1"/>
+          </a:fontRef>
+        </p:style>
+      </p:cxnSp>
+      <p:sp>
+        <p:nvSpPr>
+          <p:cNvPr id="11" name="TextBox 10">
+            <a:extLst>
+              <a:ext uri="{FF2B5EF4-FFF2-40B4-BE49-F238E27FC236}">
+                <a16:creationId xmlns:a16="http://schemas.microsoft.com/office/drawing/2014/main" id="{AA3E2B00-5FED-4FC5-A88E-EEA575011969}"/>
+              </a:ext>
+            </a:extLst>
+          </p:cNvPr>
+          <p:cNvSpPr txBox="1"/>
+          <p:nvPr/>
+        </p:nvSpPr>
+        <p:spPr>
+          <a:xfrm>
+            <a:off x="3124199" y="2120900"/>
+            <a:ext cx="863601" cy="369332"/>
+          </a:xfrm>
+          <a:prstGeom prst="rect">
+            <a:avLst/>
+          </a:prstGeom>
+          <a:noFill/>
+        </p:spPr>
+        <p:txBody>
+          <a:bodyPr wrap="square" rtlCol="0">
+            <a:spAutoFit/>
+          </a:bodyPr>
+          <a:lstStyle/>
+          <a:p>
+            <a:r>
+              <a:rPr lang="en-US" altLang="ko-KR" dirty="0"/>
+              <a:t>push</a:t>
+            </a:r>
+            <a:endParaRPr lang="ko-KR" altLang="en-US" dirty="0"/>
+          </a:p>
+        </p:txBody>
+      </p:sp>
+      <p:sp>
+        <p:nvSpPr>
+          <p:cNvPr id="12" name="TextBox 11">
+            <a:extLst>
+              <a:ext uri="{FF2B5EF4-FFF2-40B4-BE49-F238E27FC236}">
+                <a16:creationId xmlns:a16="http://schemas.microsoft.com/office/drawing/2014/main" id="{483974CB-1D58-4D6C-A6E3-FD83599B76DC}"/>
+              </a:ext>
+            </a:extLst>
+          </p:cNvPr>
+          <p:cNvSpPr txBox="1"/>
+          <p:nvPr/>
+        </p:nvSpPr>
+        <p:spPr>
+          <a:xfrm>
+            <a:off x="3886198" y="2684725"/>
+            <a:ext cx="863601" cy="369332"/>
+          </a:xfrm>
+          <a:prstGeom prst="rect">
+            <a:avLst/>
+          </a:prstGeom>
+          <a:noFill/>
+        </p:spPr>
+        <p:txBody>
+          <a:bodyPr wrap="square" rtlCol="0">
+            <a:spAutoFit/>
+          </a:bodyPr>
+          <a:lstStyle/>
+          <a:p>
+            <a:r>
+              <a:rPr lang="en-US" altLang="ko-KR" dirty="0"/>
+              <a:t>pull</a:t>
+            </a:r>
+            <a:endParaRPr lang="ko-KR" altLang="en-US" dirty="0"/>
+          </a:p>
+        </p:txBody>
+      </p:sp>
+      <p:sp>
+        <p:nvSpPr>
+          <p:cNvPr id="13" name="TextBox 12">
+            <a:extLst>
+              <a:ext uri="{FF2B5EF4-FFF2-40B4-BE49-F238E27FC236}">
+                <a16:creationId xmlns:a16="http://schemas.microsoft.com/office/drawing/2014/main" id="{D84EF5A6-7EF3-4F14-A644-581E31CD553F}"/>
+              </a:ext>
+            </a:extLst>
+          </p:cNvPr>
+          <p:cNvSpPr txBox="1"/>
+          <p:nvPr/>
+        </p:nvSpPr>
+        <p:spPr>
+          <a:xfrm>
+            <a:off x="6246584" y="2641237"/>
+            <a:ext cx="863601" cy="369332"/>
+          </a:xfrm>
+          <a:prstGeom prst="rect">
+            <a:avLst/>
+          </a:prstGeom>
+          <a:noFill/>
+        </p:spPr>
+        <p:txBody>
+          <a:bodyPr wrap="square" rtlCol="0">
+            <a:spAutoFit/>
+          </a:bodyPr>
+          <a:lstStyle/>
+          <a:p>
+            <a:r>
+              <a:rPr lang="en-US" altLang="ko-KR" dirty="0"/>
+              <a:t>push</a:t>
+            </a:r>
+            <a:endParaRPr lang="ko-KR" altLang="en-US" dirty="0"/>
+          </a:p>
+        </p:txBody>
+      </p:sp>
+      <p:sp>
+        <p:nvSpPr>
+          <p:cNvPr id="14" name="TextBox 13">
+            <a:extLst>
+              <a:ext uri="{FF2B5EF4-FFF2-40B4-BE49-F238E27FC236}">
+                <a16:creationId xmlns:a16="http://schemas.microsoft.com/office/drawing/2014/main" id="{428D0AAE-7AAB-428E-A3AE-E6C397F31339}"/>
+              </a:ext>
+            </a:extLst>
+          </p:cNvPr>
+          <p:cNvSpPr txBox="1"/>
+          <p:nvPr/>
+        </p:nvSpPr>
+        <p:spPr>
+          <a:xfrm>
+            <a:off x="6762806" y="1981837"/>
+            <a:ext cx="2943196" cy="369332"/>
+          </a:xfrm>
+          <a:prstGeom prst="rect">
+            <a:avLst/>
+          </a:prstGeom>
+          <a:noFill/>
+        </p:spPr>
+        <p:txBody>
+          <a:bodyPr wrap="square" rtlCol="0">
+            <a:spAutoFit/>
+          </a:bodyPr>
+          <a:lstStyle/>
+          <a:p>
+            <a:r>
+              <a:rPr lang="en-US" altLang="ko-KR" dirty="0"/>
+              <a:t>1</a:t>
+            </a:r>
+            <a:r>
+              <a:rPr lang="en-US" altLang="ko-KR"/>
+              <a:t>. </a:t>
+            </a:r>
+            <a:r>
+              <a:rPr lang="ko-KR" altLang="en-US" dirty="0"/>
+              <a:t>처음만</a:t>
+            </a:r>
+            <a:r>
+              <a:rPr lang="en-US" altLang="ko-KR" dirty="0"/>
+              <a:t>clone</a:t>
+            </a:r>
+            <a:endParaRPr lang="ko-KR" altLang="en-US" dirty="0"/>
+          </a:p>
+        </p:txBody>
+      </p:sp>
+      <p:sp>
+        <p:nvSpPr>
+          <p:cNvPr id="18" name="TextBox 17">
+            <a:extLst>
+              <a:ext uri="{FF2B5EF4-FFF2-40B4-BE49-F238E27FC236}">
+                <a16:creationId xmlns:a16="http://schemas.microsoft.com/office/drawing/2014/main" id="{F3C42270-AFAC-4924-848C-90EAE337B4C7}"/>
+              </a:ext>
+            </a:extLst>
+          </p:cNvPr>
+          <p:cNvSpPr txBox="1"/>
+          <p:nvPr/>
+        </p:nvSpPr>
+        <p:spPr>
+          <a:xfrm>
+            <a:off x="6867071" y="2225097"/>
+            <a:ext cx="863601" cy="369332"/>
+          </a:xfrm>
+          <a:prstGeom prst="rect">
+            <a:avLst/>
+          </a:prstGeom>
+          <a:noFill/>
+        </p:spPr>
+        <p:txBody>
+          <a:bodyPr wrap="square" rtlCol="0">
+            <a:spAutoFit/>
+          </a:bodyPr>
+          <a:lstStyle/>
+          <a:p>
+            <a:r>
+              <a:rPr lang="en-US" altLang="ko-KR" dirty="0"/>
+              <a:t>pull</a:t>
+            </a:r>
+            <a:endParaRPr lang="ko-KR" altLang="en-US" dirty="0"/>
+          </a:p>
+        </p:txBody>
+      </p:sp>
+    </p:spTree>
+    <p:extLst>
+      <p:ext uri="{BB962C8B-B14F-4D97-AF65-F5344CB8AC3E}">
+        <p14:creationId xmlns:p14="http://schemas.microsoft.com/office/powerpoint/2010/main" val="3786671145"/>
+      </p:ext>
+    </p:extLst>
+  </p:cSld>
+  <p:clrMapOvr>
+    <a:masterClrMapping/>
+  </p:clrMapOvr>
+</p:sld>
+</file>
+
+<file path=ppt/slides/slide5.xml><?xml version="1.0" encoding="utf-8"?>
+<p:sld xmlns:a="http://schemas.openxmlformats.org/drawingml/2006/main" xmlns:r="http://schemas.openxmlformats.org/officeDocument/2006/relationships" xmlns:p="http://schemas.openxmlformats.org/presentationml/2006/main">
+  <p:cSld>
+    <p:spTree>
+      <p:nvGrpSpPr>
+        <p:cNvPr id="1" name=""/>
+        <p:cNvGrpSpPr/>
+        <p:nvPr/>
+      </p:nvGrpSpPr>
+      <p:grpSpPr>
+        <a:xfrm>
+          <a:off x="0" y="0"/>
+          <a:ext cx="0" cy="0"/>
+          <a:chOff x="0" y="0"/>
+          <a:chExt cx="0" cy="0"/>
+        </a:xfrm>
+      </p:grpSpPr>
+      <p:sp>
+        <p:nvSpPr>
+          <p:cNvPr id="2" name="직사각형 1">
+            <a:extLst>
+              <a:ext uri="{FF2B5EF4-FFF2-40B4-BE49-F238E27FC236}">
+                <a16:creationId xmlns:a16="http://schemas.microsoft.com/office/drawing/2014/main" id="{3685E1DD-34E0-430E-8A69-D8E8D30685F3}"/>
+              </a:ext>
+            </a:extLst>
+          </p:cNvPr>
+          <p:cNvSpPr/>
+          <p:nvPr/>
+        </p:nvSpPr>
+        <p:spPr>
+          <a:xfrm>
+            <a:off x="4445705" y="354640"/>
+            <a:ext cx="1980071" cy="1706461"/>
+          </a:xfrm>
+          <a:prstGeom prst="rect">
+            <a:avLst/>
+          </a:prstGeom>
+        </p:spPr>
+        <p:style>
+          <a:lnRef idx="2">
+            <a:schemeClr val="accent1">
+              <a:shade val="50000"/>
+            </a:schemeClr>
+          </a:lnRef>
+          <a:fillRef idx="1">
+            <a:schemeClr val="accent1"/>
+          </a:fillRef>
+          <a:effectRef idx="0">
+            <a:schemeClr val="accent1"/>
+          </a:effectRef>
+          <a:fontRef idx="minor">
+            <a:schemeClr val="lt1"/>
+          </a:fontRef>
+        </p:style>
+        <p:txBody>
+          <a:bodyPr rtlCol="0" anchor="ctr"/>
+          <a:lstStyle/>
+          <a:p>
+            <a:pPr algn="ctr"/>
+            <a:r>
+              <a:rPr lang="en-US" altLang="ko-KR" dirty="0" err="1"/>
+              <a:t>Github</a:t>
+            </a:r>
+            <a:endParaRPr lang="en-US" altLang="ko-KR" dirty="0"/>
+          </a:p>
+          <a:p>
+            <a:pPr algn="ctr"/>
+            <a:r>
+              <a:rPr lang="ko-KR" altLang="en-US" dirty="0" err="1"/>
+              <a:t>강동주</a:t>
+            </a:r>
+            <a:r>
+              <a:rPr lang="ko-KR" altLang="en-US" dirty="0"/>
+              <a:t> </a:t>
+            </a:r>
+            <a:endParaRPr lang="en-US" altLang="ko-KR" dirty="0"/>
+          </a:p>
+          <a:p>
+            <a:pPr algn="ctr"/>
+            <a:r>
+              <a:rPr lang="ko-KR" altLang="en-US" dirty="0"/>
+              <a:t>주유소</a:t>
+            </a:r>
+          </a:p>
+        </p:txBody>
+      </p:sp>
+      <p:sp>
+        <p:nvSpPr>
+          <p:cNvPr id="3" name="직사각형 2">
+            <a:extLst>
+              <a:ext uri="{FF2B5EF4-FFF2-40B4-BE49-F238E27FC236}">
+                <a16:creationId xmlns:a16="http://schemas.microsoft.com/office/drawing/2014/main" id="{C41ED69C-1E0A-41FC-8FB6-0DD2D5917C46}"/>
+              </a:ext>
+            </a:extLst>
+          </p:cNvPr>
+          <p:cNvSpPr/>
+          <p:nvPr/>
+        </p:nvSpPr>
+        <p:spPr>
+          <a:xfrm>
+            <a:off x="2687876" y="4299643"/>
+            <a:ext cx="1757829" cy="1514929"/>
+          </a:xfrm>
+          <a:prstGeom prst="rect">
+            <a:avLst/>
+          </a:prstGeom>
+        </p:spPr>
+        <p:style>
+          <a:lnRef idx="2">
+            <a:schemeClr val="accent1">
+              <a:shade val="50000"/>
+            </a:schemeClr>
+          </a:lnRef>
+          <a:fillRef idx="1">
+            <a:schemeClr val="accent1"/>
+          </a:fillRef>
+          <a:effectRef idx="0">
+            <a:schemeClr val="accent1"/>
+          </a:effectRef>
+          <a:fontRef idx="minor">
+            <a:schemeClr val="lt1"/>
+          </a:fontRef>
+        </p:style>
+        <p:txBody>
+          <a:bodyPr rtlCol="0" anchor="ctr"/>
+          <a:lstStyle/>
+          <a:p>
+            <a:pPr algn="ctr"/>
+            <a:r>
+              <a:rPr lang="ko-KR" altLang="en-US" dirty="0"/>
+              <a:t>대장</a:t>
+            </a:r>
+            <a:endParaRPr lang="en-US" altLang="ko-KR" dirty="0"/>
+          </a:p>
+          <a:p>
+            <a:pPr algn="ctr"/>
+            <a:r>
+              <a:rPr lang="ko-KR" altLang="en-US" dirty="0" err="1"/>
+              <a:t>강동주</a:t>
+            </a:r>
+            <a:endParaRPr lang="en-US" altLang="ko-KR" dirty="0"/>
+          </a:p>
+          <a:p>
+            <a:pPr algn="ctr"/>
+            <a:r>
+              <a:rPr lang="ko-KR" altLang="en-US" dirty="0"/>
+              <a:t>주유소</a:t>
+            </a:r>
+          </a:p>
+        </p:txBody>
+      </p:sp>
+      <p:sp>
+        <p:nvSpPr>
+          <p:cNvPr id="4" name="직사각형 3">
+            <a:extLst>
+              <a:ext uri="{FF2B5EF4-FFF2-40B4-BE49-F238E27FC236}">
+                <a16:creationId xmlns:a16="http://schemas.microsoft.com/office/drawing/2014/main" id="{8A251A0B-3F4E-46A2-B338-75BC257E8AD3}"/>
+              </a:ext>
+            </a:extLst>
+          </p:cNvPr>
+          <p:cNvSpPr/>
+          <p:nvPr/>
+        </p:nvSpPr>
+        <p:spPr>
+          <a:xfrm>
+            <a:off x="6967073" y="4263571"/>
+            <a:ext cx="1757828" cy="1514928"/>
+          </a:xfrm>
+          <a:prstGeom prst="rect">
+            <a:avLst/>
+          </a:prstGeom>
+        </p:spPr>
+        <p:style>
+          <a:lnRef idx="2">
+            <a:schemeClr val="accent1">
+              <a:shade val="50000"/>
+            </a:schemeClr>
+          </a:lnRef>
+          <a:fillRef idx="1">
+            <a:schemeClr val="accent1"/>
+          </a:fillRef>
+          <a:effectRef idx="0">
+            <a:schemeClr val="accent1"/>
+          </a:effectRef>
+          <a:fontRef idx="minor">
+            <a:schemeClr val="lt1"/>
+          </a:fontRef>
+        </p:style>
+        <p:txBody>
+          <a:bodyPr rtlCol="0" anchor="ctr"/>
+          <a:lstStyle/>
+          <a:p>
+            <a:pPr algn="ctr"/>
+            <a:r>
+              <a:rPr lang="ko-KR" altLang="en-US" dirty="0"/>
+              <a:t>노예 </a:t>
+            </a:r>
+            <a:endParaRPr lang="en-US" altLang="ko-KR" dirty="0"/>
+          </a:p>
+          <a:p>
+            <a:pPr algn="ctr"/>
+            <a:r>
+              <a:rPr lang="ko-KR" altLang="en-US" dirty="0" err="1"/>
+              <a:t>강동주</a:t>
+            </a:r>
+            <a:r>
+              <a:rPr lang="ko-KR" altLang="en-US" dirty="0"/>
+              <a:t> </a:t>
+            </a:r>
+            <a:endParaRPr lang="en-US" altLang="ko-KR" dirty="0"/>
+          </a:p>
+          <a:p>
+            <a:pPr algn="ctr"/>
+            <a:r>
+              <a:rPr lang="ko-KR" altLang="en-US" dirty="0"/>
+              <a:t>주유소</a:t>
+            </a:r>
+          </a:p>
+        </p:txBody>
+      </p:sp>
+      <p:cxnSp>
+        <p:nvCxnSpPr>
+          <p:cNvPr id="6" name="직선 화살표 연결선 5">
+            <a:extLst>
+              <a:ext uri="{FF2B5EF4-FFF2-40B4-BE49-F238E27FC236}">
+                <a16:creationId xmlns:a16="http://schemas.microsoft.com/office/drawing/2014/main" id="{68B06647-534B-4E2C-95D9-2BB52E96C6DB}"/>
+              </a:ext>
+            </a:extLst>
+          </p:cNvPr>
+          <p:cNvCxnSpPr>
+            <a:cxnSpLocks/>
+          </p:cNvCxnSpPr>
+          <p:nvPr/>
+        </p:nvCxnSpPr>
+        <p:spPr>
+          <a:xfrm flipH="1">
+            <a:off x="3688389" y="2225097"/>
+            <a:ext cx="883363" cy="1893784"/>
+          </a:xfrm>
+          <a:prstGeom prst="straightConnector1">
+            <a:avLst/>
+          </a:prstGeom>
+          <a:ln>
+            <a:tailEnd type="triangle"/>
+          </a:ln>
+        </p:spPr>
+        <p:style>
+          <a:lnRef idx="1">
+            <a:schemeClr val="accent1"/>
+          </a:lnRef>
+          <a:fillRef idx="0">
+            <a:schemeClr val="accent1"/>
+          </a:fillRef>
+          <a:effectRef idx="0">
+            <a:schemeClr val="accent1"/>
+          </a:effectRef>
+          <a:fontRef idx="minor">
+            <a:schemeClr val="tx1"/>
+          </a:fontRef>
+        </p:style>
+      </p:cxnSp>
+      <p:cxnSp>
+        <p:nvCxnSpPr>
+          <p:cNvPr id="7" name="직선 화살표 연결선 6">
+            <a:extLst>
+              <a:ext uri="{FF2B5EF4-FFF2-40B4-BE49-F238E27FC236}">
+                <a16:creationId xmlns:a16="http://schemas.microsoft.com/office/drawing/2014/main" id="{F29F9881-6C31-44AF-BE72-54CC6CF88147}"/>
+              </a:ext>
+            </a:extLst>
+          </p:cNvPr>
+          <p:cNvCxnSpPr>
+            <a:cxnSpLocks/>
+          </p:cNvCxnSpPr>
+          <p:nvPr/>
+        </p:nvCxnSpPr>
+        <p:spPr>
+          <a:xfrm flipH="1" flipV="1">
+            <a:off x="6512908" y="2305566"/>
+            <a:ext cx="931379" cy="1763513"/>
+          </a:xfrm>
+          <a:prstGeom prst="straightConnector1">
+            <a:avLst/>
+          </a:prstGeom>
+          <a:ln>
+            <a:tailEnd type="triangle"/>
+          </a:ln>
+        </p:spPr>
+        <p:style>
+          <a:lnRef idx="1">
+            <a:schemeClr val="accent1"/>
+          </a:lnRef>
+          <a:fillRef idx="0">
+            <a:schemeClr val="accent1"/>
+          </a:fillRef>
+          <a:effectRef idx="0">
+            <a:schemeClr val="accent1"/>
+          </a:effectRef>
+          <a:fontRef idx="minor">
+            <a:schemeClr val="tx1"/>
+          </a:fontRef>
+        </p:style>
+      </p:cxnSp>
+      <p:cxnSp>
+        <p:nvCxnSpPr>
+          <p:cNvPr id="9" name="직선 화살표 연결선 8">
+            <a:extLst>
+              <a:ext uri="{FF2B5EF4-FFF2-40B4-BE49-F238E27FC236}">
+                <a16:creationId xmlns:a16="http://schemas.microsoft.com/office/drawing/2014/main" id="{3DBD1DE4-3D1A-4CE9-9255-37676D0EA5C8}"/>
+              </a:ext>
+            </a:extLst>
+          </p:cNvPr>
+          <p:cNvCxnSpPr>
+            <a:cxnSpLocks/>
+          </p:cNvCxnSpPr>
+          <p:nvPr/>
+        </p:nvCxnSpPr>
+        <p:spPr>
+          <a:xfrm>
+            <a:off x="6675674" y="2055493"/>
+            <a:ext cx="1099097" cy="2081077"/>
+          </a:xfrm>
+          <a:prstGeom prst="straightConnector1">
+            <a:avLst/>
+          </a:prstGeom>
+          <a:ln>
+            <a:tailEnd type="triangle"/>
+          </a:ln>
+        </p:spPr>
+        <p:style>
+          <a:lnRef idx="1">
+            <a:schemeClr val="accent1"/>
+          </a:lnRef>
+          <a:fillRef idx="0">
+            <a:schemeClr val="accent1"/>
+          </a:fillRef>
+          <a:effectRef idx="0">
+            <a:schemeClr val="accent1"/>
+          </a:effectRef>
+          <a:fontRef idx="minor">
+            <a:schemeClr val="tx1"/>
+          </a:fontRef>
+        </p:style>
+      </p:cxnSp>
+      <p:cxnSp>
+        <p:nvCxnSpPr>
+          <p:cNvPr id="10" name="직선 화살표 연결선 9">
+            <a:extLst>
+              <a:ext uri="{FF2B5EF4-FFF2-40B4-BE49-F238E27FC236}">
+                <a16:creationId xmlns:a16="http://schemas.microsoft.com/office/drawing/2014/main" id="{2078711D-0FCC-4640-A68C-BC5FEE54D5E0}"/>
+              </a:ext>
+            </a:extLst>
+          </p:cNvPr>
+          <p:cNvCxnSpPr>
+            <a:cxnSpLocks/>
+          </p:cNvCxnSpPr>
+          <p:nvPr/>
+        </p:nvCxnSpPr>
+        <p:spPr>
+          <a:xfrm flipV="1">
+            <a:off x="3124199" y="1831493"/>
+            <a:ext cx="1043732" cy="2237586"/>
+          </a:xfrm>
+          <a:prstGeom prst="straightConnector1">
+            <a:avLst/>
+          </a:prstGeom>
+          <a:ln>
+            <a:tailEnd type="triangle"/>
+          </a:ln>
+        </p:spPr>
+        <p:style>
+          <a:lnRef idx="1">
+            <a:schemeClr val="accent1"/>
+          </a:lnRef>
+          <a:fillRef idx="0">
+            <a:schemeClr val="accent1"/>
+          </a:fillRef>
+          <a:effectRef idx="0">
+            <a:schemeClr val="accent1"/>
+          </a:effectRef>
+          <a:fontRef idx="minor">
+            <a:schemeClr val="tx1"/>
+          </a:fontRef>
+        </p:style>
+      </p:cxnSp>
+      <p:sp>
+        <p:nvSpPr>
+          <p:cNvPr id="11" name="TextBox 10">
+            <a:extLst>
+              <a:ext uri="{FF2B5EF4-FFF2-40B4-BE49-F238E27FC236}">
+                <a16:creationId xmlns:a16="http://schemas.microsoft.com/office/drawing/2014/main" id="{AA3E2B00-5FED-4FC5-A88E-EEA575011969}"/>
+              </a:ext>
+            </a:extLst>
+          </p:cNvPr>
+          <p:cNvSpPr txBox="1"/>
+          <p:nvPr/>
+        </p:nvSpPr>
+        <p:spPr>
+          <a:xfrm>
+            <a:off x="3124199" y="2120900"/>
+            <a:ext cx="863601" cy="369332"/>
+          </a:xfrm>
+          <a:prstGeom prst="rect">
+            <a:avLst/>
+          </a:prstGeom>
+          <a:noFill/>
+        </p:spPr>
+        <p:txBody>
+          <a:bodyPr wrap="square" rtlCol="0">
+            <a:spAutoFit/>
+          </a:bodyPr>
+          <a:lstStyle/>
+          <a:p>
+            <a:r>
+              <a:rPr lang="en-US" altLang="ko-KR" dirty="0"/>
+              <a:t>push</a:t>
+            </a:r>
+            <a:endParaRPr lang="ko-KR" altLang="en-US" dirty="0"/>
+          </a:p>
+        </p:txBody>
+      </p:sp>
+      <p:sp>
+        <p:nvSpPr>
+          <p:cNvPr id="12" name="TextBox 11">
+            <a:extLst>
+              <a:ext uri="{FF2B5EF4-FFF2-40B4-BE49-F238E27FC236}">
+                <a16:creationId xmlns:a16="http://schemas.microsoft.com/office/drawing/2014/main" id="{483974CB-1D58-4D6C-A6E3-FD83599B76DC}"/>
+              </a:ext>
+            </a:extLst>
+          </p:cNvPr>
+          <p:cNvSpPr txBox="1"/>
+          <p:nvPr/>
+        </p:nvSpPr>
+        <p:spPr>
+          <a:xfrm>
+            <a:off x="3886198" y="2684725"/>
+            <a:ext cx="863601" cy="369332"/>
+          </a:xfrm>
+          <a:prstGeom prst="rect">
+            <a:avLst/>
+          </a:prstGeom>
+          <a:noFill/>
+        </p:spPr>
+        <p:txBody>
+          <a:bodyPr wrap="square" rtlCol="0">
+            <a:spAutoFit/>
+          </a:bodyPr>
+          <a:lstStyle/>
+          <a:p>
+            <a:r>
+              <a:rPr lang="en-US" altLang="ko-KR" dirty="0"/>
+              <a:t>pull</a:t>
+            </a:r>
+            <a:endParaRPr lang="ko-KR" altLang="en-US" dirty="0"/>
+          </a:p>
+        </p:txBody>
+      </p:sp>
+      <p:sp>
+        <p:nvSpPr>
+          <p:cNvPr id="13" name="TextBox 12">
+            <a:extLst>
+              <a:ext uri="{FF2B5EF4-FFF2-40B4-BE49-F238E27FC236}">
+                <a16:creationId xmlns:a16="http://schemas.microsoft.com/office/drawing/2014/main" id="{D84EF5A6-7EF3-4F14-A644-581E31CD553F}"/>
+              </a:ext>
+            </a:extLst>
+          </p:cNvPr>
+          <p:cNvSpPr txBox="1"/>
+          <p:nvPr/>
+        </p:nvSpPr>
+        <p:spPr>
+          <a:xfrm>
+            <a:off x="6246584" y="2641237"/>
+            <a:ext cx="863601" cy="369332"/>
+          </a:xfrm>
+          <a:prstGeom prst="rect">
+            <a:avLst/>
+          </a:prstGeom>
+          <a:noFill/>
+        </p:spPr>
+        <p:txBody>
+          <a:bodyPr wrap="square" rtlCol="0">
+            <a:spAutoFit/>
+          </a:bodyPr>
+          <a:lstStyle/>
+          <a:p>
+            <a:r>
+              <a:rPr lang="en-US" altLang="ko-KR" dirty="0"/>
+              <a:t>push</a:t>
+            </a:r>
+            <a:endParaRPr lang="ko-KR" altLang="en-US" dirty="0"/>
+          </a:p>
+        </p:txBody>
+      </p:sp>
+      <p:sp>
+        <p:nvSpPr>
+          <p:cNvPr id="14" name="TextBox 13">
+            <a:extLst>
+              <a:ext uri="{FF2B5EF4-FFF2-40B4-BE49-F238E27FC236}">
+                <a16:creationId xmlns:a16="http://schemas.microsoft.com/office/drawing/2014/main" id="{428D0AAE-7AAB-428E-A3AE-E6C397F31339}"/>
+              </a:ext>
+            </a:extLst>
+          </p:cNvPr>
+          <p:cNvSpPr txBox="1"/>
+          <p:nvPr/>
+        </p:nvSpPr>
+        <p:spPr>
+          <a:xfrm>
+            <a:off x="6762806" y="1981837"/>
+            <a:ext cx="2943196" cy="369332"/>
+          </a:xfrm>
+          <a:prstGeom prst="rect">
+            <a:avLst/>
+          </a:prstGeom>
+          <a:noFill/>
+        </p:spPr>
+        <p:txBody>
+          <a:bodyPr wrap="square" rtlCol="0">
+            <a:spAutoFit/>
+          </a:bodyPr>
+          <a:lstStyle/>
+          <a:p>
+            <a:r>
+              <a:rPr lang="en-US" altLang="ko-KR" dirty="0"/>
+              <a:t>1</a:t>
+            </a:r>
+            <a:r>
+              <a:rPr lang="en-US" altLang="ko-KR"/>
+              <a:t>. </a:t>
+            </a:r>
+            <a:r>
+              <a:rPr lang="ko-KR" altLang="en-US" dirty="0"/>
+              <a:t>처음만</a:t>
+            </a:r>
+            <a:r>
+              <a:rPr lang="en-US" altLang="ko-KR" dirty="0"/>
+              <a:t>clone</a:t>
+            </a:r>
+            <a:endParaRPr lang="ko-KR" altLang="en-US" dirty="0"/>
+          </a:p>
+        </p:txBody>
+      </p:sp>
+      <p:sp>
+        <p:nvSpPr>
+          <p:cNvPr id="18" name="TextBox 17">
+            <a:extLst>
+              <a:ext uri="{FF2B5EF4-FFF2-40B4-BE49-F238E27FC236}">
+                <a16:creationId xmlns:a16="http://schemas.microsoft.com/office/drawing/2014/main" id="{F3C42270-AFAC-4924-848C-90EAE337B4C7}"/>
+              </a:ext>
+            </a:extLst>
+          </p:cNvPr>
+          <p:cNvSpPr txBox="1"/>
+          <p:nvPr/>
+        </p:nvSpPr>
+        <p:spPr>
+          <a:xfrm>
+            <a:off x="6867071" y="2225097"/>
+            <a:ext cx="863601" cy="369332"/>
+          </a:xfrm>
+          <a:prstGeom prst="rect">
+            <a:avLst/>
+          </a:prstGeom>
+          <a:noFill/>
+        </p:spPr>
+        <p:txBody>
+          <a:bodyPr wrap="square" rtlCol="0">
+            <a:spAutoFit/>
+          </a:bodyPr>
+          <a:lstStyle/>
+          <a:p>
+            <a:r>
+              <a:rPr lang="en-US" altLang="ko-KR" dirty="0"/>
+              <a:t>pull</a:t>
+            </a:r>
+            <a:endParaRPr lang="ko-KR" altLang="en-US" dirty="0"/>
+          </a:p>
+        </p:txBody>
+      </p:sp>
+    </p:spTree>
+    <p:extLst>
+      <p:ext uri="{BB962C8B-B14F-4D97-AF65-F5344CB8AC3E}">
+        <p14:creationId xmlns:p14="http://schemas.microsoft.com/office/powerpoint/2010/main" val="1561721043"/>
+      </p:ext>
+    </p:extLst>
+  </p:cSld>
+  <p:clrMapOvr>
+    <a:masterClrMapping/>
+  </p:clrMapOvr>
+</p:sld>
+</file>
+
+<file path=ppt/slides/slide6.xml><?xml version="1.0" encoding="utf-8"?>
+<p:sld xmlns:a="http://schemas.openxmlformats.org/drawingml/2006/main" xmlns:r="http://schemas.openxmlformats.org/officeDocument/2006/relationships" xmlns:p="http://schemas.openxmlformats.org/presentationml/2006/main">
+  <p:cSld>
+    <p:spTree>
+      <p:nvGrpSpPr>
+        <p:cNvPr id="1" name=""/>
+        <p:cNvGrpSpPr/>
+        <p:nvPr/>
+      </p:nvGrpSpPr>
+      <p:grpSpPr>
+        <a:xfrm>
+          <a:off x="0" y="0"/>
+          <a:ext cx="0" cy="0"/>
+          <a:chOff x="0" y="0"/>
+          <a:chExt cx="0" cy="0"/>
+        </a:xfrm>
+      </p:grpSpPr>
+      <p:sp>
+        <p:nvSpPr>
+          <p:cNvPr id="2" name="직사각형 1">
+            <a:extLst>
+              <a:ext uri="{FF2B5EF4-FFF2-40B4-BE49-F238E27FC236}">
+                <a16:creationId xmlns:a16="http://schemas.microsoft.com/office/drawing/2014/main" id="{3685E1DD-34E0-430E-8A69-D8E8D30685F3}"/>
+              </a:ext>
+            </a:extLst>
+          </p:cNvPr>
+          <p:cNvSpPr/>
+          <p:nvPr/>
+        </p:nvSpPr>
+        <p:spPr>
+          <a:xfrm>
+            <a:off x="4445705" y="354640"/>
+            <a:ext cx="1980071" cy="1706461"/>
+          </a:xfrm>
+          <a:prstGeom prst="rect">
+            <a:avLst/>
+          </a:prstGeom>
+        </p:spPr>
+        <p:style>
+          <a:lnRef idx="2">
+            <a:schemeClr val="accent1">
+              <a:shade val="50000"/>
+            </a:schemeClr>
+          </a:lnRef>
+          <a:fillRef idx="1">
+            <a:schemeClr val="accent1"/>
+          </a:fillRef>
+          <a:effectRef idx="0">
+            <a:schemeClr val="accent1"/>
+          </a:effectRef>
+          <a:fontRef idx="minor">
+            <a:schemeClr val="lt1"/>
+          </a:fontRef>
+        </p:style>
+        <p:txBody>
+          <a:bodyPr rtlCol="0" anchor="ctr"/>
+          <a:lstStyle/>
+          <a:p>
+            <a:pPr algn="ctr"/>
+            <a:r>
+              <a:rPr lang="en-US" altLang="ko-KR" dirty="0" err="1"/>
+              <a:t>Hphk</a:t>
+            </a:r>
+            <a:r>
+              <a:rPr lang="en-US" altLang="ko-KR" dirty="0"/>
+              <a:t>-john</a:t>
+            </a:r>
+          </a:p>
+          <a:p>
+            <a:pPr algn="ctr"/>
+            <a:r>
+              <a:rPr lang="en-US" altLang="ko-KR" dirty="0"/>
+              <a:t>100day</a:t>
+            </a:r>
+            <a:endParaRPr lang="ko-KR" altLang="en-US" dirty="0"/>
+          </a:p>
+        </p:txBody>
+      </p:sp>
+      <p:cxnSp>
+        <p:nvCxnSpPr>
+          <p:cNvPr id="10" name="직선 화살표 연결선 9">
+            <a:extLst>
+              <a:ext uri="{FF2B5EF4-FFF2-40B4-BE49-F238E27FC236}">
+                <a16:creationId xmlns:a16="http://schemas.microsoft.com/office/drawing/2014/main" id="{2078711D-0FCC-4640-A68C-BC5FEE54D5E0}"/>
+              </a:ext>
+            </a:extLst>
+          </p:cNvPr>
+          <p:cNvCxnSpPr>
+            <a:cxnSpLocks/>
+          </p:cNvCxnSpPr>
+          <p:nvPr/>
+        </p:nvCxnSpPr>
+        <p:spPr>
+          <a:xfrm>
+            <a:off x="6540500" y="843279"/>
+            <a:ext cx="455310" cy="0"/>
+          </a:xfrm>
+          <a:prstGeom prst="straightConnector1">
+            <a:avLst/>
+          </a:prstGeom>
+          <a:ln>
+            <a:tailEnd type="triangle"/>
+          </a:ln>
+        </p:spPr>
+        <p:style>
+          <a:lnRef idx="1">
+            <a:schemeClr val="accent1"/>
+          </a:lnRef>
+          <a:fillRef idx="0">
+            <a:schemeClr val="accent1"/>
+          </a:fillRef>
+          <a:effectRef idx="0">
+            <a:schemeClr val="accent1"/>
+          </a:effectRef>
+          <a:fontRef idx="minor">
+            <a:schemeClr val="tx1"/>
+          </a:fontRef>
+        </p:style>
+      </p:cxnSp>
+      <p:sp>
+        <p:nvSpPr>
+          <p:cNvPr id="11" name="TextBox 10">
+            <a:extLst>
+              <a:ext uri="{FF2B5EF4-FFF2-40B4-BE49-F238E27FC236}">
+                <a16:creationId xmlns:a16="http://schemas.microsoft.com/office/drawing/2014/main" id="{AA3E2B00-5FED-4FC5-A88E-EEA575011969}"/>
+              </a:ext>
+            </a:extLst>
+          </p:cNvPr>
+          <p:cNvSpPr txBox="1"/>
+          <p:nvPr/>
+        </p:nvSpPr>
+        <p:spPr>
+          <a:xfrm>
+            <a:off x="6499342" y="1017596"/>
+            <a:ext cx="863601" cy="369332"/>
+          </a:xfrm>
+          <a:prstGeom prst="rect">
+            <a:avLst/>
+          </a:prstGeom>
+          <a:noFill/>
+        </p:spPr>
+        <p:txBody>
+          <a:bodyPr wrap="square" rtlCol="0">
+            <a:spAutoFit/>
+          </a:bodyPr>
+          <a:lstStyle/>
+          <a:p>
+            <a:r>
+              <a:rPr lang="en-US" altLang="ko-KR" dirty="0"/>
+              <a:t>fork</a:t>
+            </a:r>
+            <a:endParaRPr lang="ko-KR" altLang="en-US" dirty="0"/>
+          </a:p>
+        </p:txBody>
+      </p:sp>
+      <p:sp>
+        <p:nvSpPr>
+          <p:cNvPr id="15" name="직사각형 14">
+            <a:extLst>
+              <a:ext uri="{FF2B5EF4-FFF2-40B4-BE49-F238E27FC236}">
+                <a16:creationId xmlns:a16="http://schemas.microsoft.com/office/drawing/2014/main" id="{12CB2225-3493-4A14-A01F-DE1A684CDA0E}"/>
+              </a:ext>
+            </a:extLst>
+          </p:cNvPr>
+          <p:cNvSpPr/>
+          <p:nvPr/>
+        </p:nvSpPr>
+        <p:spPr>
+          <a:xfrm>
+            <a:off x="7237833" y="349032"/>
+            <a:ext cx="1980071" cy="1706461"/>
+          </a:xfrm>
+          <a:prstGeom prst="rect">
+            <a:avLst/>
+          </a:prstGeom>
+        </p:spPr>
+        <p:style>
+          <a:lnRef idx="2">
+            <a:schemeClr val="accent1">
+              <a:shade val="50000"/>
+            </a:schemeClr>
+          </a:lnRef>
+          <a:fillRef idx="1">
+            <a:schemeClr val="accent1"/>
+          </a:fillRef>
+          <a:effectRef idx="0">
+            <a:schemeClr val="accent1"/>
+          </a:effectRef>
+          <a:fontRef idx="minor">
+            <a:schemeClr val="lt1"/>
+          </a:fontRef>
+        </p:style>
+        <p:txBody>
+          <a:bodyPr rtlCol="0" anchor="ctr"/>
+          <a:lstStyle/>
+          <a:p>
+            <a:pPr algn="ctr"/>
+            <a:r>
+              <a:rPr lang="ko-KR" altLang="en-US" dirty="0"/>
+              <a:t>여러분</a:t>
+            </a:r>
+            <a:endParaRPr lang="en-US" altLang="ko-KR" dirty="0"/>
+          </a:p>
+          <a:p>
+            <a:pPr algn="ctr"/>
+            <a:r>
+              <a:rPr lang="en-US" altLang="ko-KR" dirty="0"/>
+              <a:t>100day</a:t>
+            </a:r>
+          </a:p>
+          <a:p>
+            <a:pPr algn="ctr"/>
+            <a:r>
+              <a:rPr lang="en-US" altLang="ko-KR" dirty="0"/>
+              <a:t>(</a:t>
+            </a:r>
+            <a:r>
+              <a:rPr lang="ko-KR" altLang="en-US" dirty="0" err="1"/>
+              <a:t>내껄로</a:t>
+            </a:r>
+            <a:r>
+              <a:rPr lang="ko-KR" altLang="en-US" dirty="0"/>
+              <a:t> 옴</a:t>
+            </a:r>
+            <a:r>
+              <a:rPr lang="en-US" altLang="ko-KR" dirty="0"/>
+              <a:t>)</a:t>
+            </a:r>
+          </a:p>
+          <a:p>
+            <a:pPr algn="ctr"/>
+            <a:r>
+              <a:rPr lang="en-US" altLang="ko-KR" dirty="0"/>
+              <a:t>Push </a:t>
+            </a:r>
+            <a:r>
+              <a:rPr lang="ko-KR" altLang="en-US" dirty="0"/>
+              <a:t>됨</a:t>
+            </a:r>
+          </a:p>
+        </p:txBody>
+      </p:sp>
+      <p:sp>
+        <p:nvSpPr>
+          <p:cNvPr id="17" name="직사각형 16">
+            <a:extLst>
+              <a:ext uri="{FF2B5EF4-FFF2-40B4-BE49-F238E27FC236}">
+                <a16:creationId xmlns:a16="http://schemas.microsoft.com/office/drawing/2014/main" id="{0E47C087-39E9-423F-8B00-96BD56C78E79}"/>
+              </a:ext>
+            </a:extLst>
+          </p:cNvPr>
+          <p:cNvSpPr/>
+          <p:nvPr/>
+        </p:nvSpPr>
+        <p:spPr>
+          <a:xfrm>
+            <a:off x="7339431" y="4521889"/>
+            <a:ext cx="1980071" cy="1706461"/>
+          </a:xfrm>
+          <a:prstGeom prst="rect">
+            <a:avLst/>
+          </a:prstGeom>
+        </p:spPr>
+        <p:style>
+          <a:lnRef idx="2">
+            <a:schemeClr val="accent1">
+              <a:shade val="50000"/>
+            </a:schemeClr>
+          </a:lnRef>
+          <a:fillRef idx="1">
+            <a:schemeClr val="accent1"/>
+          </a:fillRef>
+          <a:effectRef idx="0">
+            <a:schemeClr val="accent1"/>
+          </a:effectRef>
+          <a:fontRef idx="minor">
+            <a:schemeClr val="lt1"/>
+          </a:fontRef>
+        </p:style>
+        <p:txBody>
+          <a:bodyPr rtlCol="0" anchor="ctr"/>
+          <a:lstStyle/>
+          <a:p>
+            <a:pPr algn="ctr"/>
+            <a:r>
+              <a:rPr lang="ko-KR" altLang="en-US" dirty="0"/>
+              <a:t>내 로컬 컴퓨터</a:t>
+            </a:r>
+            <a:endParaRPr lang="en-US" altLang="ko-KR" dirty="0"/>
+          </a:p>
+          <a:p>
+            <a:pPr algn="ctr"/>
+            <a:endParaRPr lang="en-US" altLang="ko-KR" dirty="0"/>
+          </a:p>
+          <a:p>
+            <a:pPr algn="ctr"/>
+            <a:r>
+              <a:rPr lang="en-US" altLang="ko-KR" dirty="0"/>
+              <a:t>(</a:t>
+            </a:r>
+            <a:r>
+              <a:rPr lang="ko-KR" altLang="en-US" dirty="0" err="1"/>
+              <a:t>내껄로</a:t>
+            </a:r>
+            <a:r>
+              <a:rPr lang="ko-KR" altLang="en-US" dirty="0"/>
+              <a:t> 옴</a:t>
+            </a:r>
+            <a:r>
+              <a:rPr lang="en-US" altLang="ko-KR" dirty="0"/>
+              <a:t>)</a:t>
+            </a:r>
+          </a:p>
+          <a:p>
+            <a:pPr algn="ctr"/>
+            <a:r>
+              <a:rPr lang="en-US" altLang="ko-KR" dirty="0"/>
+              <a:t>Push </a:t>
+            </a:r>
+            <a:r>
+              <a:rPr lang="ko-KR" altLang="en-US" dirty="0"/>
+              <a:t>됨</a:t>
+            </a:r>
+          </a:p>
+        </p:txBody>
+      </p:sp>
+      <p:cxnSp>
+        <p:nvCxnSpPr>
+          <p:cNvPr id="19" name="직선 화살표 연결선 18">
+            <a:extLst>
+              <a:ext uri="{FF2B5EF4-FFF2-40B4-BE49-F238E27FC236}">
+                <a16:creationId xmlns:a16="http://schemas.microsoft.com/office/drawing/2014/main" id="{1678DFAB-B50C-4A71-A6F6-49FD7431AA29}"/>
+              </a:ext>
+            </a:extLst>
+          </p:cNvPr>
+          <p:cNvCxnSpPr>
+            <a:cxnSpLocks/>
+          </p:cNvCxnSpPr>
+          <p:nvPr/>
+        </p:nvCxnSpPr>
+        <p:spPr>
+          <a:xfrm>
+            <a:off x="8226134" y="2160530"/>
+            <a:ext cx="0" cy="2232000"/>
+          </a:xfrm>
+          <a:prstGeom prst="straightConnector1">
+            <a:avLst/>
+          </a:prstGeom>
+          <a:ln>
+            <a:tailEnd type="triangle"/>
+          </a:ln>
+        </p:spPr>
+        <p:style>
+          <a:lnRef idx="1">
+            <a:schemeClr val="accent1"/>
+          </a:lnRef>
+          <a:fillRef idx="0">
+            <a:schemeClr val="accent1"/>
+          </a:fillRef>
+          <a:effectRef idx="0">
+            <a:schemeClr val="accent1"/>
+          </a:effectRef>
+          <a:fontRef idx="minor">
+            <a:schemeClr val="tx1"/>
+          </a:fontRef>
+        </p:style>
+      </p:cxnSp>
+      <p:cxnSp>
+        <p:nvCxnSpPr>
+          <p:cNvPr id="20" name="직선 화살표 연결선 19">
+            <a:extLst>
+              <a:ext uri="{FF2B5EF4-FFF2-40B4-BE49-F238E27FC236}">
+                <a16:creationId xmlns:a16="http://schemas.microsoft.com/office/drawing/2014/main" id="{D7AFCC85-D511-4629-BEAF-7AB49E8648F6}"/>
+              </a:ext>
+            </a:extLst>
+          </p:cNvPr>
+          <p:cNvCxnSpPr>
+            <a:cxnSpLocks/>
+          </p:cNvCxnSpPr>
+          <p:nvPr/>
+        </p:nvCxnSpPr>
+        <p:spPr>
+          <a:xfrm flipV="1">
+            <a:off x="8642976" y="2134684"/>
+            <a:ext cx="0" cy="2232000"/>
+          </a:xfrm>
+          <a:prstGeom prst="straightConnector1">
+            <a:avLst/>
+          </a:prstGeom>
+          <a:ln>
+            <a:tailEnd type="triangle"/>
+          </a:ln>
+        </p:spPr>
+        <p:style>
+          <a:lnRef idx="1">
+            <a:schemeClr val="accent1"/>
+          </a:lnRef>
+          <a:fillRef idx="0">
+            <a:schemeClr val="accent1"/>
+          </a:fillRef>
+          <a:effectRef idx="0">
+            <a:schemeClr val="accent1"/>
+          </a:effectRef>
+          <a:fontRef idx="minor">
+            <a:schemeClr val="tx1"/>
+          </a:fontRef>
+        </p:style>
+      </p:cxnSp>
+      <p:cxnSp>
+        <p:nvCxnSpPr>
+          <p:cNvPr id="23" name="직선 화살표 연결선 22">
+            <a:extLst>
+              <a:ext uri="{FF2B5EF4-FFF2-40B4-BE49-F238E27FC236}">
+                <a16:creationId xmlns:a16="http://schemas.microsoft.com/office/drawing/2014/main" id="{A2DA2065-3832-4B66-B219-906E77FA2684}"/>
+              </a:ext>
+            </a:extLst>
+          </p:cNvPr>
+          <p:cNvCxnSpPr>
+            <a:cxnSpLocks/>
+          </p:cNvCxnSpPr>
+          <p:nvPr/>
+        </p:nvCxnSpPr>
+        <p:spPr>
+          <a:xfrm flipH="1">
+            <a:off x="6499342" y="1635758"/>
+            <a:ext cx="518587" cy="0"/>
+          </a:xfrm>
+          <a:prstGeom prst="straightConnector1">
+            <a:avLst/>
+          </a:prstGeom>
+          <a:ln>
+            <a:tailEnd type="triangle"/>
+          </a:ln>
+        </p:spPr>
+        <p:style>
+          <a:lnRef idx="1">
+            <a:schemeClr val="accent1"/>
+          </a:lnRef>
+          <a:fillRef idx="0">
+            <a:schemeClr val="accent1"/>
+          </a:fillRef>
+          <a:effectRef idx="0">
+            <a:schemeClr val="accent1"/>
+          </a:effectRef>
+          <a:fontRef idx="minor">
+            <a:schemeClr val="tx1"/>
+          </a:fontRef>
+        </p:style>
+      </p:cxnSp>
+      <p:sp>
+        <p:nvSpPr>
+          <p:cNvPr id="25" name="TextBox 24">
+            <a:extLst>
+              <a:ext uri="{FF2B5EF4-FFF2-40B4-BE49-F238E27FC236}">
+                <a16:creationId xmlns:a16="http://schemas.microsoft.com/office/drawing/2014/main" id="{0DC282F8-4FEE-468D-9F79-05341B8A6A06}"/>
+              </a:ext>
+            </a:extLst>
+          </p:cNvPr>
+          <p:cNvSpPr txBox="1"/>
+          <p:nvPr/>
+        </p:nvSpPr>
+        <p:spPr>
+          <a:xfrm>
+            <a:off x="5740088" y="2134684"/>
+            <a:ext cx="2382107" cy="900246"/>
+          </a:xfrm>
+          <a:prstGeom prst="rect">
+            <a:avLst/>
+          </a:prstGeom>
+          <a:noFill/>
+          <a:ln w="31750">
+            <a:solidFill>
+              <a:schemeClr val="accent1"/>
+            </a:solidFill>
+            <a:prstDash val="dash"/>
+          </a:ln>
+        </p:spPr>
+        <p:txBody>
+          <a:bodyPr wrap="square" rtlCol="0">
+            <a:spAutoFit/>
+          </a:bodyPr>
+          <a:lstStyle/>
+          <a:p>
+            <a:r>
+              <a:rPr lang="ko-KR" altLang="en-US" sz="1050" dirty="0"/>
+              <a:t>차이점만 가져옴</a:t>
+            </a:r>
+            <a:endParaRPr lang="en-US" altLang="ko-KR" sz="1050" dirty="0"/>
+          </a:p>
+          <a:p>
+            <a:endParaRPr lang="en-US" altLang="ko-KR" sz="1050" dirty="0"/>
+          </a:p>
+          <a:p>
+            <a:r>
+              <a:rPr lang="ko-KR" altLang="en-US" sz="1050" dirty="0"/>
+              <a:t>내가 변경한 부분 가져갈 것 요청 </a:t>
+            </a:r>
+            <a:endParaRPr lang="en-US" altLang="ko-KR" sz="1050" dirty="0"/>
+          </a:p>
+          <a:p>
+            <a:endParaRPr lang="en-US" altLang="ko-KR" sz="1050" dirty="0"/>
+          </a:p>
+          <a:p>
+            <a:r>
+              <a:rPr lang="en-US" altLang="ko-KR" sz="1050" dirty="0"/>
+              <a:t>Pull request</a:t>
+            </a:r>
+            <a:endParaRPr lang="ko-KR" altLang="en-US" sz="1050" dirty="0"/>
+          </a:p>
+        </p:txBody>
+      </p:sp>
+      <p:sp>
+        <p:nvSpPr>
+          <p:cNvPr id="27" name="TextBox 26">
+            <a:extLst>
+              <a:ext uri="{FF2B5EF4-FFF2-40B4-BE49-F238E27FC236}">
+                <a16:creationId xmlns:a16="http://schemas.microsoft.com/office/drawing/2014/main" id="{BE3E872C-5048-4B18-8DB7-C7901A69A93C}"/>
+              </a:ext>
+            </a:extLst>
+          </p:cNvPr>
+          <p:cNvSpPr txBox="1"/>
+          <p:nvPr/>
+        </p:nvSpPr>
+        <p:spPr>
+          <a:xfrm>
+            <a:off x="6311900" y="1722595"/>
+            <a:ext cx="6096000" cy="369332"/>
+          </a:xfrm>
+          <a:prstGeom prst="rect">
+            <a:avLst/>
+          </a:prstGeom>
+          <a:noFill/>
+        </p:spPr>
+        <p:txBody>
+          <a:bodyPr wrap="square">
+            <a:spAutoFit/>
+          </a:bodyPr>
+          <a:lstStyle/>
+          <a:p>
+            <a:r>
+              <a:rPr lang="en-US" altLang="ko-KR" dirty="0"/>
+              <a:t>Pull request</a:t>
+            </a:r>
+            <a:endParaRPr lang="ko-KR" altLang="en-US" dirty="0"/>
+          </a:p>
+        </p:txBody>
+      </p:sp>
+      <p:sp>
+        <p:nvSpPr>
+          <p:cNvPr id="30" name="TextBox 29">
+            <a:extLst>
+              <a:ext uri="{FF2B5EF4-FFF2-40B4-BE49-F238E27FC236}">
+                <a16:creationId xmlns:a16="http://schemas.microsoft.com/office/drawing/2014/main" id="{35C8E831-2CEA-48B4-9BE8-969E197DA0C2}"/>
+              </a:ext>
+            </a:extLst>
+          </p:cNvPr>
+          <p:cNvSpPr txBox="1"/>
+          <p:nvPr/>
+        </p:nvSpPr>
+        <p:spPr>
+          <a:xfrm>
+            <a:off x="236277" y="250459"/>
+            <a:ext cx="3448591" cy="2585323"/>
+          </a:xfrm>
+          <a:prstGeom prst="rect">
+            <a:avLst/>
+          </a:prstGeom>
+          <a:noFill/>
+        </p:spPr>
+        <p:txBody>
+          <a:bodyPr wrap="square" rtlCol="0">
+            <a:spAutoFit/>
+          </a:bodyPr>
+          <a:lstStyle/>
+          <a:p>
+            <a:r>
+              <a:rPr lang="en-US" altLang="ko-KR" sz="5400" b="1"/>
+              <a:t>Pull Request </a:t>
+            </a:r>
+            <a:r>
+              <a:rPr lang="ko-KR" altLang="en-US" sz="5400" b="1" dirty="0"/>
+              <a:t>과정</a:t>
+            </a:r>
+          </a:p>
+        </p:txBody>
+      </p:sp>
+    </p:spTree>
+    <p:extLst>
+      <p:ext uri="{BB962C8B-B14F-4D97-AF65-F5344CB8AC3E}">
+        <p14:creationId xmlns:p14="http://schemas.microsoft.com/office/powerpoint/2010/main" val="3262997920"/>
+      </p:ext>
+    </p:extLst>
+  </p:cSld>
+  <p:clrMapOvr>
+    <a:masterClrMapping/>
+  </p:clrMapOvr>
+</p:sld>
+</file>
+
+<file path=ppt/slides/slide7.xml><?xml version="1.0" encoding="utf-8"?>
+<p:sld xmlns:a="http://schemas.openxmlformats.org/drawingml/2006/main" xmlns:r="http://schemas.openxmlformats.org/officeDocument/2006/relationships" xmlns:p="http://schemas.openxmlformats.org/presentationml/2006/main">
+  <p:cSld>
+    <p:spTree>
+      <p:nvGrpSpPr>
+        <p:cNvPr id="1" name=""/>
+        <p:cNvGrpSpPr/>
+        <p:nvPr/>
+      </p:nvGrpSpPr>
+      <p:grpSpPr>
+        <a:xfrm>
+          <a:off x="0" y="0"/>
+          <a:ext cx="0" cy="0"/>
+          <a:chOff x="0" y="0"/>
+          <a:chExt cx="0" cy="0"/>
+        </a:xfrm>
+      </p:grpSpPr>
+      <p:cxnSp>
+        <p:nvCxnSpPr>
+          <p:cNvPr id="3" name="직선 연결선 2">
+            <a:extLst>
+              <a:ext uri="{FF2B5EF4-FFF2-40B4-BE49-F238E27FC236}">
+                <a16:creationId xmlns:a16="http://schemas.microsoft.com/office/drawing/2014/main" id="{A35928E8-6B8E-483E-BFFC-C2160C705B2B}"/>
+              </a:ext>
+            </a:extLst>
+          </p:cNvPr>
+          <p:cNvCxnSpPr/>
+          <p:nvPr/>
+        </p:nvCxnSpPr>
+        <p:spPr>
+          <a:xfrm>
+            <a:off x="1371600" y="414746"/>
+            <a:ext cx="10123714" cy="0"/>
+          </a:xfrm>
+          <a:prstGeom prst="line">
+            <a:avLst/>
+          </a:prstGeom>
+        </p:spPr>
+        <p:style>
+          <a:lnRef idx="1">
+            <a:schemeClr val="accent1"/>
+          </a:lnRef>
+          <a:fillRef idx="0">
+            <a:schemeClr val="accent1"/>
+          </a:fillRef>
+          <a:effectRef idx="0">
+            <a:schemeClr val="accent1"/>
+          </a:effectRef>
+          <a:fontRef idx="minor">
+            <a:schemeClr val="tx1"/>
+          </a:fontRef>
+        </p:style>
+      </p:cxnSp>
+      <p:sp>
+        <p:nvSpPr>
+          <p:cNvPr id="5" name="TextBox 4">
+            <a:extLst>
+              <a:ext uri="{FF2B5EF4-FFF2-40B4-BE49-F238E27FC236}">
+                <a16:creationId xmlns:a16="http://schemas.microsoft.com/office/drawing/2014/main" id="{4C9E1BDD-FBC4-45A2-B802-E2A626587264}"/>
+              </a:ext>
+            </a:extLst>
+          </p:cNvPr>
+          <p:cNvSpPr txBox="1"/>
+          <p:nvPr/>
+        </p:nvSpPr>
+        <p:spPr>
+          <a:xfrm>
+            <a:off x="4075611" y="89979"/>
+            <a:ext cx="2468880" cy="369332"/>
+          </a:xfrm>
+          <a:prstGeom prst="rect">
+            <a:avLst/>
+          </a:prstGeom>
+          <a:noFill/>
+        </p:spPr>
+        <p:txBody>
+          <a:bodyPr wrap="square" rtlCol="0">
+            <a:spAutoFit/>
+          </a:bodyPr>
+          <a:lstStyle/>
+          <a:p>
+            <a:r>
+              <a:rPr lang="en-US" altLang="ko-KR" dirty="0"/>
+              <a:t>master</a:t>
+            </a:r>
+            <a:endParaRPr lang="ko-KR" altLang="en-US" dirty="0"/>
+          </a:p>
+        </p:txBody>
+      </p:sp>
+      <p:sp>
+        <p:nvSpPr>
+          <p:cNvPr id="6" name="타원 5">
+            <a:extLst>
+              <a:ext uri="{FF2B5EF4-FFF2-40B4-BE49-F238E27FC236}">
+                <a16:creationId xmlns:a16="http://schemas.microsoft.com/office/drawing/2014/main" id="{35202613-ABF3-4B66-8084-CA649188444C}"/>
+              </a:ext>
+            </a:extLst>
+          </p:cNvPr>
+          <p:cNvSpPr/>
+          <p:nvPr/>
+        </p:nvSpPr>
+        <p:spPr>
+          <a:xfrm>
+            <a:off x="2136321" y="362805"/>
+            <a:ext cx="1534883" cy="1534883"/>
+          </a:xfrm>
+          <a:prstGeom prst="ellipse">
+            <a:avLst/>
+          </a:prstGeom>
+        </p:spPr>
+        <p:style>
+          <a:lnRef idx="2">
+            <a:schemeClr val="accent1">
+              <a:shade val="50000"/>
+            </a:schemeClr>
+          </a:lnRef>
+          <a:fillRef idx="1">
+            <a:schemeClr val="accent1"/>
+          </a:fillRef>
+          <a:effectRef idx="0">
+            <a:schemeClr val="accent1"/>
+          </a:effectRef>
+          <a:fontRef idx="minor">
+            <a:schemeClr val="lt1"/>
+          </a:fontRef>
+        </p:style>
+        <p:txBody>
+          <a:bodyPr rtlCol="0" anchor="ctr"/>
+          <a:lstStyle/>
+          <a:p>
+            <a:pPr algn="ctr"/>
+            <a:r>
+              <a:rPr lang="en-US" altLang="ko-KR" dirty="0"/>
+              <a:t>a.txt</a:t>
+            </a:r>
+            <a:endParaRPr lang="ko-KR" altLang="en-US" dirty="0"/>
+          </a:p>
+        </p:txBody>
+      </p:sp>
+      <p:cxnSp>
+        <p:nvCxnSpPr>
+          <p:cNvPr id="7" name="직선 연결선 6">
+            <a:extLst>
+              <a:ext uri="{FF2B5EF4-FFF2-40B4-BE49-F238E27FC236}">
+                <a16:creationId xmlns:a16="http://schemas.microsoft.com/office/drawing/2014/main" id="{3566BCB0-FDE5-47A7-A6BD-CA8DF01D7BAE}"/>
+              </a:ext>
+            </a:extLst>
+          </p:cNvPr>
+          <p:cNvCxnSpPr/>
+          <p:nvPr/>
+        </p:nvCxnSpPr>
+        <p:spPr>
+          <a:xfrm>
+            <a:off x="1371600" y="2222455"/>
+            <a:ext cx="10123714" cy="0"/>
+          </a:xfrm>
+          <a:prstGeom prst="line">
+            <a:avLst/>
+          </a:prstGeom>
+        </p:spPr>
+        <p:style>
+          <a:lnRef idx="1">
+            <a:schemeClr val="accent1"/>
+          </a:lnRef>
+          <a:fillRef idx="0">
+            <a:schemeClr val="accent1"/>
+          </a:fillRef>
+          <a:effectRef idx="0">
+            <a:schemeClr val="accent1"/>
+          </a:effectRef>
+          <a:fontRef idx="minor">
+            <a:schemeClr val="tx1"/>
+          </a:fontRef>
+        </p:style>
+      </p:cxnSp>
+      <p:sp>
+        <p:nvSpPr>
+          <p:cNvPr id="8" name="TextBox 7">
+            <a:extLst>
+              <a:ext uri="{FF2B5EF4-FFF2-40B4-BE49-F238E27FC236}">
+                <a16:creationId xmlns:a16="http://schemas.microsoft.com/office/drawing/2014/main" id="{710DB5FA-44B5-4F5C-A65B-8270FA0DEB02}"/>
+              </a:ext>
+            </a:extLst>
+          </p:cNvPr>
+          <p:cNvSpPr txBox="1"/>
+          <p:nvPr/>
+        </p:nvSpPr>
+        <p:spPr>
+          <a:xfrm>
+            <a:off x="5610494" y="1891395"/>
+            <a:ext cx="2468880" cy="369332"/>
+          </a:xfrm>
+          <a:prstGeom prst="rect">
+            <a:avLst/>
+          </a:prstGeom>
+          <a:noFill/>
+        </p:spPr>
+        <p:txBody>
+          <a:bodyPr wrap="square" rtlCol="0">
+            <a:spAutoFit/>
+          </a:bodyPr>
+          <a:lstStyle/>
+          <a:p>
+            <a:r>
+              <a:rPr lang="en-US" altLang="ko-KR" dirty="0"/>
+              <a:t>Tester  (</a:t>
+            </a:r>
+            <a:r>
+              <a:rPr lang="ko-KR" altLang="en-US" dirty="0"/>
+              <a:t>원재</a:t>
+            </a:r>
+            <a:r>
+              <a:rPr lang="en-US" altLang="ko-KR" dirty="0"/>
+              <a:t>)</a:t>
+            </a:r>
+            <a:endParaRPr lang="ko-KR" altLang="en-US" dirty="0"/>
+          </a:p>
+        </p:txBody>
+      </p:sp>
+      <p:sp>
+        <p:nvSpPr>
+          <p:cNvPr id="9" name="TextBox 8">
+            <a:extLst>
+              <a:ext uri="{FF2B5EF4-FFF2-40B4-BE49-F238E27FC236}">
+                <a16:creationId xmlns:a16="http://schemas.microsoft.com/office/drawing/2014/main" id="{3C536BCB-CACF-4CD8-8484-B7FC2B4866C4}"/>
+              </a:ext>
+            </a:extLst>
+          </p:cNvPr>
+          <p:cNvSpPr txBox="1"/>
+          <p:nvPr/>
+        </p:nvSpPr>
+        <p:spPr>
+          <a:xfrm>
+            <a:off x="8364583" y="1843326"/>
+            <a:ext cx="2808514" cy="369332"/>
+          </a:xfrm>
+          <a:prstGeom prst="rect">
+            <a:avLst/>
+          </a:prstGeom>
+          <a:noFill/>
+        </p:spPr>
+        <p:txBody>
+          <a:bodyPr wrap="square" rtlCol="0">
+            <a:spAutoFit/>
+          </a:bodyPr>
+          <a:lstStyle/>
+          <a:p>
+            <a:r>
+              <a:rPr lang="en-US" altLang="ko-KR" dirty="0"/>
+              <a:t>Branch </a:t>
+            </a:r>
+            <a:r>
+              <a:rPr lang="ko-KR" altLang="en-US" dirty="0"/>
+              <a:t>생성 문법</a:t>
+            </a:r>
+          </a:p>
+        </p:txBody>
+      </p:sp>
+      <p:sp>
+        <p:nvSpPr>
+          <p:cNvPr id="10" name="타원 9">
+            <a:extLst>
+              <a:ext uri="{FF2B5EF4-FFF2-40B4-BE49-F238E27FC236}">
+                <a16:creationId xmlns:a16="http://schemas.microsoft.com/office/drawing/2014/main" id="{7E45F7A2-7BC6-4840-BDDD-AB7109242CCE}"/>
+              </a:ext>
+            </a:extLst>
+          </p:cNvPr>
+          <p:cNvSpPr/>
+          <p:nvPr/>
+        </p:nvSpPr>
+        <p:spPr>
+          <a:xfrm>
+            <a:off x="1850571" y="2901722"/>
+            <a:ext cx="1534883" cy="1534883"/>
+          </a:xfrm>
+          <a:prstGeom prst="ellipse">
+            <a:avLst/>
+          </a:prstGeom>
+        </p:spPr>
+        <p:style>
+          <a:lnRef idx="2">
+            <a:schemeClr val="accent1">
+              <a:shade val="50000"/>
+            </a:schemeClr>
+          </a:lnRef>
+          <a:fillRef idx="1">
+            <a:schemeClr val="accent1"/>
+          </a:fillRef>
+          <a:effectRef idx="0">
+            <a:schemeClr val="accent1"/>
+          </a:effectRef>
+          <a:fontRef idx="minor">
+            <a:schemeClr val="lt1"/>
+          </a:fontRef>
+        </p:style>
+        <p:txBody>
+          <a:bodyPr rtlCol="0" anchor="ctr"/>
+          <a:lstStyle/>
+          <a:p>
+            <a:pPr algn="ctr"/>
+            <a:r>
+              <a:rPr lang="en-US" altLang="ko-KR" dirty="0"/>
+              <a:t>a.txt</a:t>
+            </a:r>
+            <a:endParaRPr lang="ko-KR" altLang="en-US" dirty="0"/>
+          </a:p>
+          <a:p>
+            <a:pPr algn="ctr"/>
+            <a:endParaRPr lang="ko-KR" altLang="en-US" dirty="0"/>
+          </a:p>
+        </p:txBody>
+      </p:sp>
+      <p:sp>
+        <p:nvSpPr>
+          <p:cNvPr id="11" name="타원 10">
+            <a:extLst>
+              <a:ext uri="{FF2B5EF4-FFF2-40B4-BE49-F238E27FC236}">
+                <a16:creationId xmlns:a16="http://schemas.microsoft.com/office/drawing/2014/main" id="{5CCA6FF0-3C62-4704-B2D4-D0F52EA9EF4F}"/>
+              </a:ext>
+            </a:extLst>
+          </p:cNvPr>
+          <p:cNvSpPr/>
+          <p:nvPr/>
+        </p:nvSpPr>
+        <p:spPr>
+          <a:xfrm>
+            <a:off x="4075611" y="2954587"/>
+            <a:ext cx="1534883" cy="1534883"/>
+          </a:xfrm>
+          <a:prstGeom prst="ellipse">
+            <a:avLst/>
+          </a:prstGeom>
+        </p:spPr>
+        <p:style>
+          <a:lnRef idx="2">
+            <a:schemeClr val="accent1">
+              <a:shade val="50000"/>
+            </a:schemeClr>
+          </a:lnRef>
+          <a:fillRef idx="1">
+            <a:schemeClr val="accent1"/>
+          </a:fillRef>
+          <a:effectRef idx="0">
+            <a:schemeClr val="accent1"/>
+          </a:effectRef>
+          <a:fontRef idx="minor">
+            <a:schemeClr val="lt1"/>
+          </a:fontRef>
+        </p:style>
+        <p:txBody>
+          <a:bodyPr rtlCol="0" anchor="ctr"/>
+          <a:lstStyle/>
+          <a:p>
+            <a:pPr algn="ctr"/>
+            <a:r>
+              <a:rPr lang="en-US" altLang="ko-KR" dirty="0"/>
+              <a:t>b.txt</a:t>
+            </a:r>
+            <a:endParaRPr lang="ko-KR" altLang="en-US" dirty="0"/>
+          </a:p>
+          <a:p>
+            <a:pPr algn="ctr"/>
+            <a:endParaRPr lang="ko-KR" altLang="en-US" dirty="0"/>
+          </a:p>
+        </p:txBody>
+      </p:sp>
+      <p:cxnSp>
+        <p:nvCxnSpPr>
+          <p:cNvPr id="12" name="직선 연결선 11">
+            <a:extLst>
+              <a:ext uri="{FF2B5EF4-FFF2-40B4-BE49-F238E27FC236}">
+                <a16:creationId xmlns:a16="http://schemas.microsoft.com/office/drawing/2014/main" id="{3480E103-FEE0-434C-BECE-C206F80866C5}"/>
+              </a:ext>
+            </a:extLst>
+          </p:cNvPr>
+          <p:cNvCxnSpPr/>
+          <p:nvPr/>
+        </p:nvCxnSpPr>
+        <p:spPr>
+          <a:xfrm>
+            <a:off x="1482634" y="4828389"/>
+            <a:ext cx="10123714" cy="0"/>
+          </a:xfrm>
+          <a:prstGeom prst="line">
+            <a:avLst/>
+          </a:prstGeom>
+        </p:spPr>
+        <p:style>
+          <a:lnRef idx="1">
+            <a:schemeClr val="accent1"/>
+          </a:lnRef>
+          <a:fillRef idx="0">
+            <a:schemeClr val="accent1"/>
+          </a:fillRef>
+          <a:effectRef idx="0">
+            <a:schemeClr val="accent1"/>
+          </a:effectRef>
+          <a:fontRef idx="minor">
+            <a:schemeClr val="tx1"/>
+          </a:fontRef>
+        </p:style>
+      </p:cxnSp>
+      <p:sp>
+        <p:nvSpPr>
+          <p:cNvPr id="13" name="TextBox 12">
+            <a:extLst>
+              <a:ext uri="{FF2B5EF4-FFF2-40B4-BE49-F238E27FC236}">
+                <a16:creationId xmlns:a16="http://schemas.microsoft.com/office/drawing/2014/main" id="{5A9BBC8D-E98A-4A87-B485-22ADAB1C75C5}"/>
+              </a:ext>
+            </a:extLst>
+          </p:cNvPr>
+          <p:cNvSpPr txBox="1"/>
+          <p:nvPr/>
+        </p:nvSpPr>
+        <p:spPr>
+          <a:xfrm>
+            <a:off x="5721528" y="4497329"/>
+            <a:ext cx="2468880" cy="369332"/>
+          </a:xfrm>
+          <a:prstGeom prst="rect">
+            <a:avLst/>
+          </a:prstGeom>
+          <a:noFill/>
+        </p:spPr>
+        <p:txBody>
+          <a:bodyPr wrap="square" rtlCol="0">
+            <a:spAutoFit/>
+          </a:bodyPr>
+          <a:lstStyle/>
+          <a:p>
+            <a:r>
+              <a:rPr lang="en-US" altLang="ko-KR" dirty="0"/>
+              <a:t>Tester  (</a:t>
+            </a:r>
+            <a:r>
+              <a:rPr lang="ko-KR" altLang="en-US" dirty="0"/>
+              <a:t>현호</a:t>
+            </a:r>
+            <a:r>
+              <a:rPr lang="en-US" altLang="ko-KR" dirty="0"/>
+              <a:t>)</a:t>
+            </a:r>
+            <a:endParaRPr lang="ko-KR" altLang="en-US" dirty="0"/>
+          </a:p>
+        </p:txBody>
+      </p:sp>
+      <p:sp>
+        <p:nvSpPr>
+          <p:cNvPr id="14" name="TextBox 13">
+            <a:extLst>
+              <a:ext uri="{FF2B5EF4-FFF2-40B4-BE49-F238E27FC236}">
+                <a16:creationId xmlns:a16="http://schemas.microsoft.com/office/drawing/2014/main" id="{85C036CD-0901-4AF9-AC99-0A2278F68D7C}"/>
+              </a:ext>
+            </a:extLst>
+          </p:cNvPr>
+          <p:cNvSpPr txBox="1"/>
+          <p:nvPr/>
+        </p:nvSpPr>
+        <p:spPr>
+          <a:xfrm>
+            <a:off x="8475617" y="4449260"/>
+            <a:ext cx="2808514" cy="369332"/>
+          </a:xfrm>
+          <a:prstGeom prst="rect">
+            <a:avLst/>
+          </a:prstGeom>
+          <a:noFill/>
+        </p:spPr>
+        <p:txBody>
+          <a:bodyPr wrap="square" rtlCol="0">
+            <a:spAutoFit/>
+          </a:bodyPr>
+          <a:lstStyle/>
+          <a:p>
+            <a:r>
+              <a:rPr lang="en-US" altLang="ko-KR" dirty="0"/>
+              <a:t>Branch </a:t>
+            </a:r>
+            <a:r>
+              <a:rPr lang="ko-KR" altLang="en-US" dirty="0"/>
+              <a:t>생성 문법</a:t>
+            </a:r>
+          </a:p>
+        </p:txBody>
+      </p:sp>
+      <p:sp>
+        <p:nvSpPr>
+          <p:cNvPr id="15" name="타원 14">
+            <a:extLst>
+              <a:ext uri="{FF2B5EF4-FFF2-40B4-BE49-F238E27FC236}">
+                <a16:creationId xmlns:a16="http://schemas.microsoft.com/office/drawing/2014/main" id="{96BA05F9-7456-4618-945F-2ABDC8FEF967}"/>
+              </a:ext>
+            </a:extLst>
+          </p:cNvPr>
+          <p:cNvSpPr/>
+          <p:nvPr/>
+        </p:nvSpPr>
+        <p:spPr>
+          <a:xfrm>
+            <a:off x="1961605" y="5507656"/>
+            <a:ext cx="1534883" cy="1534883"/>
+          </a:xfrm>
+          <a:prstGeom prst="ellipse">
+            <a:avLst/>
+          </a:prstGeom>
+        </p:spPr>
+        <p:style>
+          <a:lnRef idx="2">
+            <a:schemeClr val="accent1">
+              <a:shade val="50000"/>
+            </a:schemeClr>
+          </a:lnRef>
+          <a:fillRef idx="1">
+            <a:schemeClr val="accent1"/>
+          </a:fillRef>
+          <a:effectRef idx="0">
+            <a:schemeClr val="accent1"/>
+          </a:effectRef>
+          <a:fontRef idx="minor">
+            <a:schemeClr val="lt1"/>
+          </a:fontRef>
+        </p:style>
+        <p:txBody>
+          <a:bodyPr rtlCol="0" anchor="ctr"/>
+          <a:lstStyle/>
+          <a:p>
+            <a:pPr algn="ctr"/>
+            <a:r>
+              <a:rPr lang="en-US" altLang="ko-KR" dirty="0"/>
+              <a:t>a.txt</a:t>
+            </a:r>
+            <a:endParaRPr lang="ko-KR" altLang="en-US" dirty="0"/>
+          </a:p>
+          <a:p>
+            <a:pPr algn="ctr"/>
+            <a:endParaRPr lang="ko-KR" altLang="en-US" dirty="0"/>
+          </a:p>
+        </p:txBody>
+      </p:sp>
+      <p:sp>
+        <p:nvSpPr>
+          <p:cNvPr id="16" name="타원 15">
+            <a:extLst>
+              <a:ext uri="{FF2B5EF4-FFF2-40B4-BE49-F238E27FC236}">
+                <a16:creationId xmlns:a16="http://schemas.microsoft.com/office/drawing/2014/main" id="{9F2E38CB-74ED-416B-856D-8403F391E6A1}"/>
+              </a:ext>
+            </a:extLst>
+          </p:cNvPr>
+          <p:cNvSpPr/>
+          <p:nvPr/>
+        </p:nvSpPr>
+        <p:spPr>
+          <a:xfrm>
+            <a:off x="4186645" y="5560521"/>
+            <a:ext cx="1534883" cy="1534883"/>
+          </a:xfrm>
+          <a:prstGeom prst="ellipse">
+            <a:avLst/>
+          </a:prstGeom>
+        </p:spPr>
+        <p:style>
+          <a:lnRef idx="2">
+            <a:schemeClr val="accent1">
+              <a:shade val="50000"/>
+            </a:schemeClr>
+          </a:lnRef>
+          <a:fillRef idx="1">
+            <a:schemeClr val="accent1"/>
+          </a:fillRef>
+          <a:effectRef idx="0">
+            <a:schemeClr val="accent1"/>
+          </a:effectRef>
+          <a:fontRef idx="minor">
+            <a:schemeClr val="lt1"/>
+          </a:fontRef>
+        </p:style>
+        <p:txBody>
+          <a:bodyPr rtlCol="0" anchor="ctr"/>
+          <a:lstStyle/>
+          <a:p>
+            <a:pPr algn="ctr"/>
+            <a:r>
+              <a:rPr lang="en-US" altLang="ko-KR" dirty="0"/>
+              <a:t>c.txt</a:t>
+            </a:r>
+            <a:endParaRPr lang="ko-KR" altLang="en-US" dirty="0"/>
+          </a:p>
+          <a:p>
+            <a:pPr algn="ctr"/>
+            <a:endParaRPr lang="ko-KR" altLang="en-US" dirty="0"/>
+          </a:p>
+        </p:txBody>
+      </p:sp>
+    </p:spTree>
+    <p:extLst>
+      <p:ext uri="{BB962C8B-B14F-4D97-AF65-F5344CB8AC3E}">
+        <p14:creationId xmlns:p14="http://schemas.microsoft.com/office/powerpoint/2010/main" val="4157821890"/>
+      </p:ext>
+    </p:extLst>
+  </p:cSld>
+  <p:clrMapOvr>
+    <a:masterClrMapping/>
+  </p:clrMapOvr>
+</p:sld>
+</file>
+
+<file path=ppt/slides/slide8.xml><?xml version="1.0" encoding="utf-8"?>
+<p:sld xmlns:a="http://schemas.openxmlformats.org/drawingml/2006/main" xmlns:r="http://schemas.openxmlformats.org/officeDocument/2006/relationships" xmlns:p="http://schemas.openxmlformats.org/presentationml/2006/main">
+  <p:cSld>
+    <p:spTree>
+      <p:nvGrpSpPr>
+        <p:cNvPr id="1" name=""/>
+        <p:cNvGrpSpPr/>
+        <p:nvPr/>
+      </p:nvGrpSpPr>
+      <p:grpSpPr>
+        <a:xfrm>
+          <a:off x="0" y="0"/>
+          <a:ext cx="0" cy="0"/>
+          <a:chOff x="0" y="0"/>
+          <a:chExt cx="0" cy="0"/>
+        </a:xfrm>
+      </p:grpSpPr>
+      <p:cxnSp>
+        <p:nvCxnSpPr>
+          <p:cNvPr id="3" name="직선 연결선 2">
+            <a:extLst>
+              <a:ext uri="{FF2B5EF4-FFF2-40B4-BE49-F238E27FC236}">
+                <a16:creationId xmlns:a16="http://schemas.microsoft.com/office/drawing/2014/main" id="{A35928E8-6B8E-483E-BFFC-C2160C705B2B}"/>
+              </a:ext>
+            </a:extLst>
+          </p:cNvPr>
+          <p:cNvCxnSpPr/>
+          <p:nvPr/>
+        </p:nvCxnSpPr>
+        <p:spPr>
+          <a:xfrm>
+            <a:off x="1371600" y="414746"/>
+            <a:ext cx="10123714" cy="0"/>
+          </a:xfrm>
+          <a:prstGeom prst="line">
+            <a:avLst/>
+          </a:prstGeom>
+        </p:spPr>
+        <p:style>
+          <a:lnRef idx="1">
+            <a:schemeClr val="accent1"/>
+          </a:lnRef>
+          <a:fillRef idx="0">
+            <a:schemeClr val="accent1"/>
+          </a:fillRef>
+          <a:effectRef idx="0">
+            <a:schemeClr val="accent1"/>
+          </a:effectRef>
+          <a:fontRef idx="minor">
+            <a:schemeClr val="tx1"/>
+          </a:fontRef>
+        </p:style>
+      </p:cxnSp>
+      <p:sp>
+        <p:nvSpPr>
+          <p:cNvPr id="5" name="TextBox 4">
+            <a:extLst>
+              <a:ext uri="{FF2B5EF4-FFF2-40B4-BE49-F238E27FC236}">
+                <a16:creationId xmlns:a16="http://schemas.microsoft.com/office/drawing/2014/main" id="{4C9E1BDD-FBC4-45A2-B802-E2A626587264}"/>
+              </a:ext>
+            </a:extLst>
+          </p:cNvPr>
+          <p:cNvSpPr txBox="1"/>
+          <p:nvPr/>
+        </p:nvSpPr>
+        <p:spPr>
+          <a:xfrm>
+            <a:off x="4075611" y="89979"/>
+            <a:ext cx="2468880" cy="369332"/>
+          </a:xfrm>
+          <a:prstGeom prst="rect">
+            <a:avLst/>
+          </a:prstGeom>
+          <a:noFill/>
+        </p:spPr>
+        <p:txBody>
+          <a:bodyPr wrap="square" rtlCol="0">
+            <a:spAutoFit/>
+          </a:bodyPr>
+          <a:lstStyle/>
+          <a:p>
+            <a:r>
+              <a:rPr lang="en-US" altLang="ko-KR" dirty="0"/>
+              <a:t>master</a:t>
+            </a:r>
+            <a:endParaRPr lang="ko-KR" altLang="en-US" dirty="0"/>
+          </a:p>
+        </p:txBody>
+      </p:sp>
+      <p:sp>
+        <p:nvSpPr>
+          <p:cNvPr id="6" name="타원 5">
+            <a:extLst>
+              <a:ext uri="{FF2B5EF4-FFF2-40B4-BE49-F238E27FC236}">
+                <a16:creationId xmlns:a16="http://schemas.microsoft.com/office/drawing/2014/main" id="{35202613-ABF3-4B66-8084-CA649188444C}"/>
+              </a:ext>
+            </a:extLst>
+          </p:cNvPr>
+          <p:cNvSpPr/>
+          <p:nvPr/>
+        </p:nvSpPr>
+        <p:spPr>
+          <a:xfrm>
+            <a:off x="2136321" y="362805"/>
+            <a:ext cx="1534883" cy="1534883"/>
+          </a:xfrm>
+          <a:prstGeom prst="ellipse">
+            <a:avLst/>
+          </a:prstGeom>
+        </p:spPr>
+        <p:style>
+          <a:lnRef idx="2">
+            <a:schemeClr val="accent1">
+              <a:shade val="50000"/>
+            </a:schemeClr>
+          </a:lnRef>
+          <a:fillRef idx="1">
+            <a:schemeClr val="accent1"/>
+          </a:fillRef>
+          <a:effectRef idx="0">
+            <a:schemeClr val="accent1"/>
+          </a:effectRef>
+          <a:fontRef idx="minor">
+            <a:schemeClr val="lt1"/>
+          </a:fontRef>
+        </p:style>
+        <p:txBody>
+          <a:bodyPr rtlCol="0" anchor="ctr"/>
+          <a:lstStyle/>
+          <a:p>
+            <a:pPr algn="ctr"/>
+            <a:r>
+              <a:rPr lang="en-US" altLang="ko-KR" dirty="0"/>
+              <a:t>a.txt</a:t>
+            </a:r>
+            <a:endParaRPr lang="ko-KR" altLang="en-US" dirty="0"/>
+          </a:p>
+        </p:txBody>
+      </p:sp>
+      <p:cxnSp>
+        <p:nvCxnSpPr>
+          <p:cNvPr id="7" name="직선 연결선 6">
+            <a:extLst>
+              <a:ext uri="{FF2B5EF4-FFF2-40B4-BE49-F238E27FC236}">
+                <a16:creationId xmlns:a16="http://schemas.microsoft.com/office/drawing/2014/main" id="{3566BCB0-FDE5-47A7-A6BD-CA8DF01D7BAE}"/>
+              </a:ext>
+            </a:extLst>
+          </p:cNvPr>
+          <p:cNvCxnSpPr/>
+          <p:nvPr/>
+        </p:nvCxnSpPr>
+        <p:spPr>
+          <a:xfrm>
+            <a:off x="1371600" y="2222455"/>
+            <a:ext cx="10123714" cy="0"/>
+          </a:xfrm>
+          <a:prstGeom prst="line">
+            <a:avLst/>
+          </a:prstGeom>
+        </p:spPr>
+        <p:style>
+          <a:lnRef idx="1">
+            <a:schemeClr val="accent1"/>
+          </a:lnRef>
+          <a:fillRef idx="0">
+            <a:schemeClr val="accent1"/>
+          </a:fillRef>
+          <a:effectRef idx="0">
+            <a:schemeClr val="accent1"/>
+          </a:effectRef>
+          <a:fontRef idx="minor">
+            <a:schemeClr val="tx1"/>
+          </a:fontRef>
+        </p:style>
+      </p:cxnSp>
+      <p:sp>
+        <p:nvSpPr>
+          <p:cNvPr id="8" name="TextBox 7">
+            <a:extLst>
+              <a:ext uri="{FF2B5EF4-FFF2-40B4-BE49-F238E27FC236}">
+                <a16:creationId xmlns:a16="http://schemas.microsoft.com/office/drawing/2014/main" id="{710DB5FA-44B5-4F5C-A65B-8270FA0DEB02}"/>
+              </a:ext>
+            </a:extLst>
+          </p:cNvPr>
+          <p:cNvSpPr txBox="1"/>
+          <p:nvPr/>
+        </p:nvSpPr>
+        <p:spPr>
+          <a:xfrm>
+            <a:off x="5610494" y="1891395"/>
+            <a:ext cx="2468880" cy="369332"/>
+          </a:xfrm>
+          <a:prstGeom prst="rect">
+            <a:avLst/>
+          </a:prstGeom>
+          <a:noFill/>
+        </p:spPr>
+        <p:txBody>
+          <a:bodyPr wrap="square" rtlCol="0">
+            <a:spAutoFit/>
+          </a:bodyPr>
+          <a:lstStyle/>
+          <a:p>
+            <a:r>
+              <a:rPr lang="en-US" altLang="ko-KR" dirty="0"/>
+              <a:t>Tester  (</a:t>
+            </a:r>
+            <a:r>
+              <a:rPr lang="ko-KR" altLang="en-US" dirty="0"/>
+              <a:t>원재</a:t>
+            </a:r>
+            <a:r>
+              <a:rPr lang="en-US" altLang="ko-KR" dirty="0"/>
+              <a:t>)</a:t>
+            </a:r>
+            <a:endParaRPr lang="ko-KR" altLang="en-US" dirty="0"/>
+          </a:p>
+        </p:txBody>
+      </p:sp>
+      <p:sp>
+        <p:nvSpPr>
+          <p:cNvPr id="9" name="TextBox 8">
+            <a:extLst>
+              <a:ext uri="{FF2B5EF4-FFF2-40B4-BE49-F238E27FC236}">
+                <a16:creationId xmlns:a16="http://schemas.microsoft.com/office/drawing/2014/main" id="{3C536BCB-CACF-4CD8-8484-B7FC2B4866C4}"/>
+              </a:ext>
+            </a:extLst>
+          </p:cNvPr>
+          <p:cNvSpPr txBox="1"/>
+          <p:nvPr/>
+        </p:nvSpPr>
+        <p:spPr>
+          <a:xfrm>
+            <a:off x="8364583" y="1843326"/>
+            <a:ext cx="2808514" cy="369332"/>
+          </a:xfrm>
+          <a:prstGeom prst="rect">
+            <a:avLst/>
+          </a:prstGeom>
+          <a:noFill/>
+        </p:spPr>
+        <p:txBody>
+          <a:bodyPr wrap="square" rtlCol="0">
+            <a:spAutoFit/>
+          </a:bodyPr>
+          <a:lstStyle/>
+          <a:p>
+            <a:r>
+              <a:rPr lang="en-US" altLang="ko-KR" dirty="0"/>
+              <a:t>Branch </a:t>
+            </a:r>
+            <a:r>
+              <a:rPr lang="ko-KR" altLang="en-US" dirty="0"/>
+              <a:t>생성 문법</a:t>
+            </a:r>
+          </a:p>
+        </p:txBody>
+      </p:sp>
+      <p:sp>
+        <p:nvSpPr>
+          <p:cNvPr id="11" name="타원 10">
+            <a:extLst>
+              <a:ext uri="{FF2B5EF4-FFF2-40B4-BE49-F238E27FC236}">
+                <a16:creationId xmlns:a16="http://schemas.microsoft.com/office/drawing/2014/main" id="{5CCA6FF0-3C62-4704-B2D4-D0F52EA9EF4F}"/>
+              </a:ext>
+            </a:extLst>
+          </p:cNvPr>
+          <p:cNvSpPr/>
+          <p:nvPr/>
+        </p:nvSpPr>
+        <p:spPr>
+          <a:xfrm>
+            <a:off x="4075611" y="2954587"/>
+            <a:ext cx="1534883" cy="1534883"/>
+          </a:xfrm>
+          <a:prstGeom prst="ellipse">
+            <a:avLst/>
+          </a:prstGeom>
+        </p:spPr>
+        <p:style>
+          <a:lnRef idx="2">
+            <a:schemeClr val="accent1">
+              <a:shade val="50000"/>
+            </a:schemeClr>
+          </a:lnRef>
+          <a:fillRef idx="1">
+            <a:schemeClr val="accent1"/>
+          </a:fillRef>
+          <a:effectRef idx="0">
+            <a:schemeClr val="accent1"/>
+          </a:effectRef>
+          <a:fontRef idx="minor">
+            <a:schemeClr val="lt1"/>
+          </a:fontRef>
+        </p:style>
+        <p:txBody>
+          <a:bodyPr rtlCol="0" anchor="ctr"/>
+          <a:lstStyle/>
+          <a:p>
+            <a:pPr algn="ctr"/>
+            <a:r>
+              <a:rPr lang="en-US" altLang="ko-KR" dirty="0"/>
+              <a:t>b.txt</a:t>
+            </a:r>
+            <a:endParaRPr lang="ko-KR" altLang="en-US" dirty="0"/>
+          </a:p>
+          <a:p>
+            <a:pPr algn="ctr"/>
+            <a:endParaRPr lang="ko-KR" altLang="en-US" dirty="0"/>
+          </a:p>
+        </p:txBody>
+      </p:sp>
+      <p:cxnSp>
+        <p:nvCxnSpPr>
+          <p:cNvPr id="12" name="직선 연결선 11">
+            <a:extLst>
+              <a:ext uri="{FF2B5EF4-FFF2-40B4-BE49-F238E27FC236}">
+                <a16:creationId xmlns:a16="http://schemas.microsoft.com/office/drawing/2014/main" id="{3480E103-FEE0-434C-BECE-C206F80866C5}"/>
+              </a:ext>
+            </a:extLst>
+          </p:cNvPr>
+          <p:cNvCxnSpPr/>
+          <p:nvPr/>
+        </p:nvCxnSpPr>
+        <p:spPr>
+          <a:xfrm>
+            <a:off x="1482634" y="4828389"/>
+            <a:ext cx="10123714" cy="0"/>
+          </a:xfrm>
+          <a:prstGeom prst="line">
+            <a:avLst/>
+          </a:prstGeom>
+        </p:spPr>
+        <p:style>
+          <a:lnRef idx="1">
+            <a:schemeClr val="accent1"/>
+          </a:lnRef>
+          <a:fillRef idx="0">
+            <a:schemeClr val="accent1"/>
+          </a:fillRef>
+          <a:effectRef idx="0">
+            <a:schemeClr val="accent1"/>
+          </a:effectRef>
+          <a:fontRef idx="minor">
+            <a:schemeClr val="tx1"/>
+          </a:fontRef>
+        </p:style>
+      </p:cxnSp>
+      <p:sp>
+        <p:nvSpPr>
+          <p:cNvPr id="13" name="TextBox 12">
+            <a:extLst>
+              <a:ext uri="{FF2B5EF4-FFF2-40B4-BE49-F238E27FC236}">
+                <a16:creationId xmlns:a16="http://schemas.microsoft.com/office/drawing/2014/main" id="{5A9BBC8D-E98A-4A87-B485-22ADAB1C75C5}"/>
+              </a:ext>
+            </a:extLst>
+          </p:cNvPr>
+          <p:cNvSpPr txBox="1"/>
+          <p:nvPr/>
+        </p:nvSpPr>
+        <p:spPr>
+          <a:xfrm>
+            <a:off x="5721528" y="4497329"/>
+            <a:ext cx="2468880" cy="369332"/>
+          </a:xfrm>
+          <a:prstGeom prst="rect">
+            <a:avLst/>
+          </a:prstGeom>
+          <a:noFill/>
+        </p:spPr>
+        <p:txBody>
+          <a:bodyPr wrap="square" rtlCol="0">
+            <a:spAutoFit/>
+          </a:bodyPr>
+          <a:lstStyle/>
+          <a:p>
+            <a:r>
+              <a:rPr lang="en-US" altLang="ko-KR" dirty="0"/>
+              <a:t>Tester  (</a:t>
+            </a:r>
+            <a:r>
+              <a:rPr lang="ko-KR" altLang="en-US" dirty="0"/>
+              <a:t>현호</a:t>
+            </a:r>
+            <a:r>
+              <a:rPr lang="en-US" altLang="ko-KR" dirty="0"/>
+              <a:t>)</a:t>
+            </a:r>
+            <a:endParaRPr lang="ko-KR" altLang="en-US" dirty="0"/>
+          </a:p>
+        </p:txBody>
+      </p:sp>
+      <p:sp>
+        <p:nvSpPr>
+          <p:cNvPr id="14" name="TextBox 13">
+            <a:extLst>
+              <a:ext uri="{FF2B5EF4-FFF2-40B4-BE49-F238E27FC236}">
+                <a16:creationId xmlns:a16="http://schemas.microsoft.com/office/drawing/2014/main" id="{85C036CD-0901-4AF9-AC99-0A2278F68D7C}"/>
+              </a:ext>
+            </a:extLst>
+          </p:cNvPr>
+          <p:cNvSpPr txBox="1"/>
+          <p:nvPr/>
+        </p:nvSpPr>
+        <p:spPr>
+          <a:xfrm>
+            <a:off x="8475617" y="4449260"/>
+            <a:ext cx="2808514" cy="369332"/>
+          </a:xfrm>
+          <a:prstGeom prst="rect">
+            <a:avLst/>
+          </a:prstGeom>
+          <a:noFill/>
+        </p:spPr>
+        <p:txBody>
+          <a:bodyPr wrap="square" rtlCol="0">
+            <a:spAutoFit/>
+          </a:bodyPr>
+          <a:lstStyle/>
+          <a:p>
+            <a:r>
+              <a:rPr lang="en-US" altLang="ko-KR" dirty="0"/>
+              <a:t>Branch </a:t>
+            </a:r>
+            <a:r>
+              <a:rPr lang="ko-KR" altLang="en-US" dirty="0"/>
+              <a:t>생성 문법</a:t>
+            </a:r>
+          </a:p>
+        </p:txBody>
+      </p:sp>
+      <p:sp>
+        <p:nvSpPr>
+          <p:cNvPr id="16" name="타원 15">
+            <a:extLst>
+              <a:ext uri="{FF2B5EF4-FFF2-40B4-BE49-F238E27FC236}">
+                <a16:creationId xmlns:a16="http://schemas.microsoft.com/office/drawing/2014/main" id="{9F2E38CB-74ED-416B-856D-8403F391E6A1}"/>
+              </a:ext>
+            </a:extLst>
+          </p:cNvPr>
+          <p:cNvSpPr/>
+          <p:nvPr/>
+        </p:nvSpPr>
+        <p:spPr>
+          <a:xfrm>
+            <a:off x="4186645" y="5560521"/>
+            <a:ext cx="1534883" cy="1534883"/>
+          </a:xfrm>
+          <a:prstGeom prst="ellipse">
+            <a:avLst/>
+          </a:prstGeom>
+        </p:spPr>
+        <p:style>
+          <a:lnRef idx="2">
+            <a:schemeClr val="accent1">
+              <a:shade val="50000"/>
+            </a:schemeClr>
+          </a:lnRef>
+          <a:fillRef idx="1">
+            <a:schemeClr val="accent1"/>
+          </a:fillRef>
+          <a:effectRef idx="0">
+            <a:schemeClr val="accent1"/>
+          </a:effectRef>
+          <a:fontRef idx="minor">
+            <a:schemeClr val="lt1"/>
+          </a:fontRef>
+        </p:style>
+        <p:txBody>
+          <a:bodyPr rtlCol="0" anchor="ctr"/>
+          <a:lstStyle/>
+          <a:p>
+            <a:pPr algn="ctr"/>
+            <a:r>
+              <a:rPr lang="en-US" altLang="ko-KR" dirty="0"/>
+              <a:t>c.txt</a:t>
+            </a:r>
+            <a:endParaRPr lang="ko-KR" altLang="en-US" dirty="0"/>
+          </a:p>
+          <a:p>
+            <a:pPr algn="ctr"/>
+            <a:endParaRPr lang="ko-KR" altLang="en-US" dirty="0"/>
+          </a:p>
+        </p:txBody>
+      </p:sp>
+      <p:sp>
+        <p:nvSpPr>
+          <p:cNvPr id="2" name="직사각형 1">
+            <a:extLst>
+              <a:ext uri="{FF2B5EF4-FFF2-40B4-BE49-F238E27FC236}">
+                <a16:creationId xmlns:a16="http://schemas.microsoft.com/office/drawing/2014/main" id="{2EA1102A-19EB-405F-855F-E00C57F873E4}"/>
+              </a:ext>
+            </a:extLst>
+          </p:cNvPr>
+          <p:cNvSpPr/>
+          <p:nvPr/>
+        </p:nvSpPr>
+        <p:spPr>
+          <a:xfrm>
+            <a:off x="1009650" y="-647700"/>
+            <a:ext cx="6572250" cy="9182097"/>
+          </a:xfrm>
+          <a:prstGeom prst="rect">
+            <a:avLst/>
+          </a:prstGeom>
+          <a:noFill/>
+          <a:ln w="31750"/>
+        </p:spPr>
+        <p:style>
+          <a:lnRef idx="2">
+            <a:schemeClr val="accent1">
+              <a:shade val="50000"/>
+            </a:schemeClr>
+          </a:lnRef>
+          <a:fillRef idx="1">
+            <a:schemeClr val="accent1"/>
+          </a:fillRef>
+          <a:effectRef idx="0">
+            <a:schemeClr val="accent1"/>
+          </a:effectRef>
+          <a:fontRef idx="minor">
+            <a:schemeClr val="lt1"/>
+          </a:fontRef>
+        </p:style>
+        <p:txBody>
+          <a:bodyPr rtlCol="0" anchor="ctr"/>
+          <a:lstStyle/>
+          <a:p>
+            <a:pPr algn="ctr"/>
+            <a:endParaRPr lang="ko-KR" altLang="en-US"/>
+          </a:p>
+        </p:txBody>
+      </p:sp>
+      <p:sp>
+        <p:nvSpPr>
+          <p:cNvPr id="4" name="TextBox 3">
+            <a:extLst>
+              <a:ext uri="{FF2B5EF4-FFF2-40B4-BE49-F238E27FC236}">
+                <a16:creationId xmlns:a16="http://schemas.microsoft.com/office/drawing/2014/main" id="{AA70C435-9ABE-4BF7-9B3D-69637DFFC38F}"/>
+              </a:ext>
+            </a:extLst>
+          </p:cNvPr>
+          <p:cNvSpPr txBox="1"/>
+          <p:nvPr/>
+        </p:nvSpPr>
+        <p:spPr>
+          <a:xfrm>
+            <a:off x="2903762" y="7843262"/>
+            <a:ext cx="4687933" cy="1384995"/>
+          </a:xfrm>
+          <a:prstGeom prst="rect">
+            <a:avLst/>
+          </a:prstGeom>
+          <a:noFill/>
+        </p:spPr>
+        <p:txBody>
+          <a:bodyPr wrap="square" rtlCol="0">
+            <a:spAutoFit/>
+          </a:bodyPr>
+          <a:lstStyle/>
+          <a:p>
+            <a:r>
+              <a:rPr lang="en-US" altLang="ko-KR" sz="2800" b="1" dirty="0"/>
+              <a:t>Branch </a:t>
+            </a:r>
+            <a:r>
+              <a:rPr lang="ko-KR" altLang="en-US" sz="2800" b="1" dirty="0"/>
+              <a:t>합친다 </a:t>
+            </a:r>
+            <a:endParaRPr lang="en-US" altLang="ko-KR" sz="2800" b="1" dirty="0"/>
+          </a:p>
+          <a:p>
+            <a:r>
+              <a:rPr lang="en-US" altLang="ko-KR" sz="2800" b="1" dirty="0"/>
+              <a:t>Merge</a:t>
+            </a:r>
+            <a:r>
+              <a:rPr lang="ko-KR" altLang="en-US" sz="2800" b="1" dirty="0"/>
+              <a:t>한다</a:t>
+            </a:r>
+            <a:endParaRPr lang="en-US" altLang="ko-KR" sz="2800" b="1" dirty="0"/>
+          </a:p>
+          <a:p>
+            <a:r>
+              <a:rPr lang="ko-KR" altLang="en-US" sz="2800" b="1" dirty="0" err="1"/>
+              <a:t>남의꺼</a:t>
+            </a:r>
+            <a:r>
+              <a:rPr lang="ko-KR" altLang="en-US" sz="2800" b="1" dirty="0"/>
+              <a:t> 가져옴</a:t>
+            </a:r>
+          </a:p>
+        </p:txBody>
+      </p:sp>
+    </p:spTree>
+    <p:extLst>
+      <p:ext uri="{BB962C8B-B14F-4D97-AF65-F5344CB8AC3E}">
+        <p14:creationId xmlns:p14="http://schemas.microsoft.com/office/powerpoint/2010/main" val="2316865052"/>
+      </p:ext>
+    </p:extLst>
+  </p:cSld>
+  <p:clrMapOvr>
+    <a:masterClrMapping/>
+  </p:clrMapOvr>
+</p:sld>
+</file>
+
+<file path=ppt/slides/slide9.xml><?xml version="1.0" encoding="utf-8"?>
+<p:sld xmlns:a="http://schemas.openxmlformats.org/drawingml/2006/main" xmlns:r="http://schemas.openxmlformats.org/officeDocument/2006/relationships" xmlns:p="http://schemas.openxmlformats.org/presentationml/2006/main">
+  <p:cSld>
+    <p:spTree>
+      <p:nvGrpSpPr>
+        <p:cNvPr id="1" name=""/>
+        <p:cNvGrpSpPr/>
+        <p:nvPr/>
+      </p:nvGrpSpPr>
+      <p:grpSpPr>
+        <a:xfrm>
+          <a:off x="0" y="0"/>
+          <a:ext cx="0" cy="0"/>
+          <a:chOff x="0" y="0"/>
+          <a:chExt cx="0" cy="0"/>
+        </a:xfrm>
+      </p:grpSpPr>
+      <p:cxnSp>
+        <p:nvCxnSpPr>
+          <p:cNvPr id="3" name="직선 연결선 2">
+            <a:extLst>
+              <a:ext uri="{FF2B5EF4-FFF2-40B4-BE49-F238E27FC236}">
+                <a16:creationId xmlns:a16="http://schemas.microsoft.com/office/drawing/2014/main" id="{A35928E8-6B8E-483E-BFFC-C2160C705B2B}"/>
+              </a:ext>
+            </a:extLst>
+          </p:cNvPr>
+          <p:cNvCxnSpPr/>
+          <p:nvPr/>
+        </p:nvCxnSpPr>
+        <p:spPr>
+          <a:xfrm>
+            <a:off x="1181100" y="1436390"/>
+            <a:ext cx="10123714" cy="0"/>
+          </a:xfrm>
+          <a:prstGeom prst="line">
+            <a:avLst/>
+          </a:prstGeom>
+        </p:spPr>
+        <p:style>
+          <a:lnRef idx="1">
+            <a:schemeClr val="accent1"/>
+          </a:lnRef>
+          <a:fillRef idx="0">
+            <a:schemeClr val="accent1"/>
+          </a:fillRef>
+          <a:effectRef idx="0">
+            <a:schemeClr val="accent1"/>
+          </a:effectRef>
+          <a:fontRef idx="minor">
+            <a:schemeClr val="tx1"/>
+          </a:fontRef>
+        </p:style>
+      </p:cxnSp>
+      <p:sp>
+        <p:nvSpPr>
+          <p:cNvPr id="5" name="TextBox 4">
+            <a:extLst>
+              <a:ext uri="{FF2B5EF4-FFF2-40B4-BE49-F238E27FC236}">
+                <a16:creationId xmlns:a16="http://schemas.microsoft.com/office/drawing/2014/main" id="{4C9E1BDD-FBC4-45A2-B802-E2A626587264}"/>
+              </a:ext>
+            </a:extLst>
+          </p:cNvPr>
+          <p:cNvSpPr txBox="1"/>
+          <p:nvPr/>
+        </p:nvSpPr>
+        <p:spPr>
+          <a:xfrm>
+            <a:off x="3885111" y="1111623"/>
+            <a:ext cx="2468880" cy="369332"/>
+          </a:xfrm>
+          <a:prstGeom prst="rect">
+            <a:avLst/>
+          </a:prstGeom>
+          <a:noFill/>
+        </p:spPr>
+        <p:txBody>
+          <a:bodyPr wrap="square" rtlCol="0">
+            <a:spAutoFit/>
+          </a:bodyPr>
+          <a:lstStyle/>
+          <a:p>
+            <a:r>
+              <a:rPr lang="en-US" altLang="ko-KR" dirty="0"/>
+              <a:t>master</a:t>
+            </a:r>
+            <a:endParaRPr lang="ko-KR" altLang="en-US" dirty="0"/>
+          </a:p>
+        </p:txBody>
+      </p:sp>
+      <p:sp>
+        <p:nvSpPr>
+          <p:cNvPr id="6" name="타원 5">
+            <a:extLst>
+              <a:ext uri="{FF2B5EF4-FFF2-40B4-BE49-F238E27FC236}">
+                <a16:creationId xmlns:a16="http://schemas.microsoft.com/office/drawing/2014/main" id="{35202613-ABF3-4B66-8084-CA649188444C}"/>
+              </a:ext>
+            </a:extLst>
+          </p:cNvPr>
+          <p:cNvSpPr/>
+          <p:nvPr/>
+        </p:nvSpPr>
+        <p:spPr>
+          <a:xfrm>
+            <a:off x="1935618" y="1514753"/>
+            <a:ext cx="1534883" cy="1534883"/>
+          </a:xfrm>
+          <a:prstGeom prst="ellipse">
+            <a:avLst/>
+          </a:prstGeom>
+        </p:spPr>
+        <p:style>
+          <a:lnRef idx="2">
+            <a:schemeClr val="accent1">
+              <a:shade val="50000"/>
+            </a:schemeClr>
+          </a:lnRef>
+          <a:fillRef idx="1">
+            <a:schemeClr val="accent1"/>
+          </a:fillRef>
+          <a:effectRef idx="0">
+            <a:schemeClr val="accent1"/>
+          </a:effectRef>
+          <a:fontRef idx="minor">
+            <a:schemeClr val="lt1"/>
+          </a:fontRef>
+        </p:style>
+        <p:txBody>
+          <a:bodyPr rtlCol="0" anchor="ctr"/>
+          <a:lstStyle/>
+          <a:p>
+            <a:pPr algn="ctr"/>
+            <a:r>
+              <a:rPr lang="en-US" altLang="ko-KR" dirty="0"/>
+              <a:t>a.txt</a:t>
+            </a:r>
+            <a:endParaRPr lang="ko-KR" altLang="en-US" dirty="0"/>
+          </a:p>
+        </p:txBody>
+      </p:sp>
+      <p:cxnSp>
+        <p:nvCxnSpPr>
+          <p:cNvPr id="7" name="직선 연결선 6">
+            <a:extLst>
+              <a:ext uri="{FF2B5EF4-FFF2-40B4-BE49-F238E27FC236}">
+                <a16:creationId xmlns:a16="http://schemas.microsoft.com/office/drawing/2014/main" id="{3566BCB0-FDE5-47A7-A6BD-CA8DF01D7BAE}"/>
+              </a:ext>
+            </a:extLst>
+          </p:cNvPr>
+          <p:cNvCxnSpPr/>
+          <p:nvPr/>
+        </p:nvCxnSpPr>
+        <p:spPr>
+          <a:xfrm>
+            <a:off x="1181100" y="3244099"/>
+            <a:ext cx="10123714" cy="0"/>
+          </a:xfrm>
+          <a:prstGeom prst="line">
+            <a:avLst/>
+          </a:prstGeom>
+        </p:spPr>
+        <p:style>
+          <a:lnRef idx="1">
+            <a:schemeClr val="accent1"/>
+          </a:lnRef>
+          <a:fillRef idx="0">
+            <a:schemeClr val="accent1"/>
+          </a:fillRef>
+          <a:effectRef idx="0">
+            <a:schemeClr val="accent1"/>
+          </a:effectRef>
+          <a:fontRef idx="minor">
+            <a:schemeClr val="tx1"/>
+          </a:fontRef>
+        </p:style>
+      </p:cxnSp>
+      <p:sp>
+        <p:nvSpPr>
+          <p:cNvPr id="8" name="TextBox 7">
+            <a:extLst>
+              <a:ext uri="{FF2B5EF4-FFF2-40B4-BE49-F238E27FC236}">
+                <a16:creationId xmlns:a16="http://schemas.microsoft.com/office/drawing/2014/main" id="{710DB5FA-44B5-4F5C-A65B-8270FA0DEB02}"/>
+              </a:ext>
+            </a:extLst>
+          </p:cNvPr>
+          <p:cNvSpPr txBox="1"/>
+          <p:nvPr/>
+        </p:nvSpPr>
+        <p:spPr>
+          <a:xfrm>
+            <a:off x="5419994" y="2913039"/>
+            <a:ext cx="2468880" cy="369332"/>
+          </a:xfrm>
+          <a:prstGeom prst="rect">
+            <a:avLst/>
+          </a:prstGeom>
+          <a:noFill/>
+        </p:spPr>
+        <p:txBody>
+          <a:bodyPr wrap="square" rtlCol="0">
+            <a:spAutoFit/>
+          </a:bodyPr>
+          <a:lstStyle/>
+          <a:p>
+            <a:r>
+              <a:rPr lang="en-US" altLang="ko-KR" dirty="0"/>
+              <a:t>Tester  (sunny)</a:t>
+            </a:r>
+            <a:endParaRPr lang="ko-KR" altLang="en-US" dirty="0"/>
+          </a:p>
+        </p:txBody>
+      </p:sp>
+      <p:sp>
+        <p:nvSpPr>
+          <p:cNvPr id="9" name="TextBox 8">
+            <a:extLst>
+              <a:ext uri="{FF2B5EF4-FFF2-40B4-BE49-F238E27FC236}">
+                <a16:creationId xmlns:a16="http://schemas.microsoft.com/office/drawing/2014/main" id="{3C536BCB-CACF-4CD8-8484-B7FC2B4866C4}"/>
+              </a:ext>
+            </a:extLst>
+          </p:cNvPr>
+          <p:cNvSpPr txBox="1"/>
+          <p:nvPr/>
+        </p:nvSpPr>
+        <p:spPr>
+          <a:xfrm>
+            <a:off x="8174083" y="2864970"/>
+            <a:ext cx="2808514" cy="369332"/>
+          </a:xfrm>
+          <a:prstGeom prst="rect">
+            <a:avLst/>
+          </a:prstGeom>
+          <a:noFill/>
+        </p:spPr>
+        <p:txBody>
+          <a:bodyPr wrap="square" rtlCol="0">
+            <a:spAutoFit/>
+          </a:bodyPr>
+          <a:lstStyle/>
+          <a:p>
+            <a:r>
+              <a:rPr lang="en-US" altLang="ko-KR" dirty="0"/>
+              <a:t>Branch </a:t>
+            </a:r>
+            <a:r>
+              <a:rPr lang="ko-KR" altLang="en-US" dirty="0"/>
+              <a:t>생성 문법</a:t>
+            </a:r>
+          </a:p>
+        </p:txBody>
+      </p:sp>
+      <p:sp>
+        <p:nvSpPr>
+          <p:cNvPr id="11" name="타원 10">
+            <a:extLst>
+              <a:ext uri="{FF2B5EF4-FFF2-40B4-BE49-F238E27FC236}">
+                <a16:creationId xmlns:a16="http://schemas.microsoft.com/office/drawing/2014/main" id="{5CCA6FF0-3C62-4704-B2D4-D0F52EA9EF4F}"/>
+              </a:ext>
+            </a:extLst>
+          </p:cNvPr>
+          <p:cNvSpPr/>
+          <p:nvPr/>
+        </p:nvSpPr>
+        <p:spPr>
+          <a:xfrm>
+            <a:off x="3885111" y="3976231"/>
+            <a:ext cx="1534883" cy="1534883"/>
+          </a:xfrm>
+          <a:prstGeom prst="ellipse">
+            <a:avLst/>
+          </a:prstGeom>
+        </p:spPr>
+        <p:style>
+          <a:lnRef idx="2">
+            <a:schemeClr val="accent1">
+              <a:shade val="50000"/>
+            </a:schemeClr>
+          </a:lnRef>
+          <a:fillRef idx="1">
+            <a:schemeClr val="accent1"/>
+          </a:fillRef>
+          <a:effectRef idx="0">
+            <a:schemeClr val="accent1"/>
+          </a:effectRef>
+          <a:fontRef idx="minor">
+            <a:schemeClr val="lt1"/>
+          </a:fontRef>
+        </p:style>
+        <p:txBody>
+          <a:bodyPr rtlCol="0" anchor="ctr"/>
+          <a:lstStyle/>
+          <a:p>
+            <a:pPr algn="ctr"/>
+            <a:r>
+              <a:rPr lang="en-US" altLang="ko-KR" dirty="0"/>
+              <a:t>b.txt</a:t>
+            </a:r>
+            <a:endParaRPr lang="ko-KR" altLang="en-US" dirty="0"/>
+          </a:p>
+          <a:p>
+            <a:pPr algn="ctr"/>
+            <a:endParaRPr lang="ko-KR" altLang="en-US" dirty="0"/>
+          </a:p>
+        </p:txBody>
+      </p:sp>
+      <p:cxnSp>
+        <p:nvCxnSpPr>
+          <p:cNvPr id="12" name="직선 연결선 11">
+            <a:extLst>
+              <a:ext uri="{FF2B5EF4-FFF2-40B4-BE49-F238E27FC236}">
+                <a16:creationId xmlns:a16="http://schemas.microsoft.com/office/drawing/2014/main" id="{3480E103-FEE0-434C-BECE-C206F80866C5}"/>
+              </a:ext>
+            </a:extLst>
+          </p:cNvPr>
+          <p:cNvCxnSpPr/>
+          <p:nvPr/>
+        </p:nvCxnSpPr>
+        <p:spPr>
+          <a:xfrm>
+            <a:off x="1776001" y="7876389"/>
+            <a:ext cx="10123714" cy="0"/>
+          </a:xfrm>
+          <a:prstGeom prst="line">
+            <a:avLst/>
+          </a:prstGeom>
+        </p:spPr>
+        <p:style>
+          <a:lnRef idx="1">
+            <a:schemeClr val="accent1"/>
+          </a:lnRef>
+          <a:fillRef idx="0">
+            <a:schemeClr val="accent1"/>
+          </a:fillRef>
+          <a:effectRef idx="0">
+            <a:schemeClr val="accent1"/>
+          </a:effectRef>
+          <a:fontRef idx="minor">
+            <a:schemeClr val="tx1"/>
+          </a:fontRef>
+        </p:style>
+      </p:cxnSp>
+      <p:sp>
+        <p:nvSpPr>
+          <p:cNvPr id="13" name="TextBox 12">
+            <a:extLst>
+              <a:ext uri="{FF2B5EF4-FFF2-40B4-BE49-F238E27FC236}">
+                <a16:creationId xmlns:a16="http://schemas.microsoft.com/office/drawing/2014/main" id="{5A9BBC8D-E98A-4A87-B485-22ADAB1C75C5}"/>
+              </a:ext>
+            </a:extLst>
+          </p:cNvPr>
+          <p:cNvSpPr txBox="1"/>
+          <p:nvPr/>
+        </p:nvSpPr>
+        <p:spPr>
+          <a:xfrm>
+            <a:off x="6014895" y="7545329"/>
+            <a:ext cx="2468880" cy="369332"/>
+          </a:xfrm>
+          <a:prstGeom prst="rect">
+            <a:avLst/>
+          </a:prstGeom>
+          <a:noFill/>
+        </p:spPr>
+        <p:txBody>
+          <a:bodyPr wrap="square" rtlCol="0">
+            <a:spAutoFit/>
+          </a:bodyPr>
+          <a:lstStyle/>
+          <a:p>
+            <a:r>
+              <a:rPr lang="en-US" altLang="ko-KR" dirty="0"/>
+              <a:t>Tester  (</a:t>
+            </a:r>
+            <a:r>
+              <a:rPr lang="ko-KR" altLang="en-US" dirty="0"/>
+              <a:t>현호</a:t>
+            </a:r>
+            <a:r>
+              <a:rPr lang="en-US" altLang="ko-KR" dirty="0"/>
+              <a:t>)</a:t>
+            </a:r>
+            <a:endParaRPr lang="ko-KR" altLang="en-US" dirty="0"/>
+          </a:p>
+        </p:txBody>
+      </p:sp>
+      <p:sp>
+        <p:nvSpPr>
+          <p:cNvPr id="14" name="TextBox 13">
+            <a:extLst>
+              <a:ext uri="{FF2B5EF4-FFF2-40B4-BE49-F238E27FC236}">
+                <a16:creationId xmlns:a16="http://schemas.microsoft.com/office/drawing/2014/main" id="{85C036CD-0901-4AF9-AC99-0A2278F68D7C}"/>
+              </a:ext>
+            </a:extLst>
+          </p:cNvPr>
+          <p:cNvSpPr txBox="1"/>
+          <p:nvPr/>
+        </p:nvSpPr>
+        <p:spPr>
+          <a:xfrm>
+            <a:off x="8768984" y="7497260"/>
+            <a:ext cx="2808514" cy="369332"/>
+          </a:xfrm>
+          <a:prstGeom prst="rect">
+            <a:avLst/>
+          </a:prstGeom>
+          <a:noFill/>
+        </p:spPr>
+        <p:txBody>
+          <a:bodyPr wrap="square" rtlCol="0">
+            <a:spAutoFit/>
+          </a:bodyPr>
+          <a:lstStyle/>
+          <a:p>
+            <a:r>
+              <a:rPr lang="en-US" altLang="ko-KR" dirty="0"/>
+              <a:t>Branch </a:t>
+            </a:r>
+            <a:r>
+              <a:rPr lang="ko-KR" altLang="en-US" dirty="0"/>
+              <a:t>생성 문법</a:t>
+            </a:r>
+          </a:p>
+        </p:txBody>
+      </p:sp>
+      <p:sp>
+        <p:nvSpPr>
+          <p:cNvPr id="2" name="직사각형 1">
+            <a:extLst>
+              <a:ext uri="{FF2B5EF4-FFF2-40B4-BE49-F238E27FC236}">
+                <a16:creationId xmlns:a16="http://schemas.microsoft.com/office/drawing/2014/main" id="{2EA1102A-19EB-405F-855F-E00C57F873E4}"/>
+              </a:ext>
+            </a:extLst>
+          </p:cNvPr>
+          <p:cNvSpPr/>
+          <p:nvPr/>
+        </p:nvSpPr>
+        <p:spPr>
+          <a:xfrm>
+            <a:off x="-6865348" y="-141789"/>
+            <a:ext cx="6572250" cy="9182097"/>
+          </a:xfrm>
+          <a:prstGeom prst="rect">
+            <a:avLst/>
+          </a:prstGeom>
+          <a:noFill/>
+          <a:ln w="31750"/>
+        </p:spPr>
+        <p:style>
+          <a:lnRef idx="2">
+            <a:schemeClr val="accent1">
+              <a:shade val="50000"/>
+            </a:schemeClr>
+          </a:lnRef>
+          <a:fillRef idx="1">
+            <a:schemeClr val="accent1"/>
+          </a:fillRef>
+          <a:effectRef idx="0">
+            <a:schemeClr val="accent1"/>
+          </a:effectRef>
+          <a:fontRef idx="minor">
+            <a:schemeClr val="lt1"/>
+          </a:fontRef>
+        </p:style>
+        <p:txBody>
+          <a:bodyPr rtlCol="0" anchor="ctr"/>
+          <a:lstStyle/>
+          <a:p>
+            <a:pPr algn="ctr"/>
+            <a:endParaRPr lang="ko-KR" altLang="en-US"/>
+          </a:p>
+        </p:txBody>
+      </p:sp>
+    </p:spTree>
+    <p:extLst>
+      <p:ext uri="{BB962C8B-B14F-4D97-AF65-F5344CB8AC3E}">
+        <p14:creationId xmlns:p14="http://schemas.microsoft.com/office/powerpoint/2010/main" val="1774728945"/>
       </p:ext>
     </p:extLst>
   </p:cSld>
